--- a/picture/ppt/filesystem/filesystem.pptx
+++ b/picture/ppt/filesystem/filesystem.pptx
@@ -3445,6 +3445,12 @@
 <file path=ppt/slides/slide1.xml><?xml version="1.0" encoding="utf-8"?>
 <p:sld xmlns:a="http://schemas.openxmlformats.org/drawingml/2006/main" xmlns:r="http://schemas.openxmlformats.org/officeDocument/2006/relationships" xmlns:p="http://schemas.openxmlformats.org/presentationml/2006/main">
   <p:cSld>
+    <p:bg>
+      <p:bgPr>
+        <a:noFill/>
+        <a:effectLst/>
+      </p:bgPr>
+    </p:bg>
     <p:spTree>
       <p:nvGrpSpPr>
         <p:cNvPr id="1" name=""/>
@@ -10455,6 +10461,12 @@
 <file path=ppt/slides/slide2.xml><?xml version="1.0" encoding="utf-8"?>
 <p:sld xmlns:a="http://schemas.openxmlformats.org/drawingml/2006/main" xmlns:r="http://schemas.openxmlformats.org/officeDocument/2006/relationships" xmlns:p="http://schemas.openxmlformats.org/presentationml/2006/main">
   <p:cSld>
+    <p:bg>
+      <p:bgPr>
+        <a:noFill/>
+        <a:effectLst/>
+      </p:bgPr>
+    </p:bg>
     <p:spTree>
       <p:nvGrpSpPr>
         <p:cNvPr id="1" name=""/>
@@ -13906,6 +13918,12 @@
 <file path=ppt/slides/slide3.xml><?xml version="1.0" encoding="utf-8"?>
 <p:sld xmlns:a="http://schemas.openxmlformats.org/drawingml/2006/main" xmlns:r="http://schemas.openxmlformats.org/officeDocument/2006/relationships" xmlns:p="http://schemas.openxmlformats.org/presentationml/2006/main">
   <p:cSld>
+    <p:bg>
+      <p:bgPr>
+        <a:noFill/>
+        <a:effectLst/>
+      </p:bgPr>
+    </p:bg>
     <p:spTree>
       <p:nvGrpSpPr>
         <p:cNvPr id="1" name=""/>
@@ -15519,6 +15537,12 @@
 <file path=ppt/slides/slide4.xml><?xml version="1.0" encoding="utf-8"?>
 <p:sld xmlns:a="http://schemas.openxmlformats.org/drawingml/2006/main" xmlns:r="http://schemas.openxmlformats.org/officeDocument/2006/relationships" xmlns:p="http://schemas.openxmlformats.org/presentationml/2006/main">
   <p:cSld>
+    <p:bg>
+      <p:bgPr>
+        <a:noFill/>
+        <a:effectLst/>
+      </p:bgPr>
+    </p:bg>
     <p:spTree>
       <p:nvGrpSpPr>
         <p:cNvPr id="1" name=""/>
@@ -15534,8 +15558,8 @@
         </p:nvSpPr>
         <p:spPr>
           <a:xfrm>
-            <a:off x="860425" y="1779905"/>
-            <a:ext cx="668655" cy="361950"/>
+            <a:off x="800735" y="1172210"/>
+            <a:ext cx="859790" cy="687705"/>
           </a:xfrm>
           <a:prstGeom prst="rect">
             <a:avLst/>
@@ -15545,9 +15569,9 @@
               <a:alpha val="0"/>
             </a:srgbClr>
           </a:solidFill>
-          <a:ln>
-            <a:solidFill>
-              <a:srgbClr val="3EAF7C"/>
+          <a:ln w="38100">
+            <a:solidFill>
+              <a:srgbClr val="2C3E50"/>
             </a:solidFill>
           </a:ln>
         </p:spPr>
@@ -15595,8 +15619,8 @@
         </p:nvSpPr>
         <p:spPr>
           <a:xfrm>
-            <a:off x="2353310" y="1781810"/>
-            <a:ext cx="910590" cy="361950"/>
+            <a:off x="2720340" y="1176020"/>
+            <a:ext cx="1170940" cy="687705"/>
           </a:xfrm>
           <a:prstGeom prst="rect">
             <a:avLst/>
@@ -15606,9 +15630,9 @@
               <a:alpha val="0"/>
             </a:srgbClr>
           </a:solidFill>
-          <a:ln>
-            <a:solidFill>
-              <a:srgbClr val="3EAF7C"/>
+          <a:ln w="38100">
+            <a:solidFill>
+              <a:srgbClr val="2C3E50"/>
             </a:solidFill>
           </a:ln>
         </p:spPr>
@@ -15664,8 +15688,8 @@
         </p:nvSpPr>
         <p:spPr>
           <a:xfrm>
-            <a:off x="1529080" y="1917700"/>
-            <a:ext cx="824230" cy="89535"/>
+            <a:off x="1660525" y="1434465"/>
+            <a:ext cx="1059815" cy="170180"/>
           </a:xfrm>
           <a:prstGeom prst="leftRightArrow">
             <a:avLst/>
@@ -15675,7 +15699,7 @@
               <a:alpha val="0"/>
             </a:srgbClr>
           </a:solidFill>
-          <a:ln>
+          <a:ln w="38100">
             <a:solidFill>
               <a:srgbClr val="3EAF7C"/>
             </a:solidFill>
@@ -15713,8 +15737,8 @@
         </p:nvSpPr>
         <p:spPr>
           <a:xfrm>
-            <a:off x="1588135" y="1664970"/>
-            <a:ext cx="537210" cy="229870"/>
+            <a:off x="1904365" y="1256665"/>
+            <a:ext cx="690880" cy="229235"/>
           </a:xfrm>
           <a:prstGeom prst="rect">
             <a:avLst/>
@@ -15754,8 +15778,8 @@
         </p:nvSpPr>
         <p:spPr>
           <a:xfrm>
-            <a:off x="1647190" y="3152775"/>
-            <a:ext cx="1104900" cy="314325"/>
+            <a:off x="1812290" y="3782060"/>
+            <a:ext cx="1420495" cy="597535"/>
           </a:xfrm>
           <a:prstGeom prst="rect">
             <a:avLst/>
@@ -15765,9 +15789,9 @@
               <a:alpha val="0"/>
             </a:srgbClr>
           </a:solidFill>
-          <a:ln>
-            <a:solidFill>
-              <a:srgbClr val="3EAF7C"/>
+          <a:ln w="38100">
+            <a:solidFill>
+              <a:srgbClr val="2C3E50"/>
             </a:solidFill>
           </a:ln>
         </p:spPr>
@@ -15815,8 +15839,8 @@
         </p:nvSpPr>
         <p:spPr>
           <a:xfrm>
-            <a:off x="3814445" y="3039745"/>
-            <a:ext cx="959485" cy="427355"/>
+            <a:off x="4599305" y="3566795"/>
+            <a:ext cx="1233805" cy="812165"/>
           </a:xfrm>
           <a:prstGeom prst="rect">
             <a:avLst/>
@@ -15826,9 +15850,9 @@
               <a:alpha val="0"/>
             </a:srgbClr>
           </a:solidFill>
-          <a:ln>
-            <a:solidFill>
-              <a:srgbClr val="3EAF7C"/>
+          <a:ln w="38100">
+            <a:solidFill>
+              <a:srgbClr val="2C3E50"/>
             </a:solidFill>
           </a:ln>
         </p:spPr>
@@ -15878,8 +15902,8 @@
         </p:nvSpPr>
         <p:spPr>
           <a:xfrm>
-            <a:off x="2757170" y="3261995"/>
-            <a:ext cx="1071245" cy="75565"/>
+            <a:off x="3239770" y="3989070"/>
+            <a:ext cx="1377315" cy="143510"/>
           </a:xfrm>
           <a:prstGeom prst="rightArrow">
             <a:avLst/>
@@ -15889,7 +15913,7 @@
               <a:alpha val="0"/>
             </a:srgbClr>
           </a:solidFill>
-          <a:ln>
+          <a:ln w="38100">
             <a:solidFill>
               <a:srgbClr val="3EAF7C"/>
             </a:solidFill>
@@ -15927,8 +15951,8 @@
         </p:nvSpPr>
         <p:spPr>
           <a:xfrm>
-            <a:off x="3019425" y="3732530"/>
-            <a:ext cx="1132840" cy="262255"/>
+            <a:off x="3576955" y="4883785"/>
+            <a:ext cx="1456690" cy="498475"/>
           </a:xfrm>
           <a:prstGeom prst="wedgeRoundRectCallout">
             <a:avLst>
@@ -15942,7 +15966,7 @@
               <a:alpha val="0"/>
             </a:srgbClr>
           </a:solidFill>
-          <a:ln>
+          <a:ln w="38100">
             <a:solidFill>
               <a:srgbClr val="3EAF7C"/>
             </a:solidFill>
@@ -15974,7 +15998,7 @@
                   <a:srgbClr val="2C3E50"/>
                 </a:solidFill>
               </a:rPr>
-              <a:t>一种文件系统类型</a:t>
+              <a:t>文件系统类型</a:t>
             </a:r>
             <a:endParaRPr lang="en-US" altLang="zh-CN" sz="800" b="1">
               <a:solidFill>
@@ -15992,8 +16016,8 @@
         </p:nvSpPr>
         <p:spPr>
           <a:xfrm>
-            <a:off x="4152900" y="2308225"/>
-            <a:ext cx="109855" cy="730885"/>
+            <a:off x="5034280" y="2176780"/>
+            <a:ext cx="140970" cy="1389380"/>
           </a:xfrm>
           <a:prstGeom prst="upArrow">
             <a:avLst>
@@ -16006,7 +16030,7 @@
               <a:alpha val="0"/>
             </a:srgbClr>
           </a:solidFill>
-          <a:ln>
+          <a:ln w="38100">
             <a:solidFill>
               <a:srgbClr val="3EAF7C"/>
             </a:solidFill>
@@ -16044,8 +16068,8 @@
         </p:nvSpPr>
         <p:spPr>
           <a:xfrm>
-            <a:off x="3814445" y="1687830"/>
-            <a:ext cx="1133475" cy="629285"/>
+            <a:off x="4599305" y="996950"/>
+            <a:ext cx="1457325" cy="1196340"/>
           </a:xfrm>
           <a:prstGeom prst="rect">
             <a:avLst/>
@@ -16055,9 +16079,9 @@
               <a:alpha val="0"/>
             </a:srgbClr>
           </a:solidFill>
-          <a:ln>
-            <a:solidFill>
-              <a:srgbClr val="3EAF7C"/>
+          <a:ln w="38100">
+            <a:solidFill>
+              <a:srgbClr val="2C3E50"/>
             </a:solidFill>
           </a:ln>
         </p:spPr>
@@ -16105,8 +16129,8 @@
         </p:nvSpPr>
         <p:spPr>
           <a:xfrm>
-            <a:off x="3298825" y="1962150"/>
-            <a:ext cx="481330" cy="75565"/>
+            <a:off x="3936365" y="1518920"/>
+            <a:ext cx="619125" cy="143510"/>
           </a:xfrm>
           <a:prstGeom prst="rightArrow">
             <a:avLst/>
@@ -16116,7 +16140,7 @@
               <a:alpha val="0"/>
             </a:srgbClr>
           </a:solidFill>
-          <a:ln>
+          <a:ln w="38100">
             <a:solidFill>
               <a:srgbClr val="3EAF7C"/>
             </a:solidFill>
@@ -16154,8 +16178,8 @@
         </p:nvSpPr>
         <p:spPr>
           <a:xfrm>
-            <a:off x="3337560" y="1664970"/>
-            <a:ext cx="496570" cy="275590"/>
+            <a:off x="3966210" y="1310640"/>
+            <a:ext cx="638810" cy="274955"/>
           </a:xfrm>
           <a:prstGeom prst="rect">
             <a:avLst/>
@@ -16167,7 +16191,7 @@
           </a:solidFill>
         </p:spPr>
         <p:txBody>
-          <a:bodyPr wrap="none" rtlCol="0">
+          <a:bodyPr wrap="square" rtlCol="0">
             <a:spAutoFit/>
           </a:bodyPr>
           <a:p>
@@ -16195,8 +16219,8 @@
         </p:nvSpPr>
         <p:spPr>
           <a:xfrm>
-            <a:off x="818515" y="695325"/>
-            <a:ext cx="4381500" cy="829945"/>
+            <a:off x="619760" y="7712075"/>
+            <a:ext cx="5371465" cy="2122805"/>
           </a:xfrm>
           <a:prstGeom prst="rect">
             <a:avLst/>
@@ -16204,55 +16228,55 @@
           <a:noFill/>
         </p:spPr>
         <p:txBody>
-          <a:bodyPr wrap="none" rtlCol="0">
+          <a:bodyPr wrap="square" rtlCol="0">
             <a:spAutoFit/>
           </a:bodyPr>
           <a:p>
             <a:pPr algn="l"/>
             <a:r>
-              <a:rPr lang="zh-CN" altLang="en-US" sz="800"/>
+              <a:rPr lang="zh-CN" altLang="en-US" sz="1200"/>
               <a:t>Initramfs是在 kernel 2.5中引入的技术，实际上它的含义就是：在内核镜像中附加一个cpio包，</a:t>
             </a:r>
-            <a:endParaRPr lang="zh-CN" altLang="en-US" sz="800"/>
+            <a:endParaRPr lang="zh-CN" altLang="en-US" sz="1200"/>
           </a:p>
           <a:p>
             <a:pPr algn="l"/>
             <a:r>
-              <a:rPr lang="zh-CN" altLang="en-US" sz="800"/>
+              <a:rPr lang="zh-CN" altLang="en-US" sz="1200"/>
               <a:t>这个cpio包中包含了一个小型的文件系统，当内核启动时，内核将这个cpio包解开，并且将其</a:t>
             </a:r>
-            <a:endParaRPr lang="zh-CN" altLang="en-US" sz="800"/>
+            <a:endParaRPr lang="zh-CN" altLang="en-US" sz="1200"/>
           </a:p>
           <a:p>
             <a:pPr algn="l"/>
             <a:r>
-              <a:rPr lang="zh-CN" altLang="en-US" sz="800"/>
+              <a:rPr lang="zh-CN" altLang="en-US" sz="1200"/>
               <a:t>中包含的文件系统释放到rootfs中，内核中的一部分初始化代码会放到这个文件系统中，作为</a:t>
             </a:r>
             <a:br>
-              <a:rPr lang="zh-CN" altLang="en-US" sz="800"/>
+              <a:rPr lang="zh-CN" altLang="en-US" sz="1200"/>
             </a:br>
             <a:r>
-              <a:rPr lang="zh-CN" altLang="en-US" sz="800"/>
+              <a:rPr lang="zh-CN" altLang="en-US" sz="1200"/>
               <a:t>用户层进程来执行。这样带来的明显的好处是精简了内核的初始化代码，而且使得内核的初</a:t>
             </a:r>
-            <a:endParaRPr lang="zh-CN" altLang="en-US" sz="800"/>
+            <a:endParaRPr lang="zh-CN" altLang="en-US" sz="1200"/>
           </a:p>
           <a:p>
             <a:pPr algn="l"/>
             <a:r>
-              <a:rPr lang="zh-CN" altLang="en-US" sz="800"/>
+              <a:rPr lang="zh-CN" altLang="en-US" sz="1200"/>
               <a:t>始化过程更容易定制。Linux 2.6.12内核的 initramfs还没有什么实质性的东西，一个包含完整</a:t>
             </a:r>
-            <a:endParaRPr lang="zh-CN" altLang="en-US" sz="800"/>
+            <a:endParaRPr lang="zh-CN" altLang="en-US" sz="1200"/>
           </a:p>
           <a:p>
             <a:pPr algn="l"/>
             <a:r>
-              <a:rPr lang="zh-CN" altLang="en-US" sz="800"/>
+              <a:rPr lang="zh-CN" altLang="en-US" sz="1200"/>
               <a:t>功能的initramfs的实现可能还需要一个缓慢的过程</a:t>
             </a:r>
-            <a:endParaRPr lang="zh-CN" altLang="en-US" sz="800"/>
+            <a:endParaRPr lang="zh-CN" altLang="en-US" sz="1200"/>
           </a:p>
         </p:txBody>
       </p:sp>
@@ -16267,6 +16291,12 @@
 <file path=ppt/slides/slide5.xml><?xml version="1.0" encoding="utf-8"?>
 <p:sld xmlns:a="http://schemas.openxmlformats.org/drawingml/2006/main" xmlns:r="http://schemas.openxmlformats.org/officeDocument/2006/relationships" xmlns:p="http://schemas.openxmlformats.org/presentationml/2006/main">
   <p:cSld>
+    <p:bg>
+      <p:bgPr>
+        <a:noFill/>
+        <a:effectLst/>
+      </p:bgPr>
+    </p:bg>
     <p:spTree>
       <p:nvGrpSpPr>
         <p:cNvPr id="1" name=""/>
@@ -16282,8 +16312,8 @@
         </p:nvSpPr>
         <p:spPr>
           <a:xfrm>
-            <a:off x="3667125" y="1685290"/>
-            <a:ext cx="1184910" cy="695325"/>
+            <a:off x="4166235" y="1685290"/>
+            <a:ext cx="1726565" cy="1310640"/>
           </a:xfrm>
           <a:prstGeom prst="rect">
             <a:avLst/>
@@ -16293,9 +16323,9 @@
               <a:alpha val="0"/>
             </a:srgbClr>
           </a:solidFill>
-          <a:ln>
-            <a:solidFill>
-              <a:srgbClr val="3EAF7C"/>
+          <a:ln w="38100">
+            <a:solidFill>
+              <a:schemeClr val="tx1"/>
             </a:solidFill>
           </a:ln>
         </p:spPr>
@@ -16343,8 +16373,8 @@
         </p:nvSpPr>
         <p:spPr>
           <a:xfrm>
-            <a:off x="2247265" y="1818640"/>
-            <a:ext cx="952500" cy="424180"/>
+            <a:off x="2096770" y="1936750"/>
+            <a:ext cx="1388110" cy="799465"/>
           </a:xfrm>
           <a:prstGeom prst="roundRect">
             <a:avLst/>
@@ -16354,9 +16384,9 @@
               <a:alpha val="0"/>
             </a:srgbClr>
           </a:solidFill>
-          <a:ln>
-            <a:solidFill>
-              <a:srgbClr val="3EAF7C"/>
+          <a:ln w="38100">
+            <a:solidFill>
+              <a:schemeClr val="tx1"/>
             </a:solidFill>
           </a:ln>
         </p:spPr>
@@ -16404,8 +16434,8 @@
         </p:nvCxnSpPr>
         <p:spPr>
           <a:xfrm>
-            <a:off x="1237615" y="1909445"/>
-            <a:ext cx="990600" cy="0"/>
+            <a:off x="625475" y="2107565"/>
+            <a:ext cx="1443355" cy="0"/>
           </a:xfrm>
           <a:prstGeom prst="straightConnector1">
             <a:avLst/>
@@ -16415,7 +16445,7 @@
               <a:alpha val="0"/>
             </a:srgbClr>
           </a:solidFill>
-          <a:ln>
+          <a:ln w="38100">
             <a:solidFill>
               <a:srgbClr val="3EAF7C"/>
             </a:solidFill>
@@ -16445,8 +16475,8 @@
         </p:nvCxnSpPr>
         <p:spPr>
           <a:xfrm flipV="1">
-            <a:off x="1275715" y="2141220"/>
-            <a:ext cx="971550" cy="6350"/>
+            <a:off x="680720" y="2544445"/>
+            <a:ext cx="1416050" cy="12065"/>
           </a:xfrm>
           <a:prstGeom prst="straightConnector1">
             <a:avLst/>
@@ -16456,7 +16486,7 @@
               <a:alpha val="0"/>
             </a:srgbClr>
           </a:solidFill>
-          <a:ln>
+          <a:ln w="38100">
             <a:solidFill>
               <a:srgbClr val="3EAF7C"/>
             </a:solidFill>
@@ -16486,8 +16516,8 @@
         </p:nvSpPr>
         <p:spPr>
           <a:xfrm>
-            <a:off x="1208405" y="1695450"/>
-            <a:ext cx="796290" cy="213995"/>
+            <a:off x="908685" y="1891030"/>
+            <a:ext cx="1160145" cy="213995"/>
           </a:xfrm>
           <a:prstGeom prst="rect">
             <a:avLst/>
@@ -16497,9 +16527,12 @@
               <a:alpha val="0"/>
             </a:srgbClr>
           </a:solidFill>
-        </p:spPr>
-        <p:txBody>
-          <a:bodyPr wrap="none" rtlCol="0">
+          <a:ln w="38100">
+            <a:noFill/>
+          </a:ln>
+        </p:spPr>
+        <p:txBody>
+          <a:bodyPr wrap="square" rtlCol="0">
             <a:spAutoFit/>
           </a:bodyPr>
           <a:p>
@@ -16527,8 +16560,8 @@
         </p:nvSpPr>
         <p:spPr>
           <a:xfrm>
-            <a:off x="1224915" y="1918335"/>
-            <a:ext cx="647700" cy="229870"/>
+            <a:off x="1017270" y="2349500"/>
+            <a:ext cx="943610" cy="229870"/>
           </a:xfrm>
           <a:prstGeom prst="rect">
             <a:avLst/>
@@ -16538,9 +16571,12 @@
               <a:alpha val="0"/>
             </a:srgbClr>
           </a:solidFill>
-        </p:spPr>
-        <p:txBody>
-          <a:bodyPr wrap="none" rtlCol="0">
+          <a:ln w="38100">
+            <a:noFill/>
+          </a:ln>
+        </p:spPr>
+        <p:txBody>
+          <a:bodyPr wrap="square" rtlCol="0">
             <a:spAutoFit/>
           </a:bodyPr>
           <a:p>
@@ -16577,8 +16613,8 @@
         </p:nvSpPr>
         <p:spPr>
           <a:xfrm>
-            <a:off x="3199765" y="1962150"/>
-            <a:ext cx="481330" cy="75565"/>
+            <a:off x="3484880" y="2207260"/>
+            <a:ext cx="701675" cy="142240"/>
           </a:xfrm>
           <a:prstGeom prst="rightArrow">
             <a:avLst/>
@@ -16588,7 +16624,7 @@
               <a:alpha val="0"/>
             </a:srgbClr>
           </a:solidFill>
-          <a:ln>
+          <a:ln w="38100">
             <a:solidFill>
               <a:srgbClr val="3EAF7C"/>
             </a:solidFill>
@@ -16630,8 +16666,8 @@
         </p:nvSpPr>
         <p:spPr>
           <a:xfrm>
-            <a:off x="3211195" y="1762125"/>
-            <a:ext cx="496570" cy="275590"/>
+            <a:off x="3501390" y="1830070"/>
+            <a:ext cx="723900" cy="274955"/>
           </a:xfrm>
           <a:prstGeom prst="rect">
             <a:avLst/>
@@ -16643,7 +16679,7 @@
           </a:solidFill>
         </p:spPr>
         <p:txBody>
-          <a:bodyPr wrap="none" rtlCol="0">
+          <a:bodyPr wrap="square" rtlCol="0">
             <a:spAutoFit/>
           </a:bodyPr>
           <a:p>
@@ -16671,8 +16707,8 @@
         </p:nvSpPr>
         <p:spPr>
           <a:xfrm>
-            <a:off x="4152265" y="2400300"/>
-            <a:ext cx="109855" cy="752475"/>
+            <a:off x="4872990" y="3032760"/>
+            <a:ext cx="160020" cy="1417955"/>
           </a:xfrm>
           <a:prstGeom prst="upArrow">
             <a:avLst/>
@@ -16682,7 +16718,7 @@
               <a:alpha val="0"/>
             </a:srgbClr>
           </a:solidFill>
-          <a:ln>
+          <a:ln w="38100">
             <a:solidFill>
               <a:srgbClr val="3EAF7C"/>
             </a:solidFill>
@@ -16724,8 +16760,8 @@
         </p:nvSpPr>
         <p:spPr>
           <a:xfrm>
-            <a:off x="1647190" y="3152775"/>
-            <a:ext cx="1104900" cy="314325"/>
+            <a:off x="1222375" y="4450715"/>
+            <a:ext cx="1610360" cy="592455"/>
           </a:xfrm>
           <a:prstGeom prst="rect">
             <a:avLst/>
@@ -16735,9 +16771,9 @@
               <a:alpha val="0"/>
             </a:srgbClr>
           </a:solidFill>
-          <a:ln>
-            <a:solidFill>
-              <a:srgbClr val="3EAF7C"/>
+          <a:ln w="38100">
+            <a:solidFill>
+              <a:schemeClr val="tx1"/>
             </a:solidFill>
           </a:ln>
         </p:spPr>
@@ -16785,8 +16821,8 @@
         </p:nvSpPr>
         <p:spPr>
           <a:xfrm>
-            <a:off x="3814445" y="3166745"/>
-            <a:ext cx="1037590" cy="300355"/>
+            <a:off x="4380865" y="4477385"/>
+            <a:ext cx="1511935" cy="565785"/>
           </a:xfrm>
           <a:prstGeom prst="rect">
             <a:avLst/>
@@ -16796,9 +16832,9 @@
               <a:alpha val="0"/>
             </a:srgbClr>
           </a:solidFill>
-          <a:ln>
-            <a:solidFill>
-              <a:srgbClr val="3EAF7C"/>
+          <a:ln w="38100">
+            <a:solidFill>
+              <a:schemeClr val="tx1"/>
             </a:solidFill>
           </a:ln>
         </p:spPr>
@@ -16846,8 +16882,8 @@
         </p:nvSpPr>
         <p:spPr>
           <a:xfrm>
-            <a:off x="2757170" y="3261995"/>
-            <a:ext cx="1071245" cy="75565"/>
+            <a:off x="2839720" y="4656455"/>
+            <a:ext cx="1560830" cy="142240"/>
           </a:xfrm>
           <a:prstGeom prst="rightArrow">
             <a:avLst/>
@@ -16857,7 +16893,7 @@
               <a:alpha val="0"/>
             </a:srgbClr>
           </a:solidFill>
-          <a:ln>
+          <a:ln w="38100">
             <a:solidFill>
               <a:srgbClr val="3EAF7C"/>
             </a:solidFill>
@@ -16893,14 +16929,14 @@
       </p:sp>
       <p:sp>
         <p:nvSpPr>
-          <p:cNvPr id="16" name="圆角矩形标注 15"/>
+          <p:cNvPr id="2" name="圆角矩形标注 1"/>
           <p:cNvSpPr/>
           <p:nvPr/>
         </p:nvSpPr>
         <p:spPr>
           <a:xfrm>
-            <a:off x="3019425" y="3732530"/>
-            <a:ext cx="1132840" cy="262255"/>
+            <a:off x="3484880" y="5574665"/>
+            <a:ext cx="1651000" cy="494030"/>
           </a:xfrm>
           <a:prstGeom prst="wedgeRoundRectCallout">
             <a:avLst>
@@ -16914,7 +16950,7 @@
               <a:alpha val="0"/>
             </a:srgbClr>
           </a:solidFill>
-          <a:ln>
+          <a:ln w="38100">
             <a:solidFill>
               <a:srgbClr val="3EAF7C"/>
             </a:solidFill>
@@ -16946,7 +16982,7 @@
                   <a:srgbClr val="2C3E50"/>
                 </a:solidFill>
               </a:rPr>
-              <a:t>一种文件系统类型</a:t>
+              <a:t>文件系统类型</a:t>
             </a:r>
             <a:endParaRPr lang="en-US" altLang="zh-CN" sz="800" b="1">
               <a:solidFill>
@@ -16967,6 +17003,12 @@
 <file path=ppt/slides/slide6.xml><?xml version="1.0" encoding="utf-8"?>
 <p:sld xmlns:a="http://schemas.openxmlformats.org/drawingml/2006/main" xmlns:r="http://schemas.openxmlformats.org/officeDocument/2006/relationships" xmlns:p="http://schemas.openxmlformats.org/presentationml/2006/main">
   <p:cSld>
+    <p:bg>
+      <p:bgPr>
+        <a:noFill/>
+        <a:effectLst/>
+      </p:bgPr>
+    </p:bg>
     <p:spTree>
       <p:nvGrpSpPr>
         <p:cNvPr id="1" name=""/>

--- a/picture/ppt/filesystem/filesystem.pptx
+++ b/picture/ppt/filesystem/filesystem.pptx
@@ -144,7 +144,7 @@
         <p:nvSpPr>
           <p:cNvPr id="2" name="页眉占位符 1"/>
           <p:cNvSpPr>
-            <a:spLocks noGrp="1"/>
+            <a:spLocks noGrp="true"/>
           </p:cNvSpPr>
           <p:nvPr>
             <p:ph type="hdr" sz="quarter"/>
@@ -175,7 +175,7 @@
         <p:nvSpPr>
           <p:cNvPr id="3" name="日期占位符 2"/>
           <p:cNvSpPr>
-            <a:spLocks noGrp="1"/>
+            <a:spLocks noGrp="true"/>
           </p:cNvSpPr>
           <p:nvPr>
             <p:ph type="dt" sz="quarter" idx="1"/>
@@ -209,7 +209,7 @@
         <p:nvSpPr>
           <p:cNvPr id="4" name="页脚占位符 3"/>
           <p:cNvSpPr>
-            <a:spLocks noGrp="1"/>
+            <a:spLocks noGrp="true"/>
           </p:cNvSpPr>
           <p:nvPr>
             <p:ph type="ftr" sz="quarter" idx="2"/>
@@ -240,7 +240,7 @@
         <p:nvSpPr>
           <p:cNvPr id="5" name="灯片编号占位符 4"/>
           <p:cNvSpPr>
-            <a:spLocks noGrp="1"/>
+            <a:spLocks noGrp="true"/>
           </p:cNvSpPr>
           <p:nvPr>
             <p:ph type="sldNum" sz="quarter" idx="3"/>
@@ -302,7 +302,7 @@
         <p:nvSpPr>
           <p:cNvPr id="2" name="页眉占位符 1"/>
           <p:cNvSpPr>
-            <a:spLocks noGrp="1"/>
+            <a:spLocks noGrp="true"/>
           </p:cNvSpPr>
           <p:nvPr>
             <p:ph type="hdr" sz="quarter"/>
@@ -333,7 +333,7 @@
         <p:nvSpPr>
           <p:cNvPr id="3" name="日期占位符 2"/>
           <p:cNvSpPr>
-            <a:spLocks noGrp="1"/>
+            <a:spLocks noGrp="true"/>
           </p:cNvSpPr>
           <p:nvPr>
             <p:ph type="dt" idx="1"/>
@@ -367,7 +367,7 @@
         <p:nvSpPr>
           <p:cNvPr id="4" name="幻灯片图像占位符 3"/>
           <p:cNvSpPr>
-            <a:spLocks noGrp="1" noRot="1" noChangeAspect="1"/>
+            <a:spLocks noGrp="true" noRot="true" noChangeAspect="true"/>
           </p:cNvSpPr>
           <p:nvPr>
             <p:ph type="sldImg" idx="2"/>
@@ -400,7 +400,7 @@
         <p:nvSpPr>
           <p:cNvPr id="5" name="备注占位符 4"/>
           <p:cNvSpPr>
-            <a:spLocks noGrp="1"/>
+            <a:spLocks noGrp="true"/>
           </p:cNvSpPr>
           <p:nvPr>
             <p:ph type="body" sz="quarter" idx="3"/>
@@ -464,7 +464,7 @@
         <p:nvSpPr>
           <p:cNvPr id="6" name="页脚占位符 5"/>
           <p:cNvSpPr>
-            <a:spLocks noGrp="1"/>
+            <a:spLocks noGrp="true"/>
           </p:cNvSpPr>
           <p:nvPr>
             <p:ph type="ftr" sz="quarter" idx="4"/>
@@ -495,7 +495,7 @@
         <p:nvSpPr>
           <p:cNvPr id="7" name="灯片编号占位符 6"/>
           <p:cNvSpPr>
-            <a:spLocks noGrp="1"/>
+            <a:spLocks noGrp="true"/>
           </p:cNvSpPr>
           <p:nvPr>
             <p:ph type="sldNum" sz="quarter" idx="5"/>
@@ -644,10 +644,10 @@
         <p:nvSpPr>
           <p:cNvPr id="2" name="标题 1"/>
           <p:cNvSpPr>
-            <a:spLocks noGrp="1"/>
+            <a:spLocks noGrp="true"/>
           </p:cNvSpPr>
           <p:nvPr>
-            <p:ph type="ctrTitle" hasCustomPrompt="1"/>
+            <p:ph type="ctrTitle" hasCustomPrompt="true"/>
           </p:nvPr>
         </p:nvSpPr>
         <p:spPr>
@@ -689,7 +689,7 @@
         <p:nvSpPr>
           <p:cNvPr id="4" name="日期占位符 3"/>
           <p:cNvSpPr>
-            <a:spLocks noGrp="1"/>
+            <a:spLocks noGrp="true"/>
           </p:cNvSpPr>
           <p:nvPr>
             <p:ph type="dt" sz="half" idx="10"/>
@@ -711,7 +711,7 @@
         <p:nvSpPr>
           <p:cNvPr id="5" name="页脚占位符 4"/>
           <p:cNvSpPr>
-            <a:spLocks noGrp="1"/>
+            <a:spLocks noGrp="true"/>
           </p:cNvSpPr>
           <p:nvPr>
             <p:ph type="ftr" sz="quarter" idx="11"/>
@@ -730,7 +730,7 @@
         <p:nvSpPr>
           <p:cNvPr id="6" name="灯片编号占位符 5"/>
           <p:cNvSpPr>
-            <a:spLocks noGrp="1"/>
+            <a:spLocks noGrp="true"/>
           </p:cNvSpPr>
           <p:nvPr>
             <p:ph type="sldNum" sz="quarter" idx="12"/>
@@ -752,10 +752,10 @@
         <p:nvSpPr>
           <p:cNvPr id="3" name="副标题 2"/>
           <p:cNvSpPr>
-            <a:spLocks noGrp="1"/>
+            <a:spLocks noGrp="true"/>
           </p:cNvSpPr>
           <p:nvPr>
-            <p:ph type="subTitle" idx="1" hasCustomPrompt="1"/>
+            <p:ph type="subTitle" idx="1" hasCustomPrompt="true"/>
           </p:nvPr>
         </p:nvSpPr>
         <p:spPr>
@@ -854,7 +854,7 @@
         <p:nvSpPr>
           <p:cNvPr id="3" name="日期占位符 2"/>
           <p:cNvSpPr>
-            <a:spLocks noGrp="1"/>
+            <a:spLocks noGrp="true"/>
           </p:cNvSpPr>
           <p:nvPr>
             <p:ph type="dt" sz="half" idx="10"/>
@@ -876,7 +876,7 @@
         <p:nvSpPr>
           <p:cNvPr id="4" name="页脚占位符 3"/>
           <p:cNvSpPr>
-            <a:spLocks noGrp="1"/>
+            <a:spLocks noGrp="true"/>
           </p:cNvSpPr>
           <p:nvPr>
             <p:ph type="ftr" sz="quarter" idx="11"/>
@@ -895,7 +895,7 @@
         <p:nvSpPr>
           <p:cNvPr id="5" name="灯片编号占位符 4"/>
           <p:cNvSpPr>
-            <a:spLocks noGrp="1"/>
+            <a:spLocks noGrp="true"/>
           </p:cNvSpPr>
           <p:nvPr>
             <p:ph type="sldNum" sz="quarter" idx="12"/>
@@ -917,7 +917,7 @@
         <p:nvSpPr>
           <p:cNvPr id="7" name="内容占位符 6"/>
           <p:cNvSpPr>
-            <a:spLocks noGrp="1"/>
+            <a:spLocks noGrp="true"/>
           </p:cNvSpPr>
           <p:nvPr>
             <p:ph sz="quarter" idx="13"/>
@@ -1003,7 +1003,7 @@
         <p:nvSpPr>
           <p:cNvPr id="2" name="标题 1"/>
           <p:cNvSpPr>
-            <a:spLocks noGrp="1"/>
+            <a:spLocks noGrp="true"/>
           </p:cNvSpPr>
           <p:nvPr>
             <p:ph type="title"/>
@@ -1016,7 +1016,7 @@
           </a:xfrm>
         </p:spPr>
         <p:txBody>
-          <a:bodyPr anchor="ctr" anchorCtr="0">
+          <a:bodyPr anchor="ctr" anchorCtr="false">
             <a:normAutofit/>
           </a:bodyPr>
           <a:lstStyle>
@@ -1045,7 +1045,7 @@
         <p:nvSpPr>
           <p:cNvPr id="3" name="内容占位符 2"/>
           <p:cNvSpPr>
-            <a:spLocks noGrp="1"/>
+            <a:spLocks noGrp="true"/>
           </p:cNvSpPr>
           <p:nvPr>
             <p:ph idx="1"/>
@@ -1159,7 +1159,7 @@
         <p:nvSpPr>
           <p:cNvPr id="4" name="日期占位符 3"/>
           <p:cNvSpPr>
-            <a:spLocks noGrp="1"/>
+            <a:spLocks noGrp="true"/>
           </p:cNvSpPr>
           <p:nvPr>
             <p:ph type="dt" sz="half" idx="10"/>
@@ -1181,7 +1181,7 @@
         <p:nvSpPr>
           <p:cNvPr id="5" name="页脚占位符 4"/>
           <p:cNvSpPr>
-            <a:spLocks noGrp="1"/>
+            <a:spLocks noGrp="true"/>
           </p:cNvSpPr>
           <p:nvPr>
             <p:ph type="ftr" sz="quarter" idx="11"/>
@@ -1200,7 +1200,7 @@
         <p:nvSpPr>
           <p:cNvPr id="6" name="灯片编号占位符 5"/>
           <p:cNvSpPr>
-            <a:spLocks noGrp="1"/>
+            <a:spLocks noGrp="true"/>
           </p:cNvSpPr>
           <p:nvPr>
             <p:ph type="sldNum" sz="quarter" idx="12"/>
@@ -1247,7 +1247,7 @@
         <p:nvSpPr>
           <p:cNvPr id="2" name="标题 1"/>
           <p:cNvSpPr>
-            <a:spLocks noGrp="1"/>
+            <a:spLocks noGrp="true"/>
           </p:cNvSpPr>
           <p:nvPr>
             <p:ph type="title"/>
@@ -1289,7 +1289,7 @@
         <p:nvSpPr>
           <p:cNvPr id="3" name="文本占位符 2"/>
           <p:cNvSpPr>
-            <a:spLocks noGrp="1"/>
+            <a:spLocks noGrp="true"/>
           </p:cNvSpPr>
           <p:nvPr>
             <p:ph type="body" idx="1"/>
@@ -1409,7 +1409,7 @@
         <p:nvSpPr>
           <p:cNvPr id="4" name="日期占位符 3"/>
           <p:cNvSpPr>
-            <a:spLocks noGrp="1"/>
+            <a:spLocks noGrp="true"/>
           </p:cNvSpPr>
           <p:nvPr>
             <p:ph type="dt" sz="half" idx="10"/>
@@ -1431,7 +1431,7 @@
         <p:nvSpPr>
           <p:cNvPr id="5" name="页脚占位符 4"/>
           <p:cNvSpPr>
-            <a:spLocks noGrp="1"/>
+            <a:spLocks noGrp="true"/>
           </p:cNvSpPr>
           <p:nvPr>
             <p:ph type="ftr" sz="quarter" idx="11"/>
@@ -1450,7 +1450,7 @@
         <p:nvSpPr>
           <p:cNvPr id="6" name="灯片编号占位符 5"/>
           <p:cNvSpPr>
-            <a:spLocks noGrp="1"/>
+            <a:spLocks noGrp="true"/>
           </p:cNvSpPr>
           <p:nvPr>
             <p:ph type="sldNum" sz="quarter" idx="12"/>
@@ -1497,7 +1497,7 @@
         <p:nvSpPr>
           <p:cNvPr id="2" name="标题 1"/>
           <p:cNvSpPr>
-            <a:spLocks noGrp="1"/>
+            <a:spLocks noGrp="true"/>
           </p:cNvSpPr>
           <p:nvPr>
             <p:ph type="title"/>
@@ -1539,7 +1539,7 @@
         <p:nvSpPr>
           <p:cNvPr id="3" name="内容占位符 2"/>
           <p:cNvSpPr>
-            <a:spLocks noGrp="1"/>
+            <a:spLocks noGrp="true"/>
           </p:cNvSpPr>
           <p:nvPr>
             <p:ph sz="half" idx="1"/>
@@ -1668,7 +1668,7 @@
         <p:nvSpPr>
           <p:cNvPr id="4" name="内容占位符 3"/>
           <p:cNvSpPr>
-            <a:spLocks noGrp="1"/>
+            <a:spLocks noGrp="true"/>
           </p:cNvSpPr>
           <p:nvPr>
             <p:ph sz="half" idx="2"/>
@@ -1797,7 +1797,7 @@
         <p:nvSpPr>
           <p:cNvPr id="5" name="日期占位符 4"/>
           <p:cNvSpPr>
-            <a:spLocks noGrp="1"/>
+            <a:spLocks noGrp="true"/>
           </p:cNvSpPr>
           <p:nvPr>
             <p:ph type="dt" sz="half" idx="10"/>
@@ -1819,7 +1819,7 @@
         <p:nvSpPr>
           <p:cNvPr id="6" name="页脚占位符 5"/>
           <p:cNvSpPr>
-            <a:spLocks noGrp="1"/>
+            <a:spLocks noGrp="true"/>
           </p:cNvSpPr>
           <p:nvPr>
             <p:ph type="ftr" sz="quarter" idx="11"/>
@@ -1838,7 +1838,7 @@
         <p:nvSpPr>
           <p:cNvPr id="7" name="灯片编号占位符 6"/>
           <p:cNvSpPr>
-            <a:spLocks noGrp="1"/>
+            <a:spLocks noGrp="true"/>
           </p:cNvSpPr>
           <p:nvPr>
             <p:ph type="sldNum" sz="quarter" idx="12"/>
@@ -1885,7 +1885,7 @@
         <p:nvSpPr>
           <p:cNvPr id="2" name="标题 1"/>
           <p:cNvSpPr>
-            <a:spLocks noGrp="1"/>
+            <a:spLocks noGrp="true"/>
           </p:cNvSpPr>
           <p:nvPr>
             <p:ph type="title"/>
@@ -1913,7 +1913,7 @@
         <p:nvSpPr>
           <p:cNvPr id="3" name="文本占位符 2"/>
           <p:cNvSpPr>
-            <a:spLocks noGrp="1"/>
+            <a:spLocks noGrp="true"/>
           </p:cNvSpPr>
           <p:nvPr>
             <p:ph type="body" idx="1"/>
@@ -1979,7 +1979,7 @@
         <p:nvSpPr>
           <p:cNvPr id="4" name="内容占位符 3"/>
           <p:cNvSpPr>
-            <a:spLocks noGrp="1"/>
+            <a:spLocks noGrp="true"/>
           </p:cNvSpPr>
           <p:nvPr>
             <p:ph sz="half" idx="2"/>
@@ -2040,7 +2040,7 @@
         <p:nvSpPr>
           <p:cNvPr id="5" name="文本占位符 4"/>
           <p:cNvSpPr>
-            <a:spLocks noGrp="1"/>
+            <a:spLocks noGrp="true"/>
           </p:cNvSpPr>
           <p:nvPr>
             <p:ph type="body" sz="quarter" idx="3"/>
@@ -2106,7 +2106,7 @@
         <p:nvSpPr>
           <p:cNvPr id="6" name="内容占位符 5"/>
           <p:cNvSpPr>
-            <a:spLocks noGrp="1"/>
+            <a:spLocks noGrp="true"/>
           </p:cNvSpPr>
           <p:nvPr>
             <p:ph sz="quarter" idx="4"/>
@@ -2167,7 +2167,7 @@
         <p:nvSpPr>
           <p:cNvPr id="7" name="日期占位符 6"/>
           <p:cNvSpPr>
-            <a:spLocks noGrp="1"/>
+            <a:spLocks noGrp="true"/>
           </p:cNvSpPr>
           <p:nvPr>
             <p:ph type="dt" sz="half" idx="10"/>
@@ -2189,7 +2189,7 @@
         <p:nvSpPr>
           <p:cNvPr id="8" name="页脚占位符 7"/>
           <p:cNvSpPr>
-            <a:spLocks noGrp="1"/>
+            <a:spLocks noGrp="true"/>
           </p:cNvSpPr>
           <p:nvPr>
             <p:ph type="ftr" sz="quarter" idx="11"/>
@@ -2208,7 +2208,7 @@
         <p:nvSpPr>
           <p:cNvPr id="9" name="灯片编号占位符 8"/>
           <p:cNvSpPr>
-            <a:spLocks noGrp="1"/>
+            <a:spLocks noGrp="true"/>
           </p:cNvSpPr>
           <p:nvPr>
             <p:ph type="sldNum" sz="quarter" idx="12"/>
@@ -2255,7 +2255,7 @@
         <p:nvSpPr>
           <p:cNvPr id="2" name="标题 1"/>
           <p:cNvSpPr>
-            <a:spLocks noGrp="1"/>
+            <a:spLocks noGrp="true"/>
           </p:cNvSpPr>
           <p:nvPr>
             <p:ph type="title"/>
@@ -2297,7 +2297,7 @@
         <p:nvSpPr>
           <p:cNvPr id="3" name="日期占位符 2"/>
           <p:cNvSpPr>
-            <a:spLocks noGrp="1"/>
+            <a:spLocks noGrp="true"/>
           </p:cNvSpPr>
           <p:nvPr>
             <p:ph type="dt" sz="half" idx="10"/>
@@ -2319,7 +2319,7 @@
         <p:nvSpPr>
           <p:cNvPr id="4" name="页脚占位符 3"/>
           <p:cNvSpPr>
-            <a:spLocks noGrp="1"/>
+            <a:spLocks noGrp="true"/>
           </p:cNvSpPr>
           <p:nvPr>
             <p:ph type="ftr" sz="quarter" idx="11"/>
@@ -2338,7 +2338,7 @@
         <p:nvSpPr>
           <p:cNvPr id="5" name="灯片编号占位符 4"/>
           <p:cNvSpPr>
-            <a:spLocks noGrp="1"/>
+            <a:spLocks noGrp="true"/>
           </p:cNvSpPr>
           <p:nvPr>
             <p:ph type="sldNum" sz="quarter" idx="12"/>
@@ -2385,7 +2385,7 @@
         <p:nvSpPr>
           <p:cNvPr id="2" name="日期占位符 1"/>
           <p:cNvSpPr>
-            <a:spLocks noGrp="1"/>
+            <a:spLocks noGrp="true"/>
           </p:cNvSpPr>
           <p:nvPr>
             <p:ph type="dt" sz="half" idx="10"/>
@@ -2407,7 +2407,7 @@
         <p:nvSpPr>
           <p:cNvPr id="3" name="页脚占位符 2"/>
           <p:cNvSpPr>
-            <a:spLocks noGrp="1"/>
+            <a:spLocks noGrp="true"/>
           </p:cNvSpPr>
           <p:nvPr>
             <p:ph type="ftr" sz="quarter" idx="11"/>
@@ -2426,7 +2426,7 @@
         <p:nvSpPr>
           <p:cNvPr id="4" name="灯片编号占位符 3"/>
           <p:cNvSpPr>
-            <a:spLocks noGrp="1"/>
+            <a:spLocks noGrp="true"/>
           </p:cNvSpPr>
           <p:nvPr>
             <p:ph type="sldNum" sz="quarter" idx="12"/>
@@ -2473,10 +2473,10 @@
         <p:nvSpPr>
           <p:cNvPr id="2" name="标题 1"/>
           <p:cNvSpPr>
-            <a:spLocks noGrp="1"/>
+            <a:spLocks noGrp="true"/>
           </p:cNvSpPr>
           <p:nvPr>
-            <p:ph type="title" hasCustomPrompt="1"/>
+            <p:ph type="title" hasCustomPrompt="true"/>
           </p:nvPr>
         </p:nvSpPr>
         <p:spPr>
@@ -2486,7 +2486,7 @@
           </a:xfrm>
         </p:spPr>
         <p:txBody>
-          <a:bodyPr anchor="ctr" anchorCtr="0">
+          <a:bodyPr anchor="ctr" anchorCtr="false">
             <a:normAutofit/>
           </a:bodyPr>
           <a:lstStyle>
@@ -2515,7 +2515,7 @@
         <p:nvSpPr>
           <p:cNvPr id="3" name="图片占位符 2"/>
           <p:cNvSpPr>
-            <a:spLocks noGrp="1" noChangeAspect="1"/>
+            <a:spLocks noGrp="true" noChangeAspect="true"/>
           </p:cNvSpPr>
           <p:nvPr>
             <p:ph type="pic" idx="1"/>
@@ -2576,7 +2576,7 @@
         <p:nvSpPr>
           <p:cNvPr id="4" name="文本占位符 3"/>
           <p:cNvSpPr>
-            <a:spLocks noGrp="1"/>
+            <a:spLocks noGrp="true"/>
           </p:cNvSpPr>
           <p:nvPr>
             <p:ph type="body" sz="half" idx="2"/>
@@ -2647,7 +2647,7 @@
         <p:nvSpPr>
           <p:cNvPr id="5" name="日期占位符 4"/>
           <p:cNvSpPr>
-            <a:spLocks noGrp="1"/>
+            <a:spLocks noGrp="true"/>
           </p:cNvSpPr>
           <p:nvPr>
             <p:ph type="dt" sz="half" idx="10"/>
@@ -2669,7 +2669,7 @@
         <p:nvSpPr>
           <p:cNvPr id="6" name="页脚占位符 5"/>
           <p:cNvSpPr>
-            <a:spLocks noGrp="1"/>
+            <a:spLocks noGrp="true"/>
           </p:cNvSpPr>
           <p:nvPr>
             <p:ph type="ftr" sz="quarter" idx="11"/>
@@ -2688,7 +2688,7 @@
         <p:nvSpPr>
           <p:cNvPr id="7" name="灯片编号占位符 6"/>
           <p:cNvSpPr>
-            <a:spLocks noGrp="1"/>
+            <a:spLocks noGrp="true"/>
           </p:cNvSpPr>
           <p:nvPr>
             <p:ph type="sldNum" sz="quarter" idx="12"/>
@@ -2735,7 +2735,7 @@
         <p:nvSpPr>
           <p:cNvPr id="2" name="竖排标题 1"/>
           <p:cNvSpPr>
-            <a:spLocks noGrp="1"/>
+            <a:spLocks noGrp="true"/>
           </p:cNvSpPr>
           <p:nvPr>
             <p:ph type="title" orient="vert"/>
@@ -2769,7 +2769,7 @@
         <p:nvSpPr>
           <p:cNvPr id="3" name="竖排文字占位符 2"/>
           <p:cNvSpPr>
-            <a:spLocks noGrp="1"/>
+            <a:spLocks noGrp="true"/>
           </p:cNvSpPr>
           <p:nvPr>
             <p:ph type="body" orient="vert" idx="1"/>
@@ -2830,7 +2830,7 @@
         <p:nvSpPr>
           <p:cNvPr id="4" name="日期占位符 3"/>
           <p:cNvSpPr>
-            <a:spLocks noGrp="1"/>
+            <a:spLocks noGrp="true"/>
           </p:cNvSpPr>
           <p:nvPr>
             <p:ph type="dt" sz="half" idx="10"/>
@@ -2852,7 +2852,7 @@
         <p:nvSpPr>
           <p:cNvPr id="5" name="页脚占位符 4"/>
           <p:cNvSpPr>
-            <a:spLocks noGrp="1"/>
+            <a:spLocks noGrp="true"/>
           </p:cNvSpPr>
           <p:nvPr>
             <p:ph type="ftr" sz="quarter" idx="11"/>
@@ -2871,7 +2871,7 @@
         <p:nvSpPr>
           <p:cNvPr id="6" name="灯片编号占位符 5"/>
           <p:cNvSpPr>
-            <a:spLocks noGrp="1"/>
+            <a:spLocks noGrp="true"/>
           </p:cNvSpPr>
           <p:nvPr>
             <p:ph type="sldNum" sz="quarter" idx="12"/>
@@ -2926,7 +2926,7 @@
         <p:nvSpPr>
           <p:cNvPr id="2" name="标题占位符 1"/>
           <p:cNvSpPr>
-            <a:spLocks noGrp="1"/>
+            <a:spLocks noGrp="true"/>
           </p:cNvSpPr>
           <p:nvPr>
             <p:ph type="title"/>
@@ -2959,7 +2959,7 @@
         <p:nvSpPr>
           <p:cNvPr id="3" name="文本占位符 2"/>
           <p:cNvSpPr>
-            <a:spLocks noGrp="1"/>
+            <a:spLocks noGrp="true"/>
           </p:cNvSpPr>
           <p:nvPr>
             <p:ph type="body" idx="1"/>
@@ -3025,7 +3025,7 @@
         <p:nvSpPr>
           <p:cNvPr id="4" name="日期占位符 3"/>
           <p:cNvSpPr>
-            <a:spLocks noGrp="1"/>
+            <a:spLocks noGrp="true"/>
           </p:cNvSpPr>
           <p:nvPr>
             <p:ph type="dt" sz="half" idx="2"/>
@@ -3067,7 +3067,7 @@
         <p:nvSpPr>
           <p:cNvPr id="5" name="页脚占位符 4"/>
           <p:cNvSpPr>
-            <a:spLocks noGrp="1"/>
+            <a:spLocks noGrp="true"/>
           </p:cNvSpPr>
           <p:nvPr>
             <p:ph type="ftr" sz="quarter" idx="3"/>
@@ -3106,7 +3106,7 @@
         <p:nvSpPr>
           <p:cNvPr id="6" name="灯片编号占位符 5"/>
           <p:cNvSpPr>
-            <a:spLocks noGrp="1"/>
+            <a:spLocks noGrp="true"/>
           </p:cNvSpPr>
           <p:nvPr>
             <p:ph type="sldNum" sz="quarter" idx="4"/>
@@ -3187,7 +3187,7 @@
         <a:spcBef>
           <a:spcPts val="750"/>
         </a:spcBef>
-        <a:buFont typeface="Arial" panose="020B0604020202020204" pitchFamily="34" charset="0"/>
+        <a:buFont typeface="Arial" panose="02080604020202020204" pitchFamily="34" charset="0"/>
         <a:buChar char="•"/>
         <a:defRPr sz="1800" kern="1200">
           <a:solidFill>
@@ -3205,7 +3205,7 @@
         <a:spcBef>
           <a:spcPts val="375"/>
         </a:spcBef>
-        <a:buFont typeface="Arial" panose="020B0604020202020204" pitchFamily="34" charset="0"/>
+        <a:buFont typeface="Arial" panose="02080604020202020204" pitchFamily="34" charset="0"/>
         <a:buChar char="•"/>
         <a:defRPr sz="1500" kern="1200">
           <a:solidFill>
@@ -3223,7 +3223,7 @@
         <a:spcBef>
           <a:spcPts val="375"/>
         </a:spcBef>
-        <a:buFont typeface="Arial" panose="020B0604020202020204" pitchFamily="34" charset="0"/>
+        <a:buFont typeface="Arial" panose="02080604020202020204" pitchFamily="34" charset="0"/>
         <a:buChar char="•"/>
         <a:defRPr sz="1350" kern="1200">
           <a:solidFill>
@@ -3241,7 +3241,7 @@
         <a:spcBef>
           <a:spcPts val="375"/>
         </a:spcBef>
-        <a:buFont typeface="Arial" panose="020B0604020202020204" pitchFamily="34" charset="0"/>
+        <a:buFont typeface="Arial" panose="02080604020202020204" pitchFamily="34" charset="0"/>
         <a:buChar char="•"/>
         <a:defRPr sz="1350" kern="1200">
           <a:solidFill>
@@ -3259,7 +3259,7 @@
         <a:spcBef>
           <a:spcPts val="375"/>
         </a:spcBef>
-        <a:buFont typeface="Arial" panose="020B0604020202020204" pitchFamily="34" charset="0"/>
+        <a:buFont typeface="Arial" panose="02080604020202020204" pitchFamily="34" charset="0"/>
         <a:buChar char="•"/>
         <a:defRPr sz="1350" kern="1200">
           <a:solidFill>
@@ -3277,7 +3277,7 @@
         <a:spcBef>
           <a:spcPts val="375"/>
         </a:spcBef>
-        <a:buFont typeface="Arial" panose="020B0604020202020204" pitchFamily="34" charset="0"/>
+        <a:buFont typeface="Arial" panose="02080604020202020204" pitchFamily="34" charset="0"/>
         <a:buChar char="•"/>
         <a:defRPr sz="1350" kern="1200">
           <a:solidFill>
@@ -3295,7 +3295,7 @@
         <a:spcBef>
           <a:spcPts val="375"/>
         </a:spcBef>
-        <a:buFont typeface="Arial" panose="020B0604020202020204" pitchFamily="34" charset="0"/>
+        <a:buFont typeface="Arial" panose="02080604020202020204" pitchFamily="34" charset="0"/>
         <a:buChar char="•"/>
         <a:defRPr sz="1350" kern="1200">
           <a:solidFill>
@@ -3313,7 +3313,7 @@
         <a:spcBef>
           <a:spcPts val="375"/>
         </a:spcBef>
-        <a:buFont typeface="Arial" panose="020B0604020202020204" pitchFamily="34" charset="0"/>
+        <a:buFont typeface="Arial" panose="02080604020202020204" pitchFamily="34" charset="0"/>
         <a:buChar char="•"/>
         <a:defRPr sz="1350" kern="1200">
           <a:solidFill>
@@ -3331,7 +3331,7 @@
         <a:spcBef>
           <a:spcPts val="375"/>
         </a:spcBef>
-        <a:buFont typeface="Arial" panose="020B0604020202020204" pitchFamily="34" charset="0"/>
+        <a:buFont typeface="Arial" panose="02080604020202020204" pitchFamily="34" charset="0"/>
         <a:buChar char="•"/>
         <a:defRPr sz="1350" kern="1200">
           <a:solidFill>
@@ -4134,7 +4134,7 @@
       <p:sp>
         <p:nvSpPr>
           <p:cNvPr id="46" name="文本框 45"/>
-          <p:cNvSpPr txBox="1"/>
+          <p:cNvSpPr txBox="true"/>
           <p:nvPr/>
         </p:nvSpPr>
         <p:spPr>
@@ -4227,7 +4227,7 @@
       <p:sp>
         <p:nvSpPr>
           <p:cNvPr id="50" name="文本框 49"/>
-          <p:cNvSpPr txBox="1"/>
+          <p:cNvSpPr txBox="true"/>
           <p:nvPr/>
         </p:nvSpPr>
         <p:spPr>
@@ -4320,7 +4320,7 @@
       <p:sp>
         <p:nvSpPr>
           <p:cNvPr id="53" name="文本框 52"/>
-          <p:cNvSpPr txBox="1"/>
+          <p:cNvSpPr txBox="true"/>
           <p:nvPr/>
         </p:nvSpPr>
         <p:spPr>
@@ -4709,7 +4709,7 @@
         <p:sp>
           <p:nvSpPr>
             <p:cNvPr id="57" name="文本框 56"/>
-            <p:cNvSpPr txBox="1"/>
+            <p:cNvSpPr txBox="true"/>
             <p:nvPr/>
           </p:nvSpPr>
           <p:spPr>
@@ -4757,7 +4757,7 @@
         <p:sp>
           <p:nvSpPr>
             <p:cNvPr id="58" name="文本框 57"/>
-            <p:cNvSpPr txBox="1"/>
+            <p:cNvSpPr txBox="true"/>
             <p:nvPr/>
           </p:nvSpPr>
           <p:spPr>
@@ -4851,7 +4851,7 @@
         <p:sp>
           <p:nvSpPr>
             <p:cNvPr id="59" name="文本框 58"/>
-            <p:cNvSpPr txBox="1"/>
+            <p:cNvSpPr txBox="true"/>
             <p:nvPr/>
           </p:nvSpPr>
           <p:spPr>
@@ -5056,7 +5056,7 @@
       <p:sp>
         <p:nvSpPr>
           <p:cNvPr id="42" name="文本框 41"/>
-          <p:cNvSpPr txBox="1"/>
+          <p:cNvSpPr txBox="true"/>
           <p:nvPr/>
         </p:nvSpPr>
         <p:spPr>
@@ -7587,7 +7587,7 @@
           <p:nvPr/>
         </p:nvCxnSpPr>
         <p:spPr>
-          <a:xfrm flipV="1">
+          <a:xfrm flipV="true">
             <a:off x="1564640" y="5128260"/>
             <a:ext cx="416560" cy="497840"/>
           </a:xfrm>
@@ -7626,7 +7626,7 @@
           <p:nvPr/>
         </p:nvCxnSpPr>
         <p:spPr>
-          <a:xfrm flipV="1">
+          <a:xfrm flipV="true">
             <a:off x="1564640" y="5458460"/>
             <a:ext cx="416560" cy="776605"/>
           </a:xfrm>
@@ -7665,7 +7665,7 @@
           <p:nvPr/>
         </p:nvCxnSpPr>
         <p:spPr>
-          <a:xfrm flipV="1">
+          <a:xfrm flipV="true">
             <a:off x="1564640" y="5794375"/>
             <a:ext cx="416560" cy="1049655"/>
           </a:xfrm>
@@ -7955,7 +7955,7 @@
           <p:nvPr/>
         </p:nvCxnSpPr>
         <p:spPr>
-          <a:xfrm flipV="1">
+          <a:xfrm flipV="true">
             <a:off x="1564640" y="7141845"/>
             <a:ext cx="416560" cy="920115"/>
           </a:xfrm>
@@ -7994,7 +7994,7 @@
           <p:nvPr/>
         </p:nvCxnSpPr>
         <p:spPr>
-          <a:xfrm flipV="1">
+          <a:xfrm flipV="true">
             <a:off x="2585720" y="5756275"/>
             <a:ext cx="589915" cy="1385570"/>
           </a:xfrm>
@@ -8033,7 +8033,7 @@
           <p:nvPr/>
         </p:nvCxnSpPr>
         <p:spPr>
-          <a:xfrm flipV="1">
+          <a:xfrm flipV="true">
             <a:off x="2585720" y="6482080"/>
             <a:ext cx="589915" cy="659765"/>
           </a:xfrm>
@@ -8176,7 +8176,7 @@
           <p:nvPr/>
         </p:nvCxnSpPr>
         <p:spPr>
-          <a:xfrm flipV="1">
+          <a:xfrm flipV="true">
             <a:off x="1564640" y="7639685"/>
             <a:ext cx="416560" cy="1031240"/>
           </a:xfrm>
@@ -8215,7 +8215,7 @@
           <p:nvPr/>
         </p:nvCxnSpPr>
         <p:spPr>
-          <a:xfrm flipV="1">
+          <a:xfrm flipV="true">
             <a:off x="2585720" y="7059295"/>
             <a:ext cx="589915" cy="580390"/>
           </a:xfrm>
@@ -8545,7 +8545,7 @@
           <p:nvPr/>
         </p:nvCxnSpPr>
         <p:spPr>
-          <a:xfrm flipV="1">
+          <a:xfrm flipV="true">
             <a:off x="3780155" y="6766560"/>
             <a:ext cx="465455" cy="292735"/>
           </a:xfrm>
@@ -9139,7 +9139,7 @@
           <p:nvPr/>
         </p:nvCxnSpPr>
         <p:spPr>
-          <a:xfrm flipV="1">
+          <a:xfrm flipV="true">
             <a:off x="2585720" y="8242935"/>
             <a:ext cx="572135" cy="1036955"/>
           </a:xfrm>
@@ -9178,7 +9178,7 @@
           <p:nvPr/>
         </p:nvCxnSpPr>
         <p:spPr>
-          <a:xfrm flipV="1">
+          <a:xfrm flipV="true">
             <a:off x="2585720" y="8965565"/>
             <a:ext cx="569595" cy="314325"/>
           </a:xfrm>
@@ -9293,7 +9293,7 @@
           <p:nvPr/>
         </p:nvCxnSpPr>
         <p:spPr>
-          <a:xfrm flipV="1">
+          <a:xfrm flipV="true">
             <a:off x="3762375" y="8121015"/>
             <a:ext cx="483235" cy="121920"/>
           </a:xfrm>
@@ -9610,7 +9610,7 @@
           <p:nvPr/>
         </p:nvCxnSpPr>
         <p:spPr>
-          <a:xfrm flipV="1">
+          <a:xfrm flipV="true">
             <a:off x="4850130" y="7881620"/>
             <a:ext cx="534670" cy="239395"/>
           </a:xfrm>
@@ -9803,7 +9803,7 @@
       <p:sp>
         <p:nvSpPr>
           <p:cNvPr id="133" name="文本框 132"/>
-          <p:cNvSpPr txBox="1"/>
+          <p:cNvSpPr txBox="true"/>
           <p:nvPr/>
         </p:nvSpPr>
         <p:spPr>
@@ -9855,7 +9855,7 @@
       <p:sp>
         <p:nvSpPr>
           <p:cNvPr id="134" name="文本框 133"/>
-          <p:cNvSpPr txBox="1"/>
+          <p:cNvSpPr txBox="true"/>
           <p:nvPr/>
         </p:nvSpPr>
         <p:spPr>
@@ -10091,7 +10091,7 @@
           <p:nvPr/>
         </p:nvCxnSpPr>
         <p:spPr>
-          <a:xfrm rot="5400000" flipV="1">
+          <a:xfrm rot="5400000" flipV="true">
             <a:off x="4115435" y="3260090"/>
             <a:ext cx="1220470" cy="1044575"/>
           </a:xfrm>
@@ -10125,7 +10125,7 @@
       <p:sp>
         <p:nvSpPr>
           <p:cNvPr id="140" name="文本框 139"/>
-          <p:cNvSpPr txBox="1"/>
+          <p:cNvSpPr txBox="true"/>
           <p:nvPr/>
         </p:nvSpPr>
         <p:spPr>
@@ -10215,7 +10215,7 @@
           <p:nvPr/>
         </p:nvCxnSpPr>
         <p:spPr>
-          <a:xfrm rot="5400000" flipV="1">
+          <a:xfrm rot="5400000" flipV="true">
             <a:off x="4547553" y="452438"/>
             <a:ext cx="431800" cy="1390015"/>
           </a:xfrm>
@@ -10297,7 +10297,7 @@
           <p:nvPr/>
         </p:nvCxnSpPr>
         <p:spPr>
-          <a:xfrm rot="5400000" flipV="1">
+          <a:xfrm rot="5400000" flipV="true">
             <a:off x="1623695" y="1005840"/>
             <a:ext cx="373380" cy="341630"/>
           </a:xfrm>
@@ -10418,7 +10418,7 @@
           <p:nvPr/>
         </p:nvCxnSpPr>
         <p:spPr>
-          <a:xfrm rot="5400000" flipV="1">
+          <a:xfrm rot="5400000" flipV="true">
             <a:off x="4348163" y="1599248"/>
             <a:ext cx="1315085" cy="1443990"/>
           </a:xfrm>
@@ -10861,7 +10861,7 @@
           <p:nvPr/>
         </p:nvCxnSpPr>
         <p:spPr>
-          <a:xfrm flipV="1">
+          <a:xfrm flipV="true">
             <a:off x="3326130" y="6002020"/>
             <a:ext cx="714375" cy="309245"/>
           </a:xfrm>
@@ -10903,7 +10903,7 @@
           <p:nvPr/>
         </p:nvCxnSpPr>
         <p:spPr>
-          <a:xfrm flipH="1" flipV="1">
+          <a:xfrm flipH="true" flipV="true">
             <a:off x="3307080" y="5837555"/>
             <a:ext cx="19050" cy="474345"/>
           </a:xfrm>
@@ -10945,7 +10945,7 @@
           <p:nvPr/>
         </p:nvCxnSpPr>
         <p:spPr>
-          <a:xfrm flipH="1" flipV="1">
+          <a:xfrm flipH="true" flipV="true">
             <a:off x="2572385" y="6002020"/>
             <a:ext cx="745490" cy="297815"/>
           </a:xfrm>
@@ -10987,7 +10987,7 @@
           <p:nvPr/>
         </p:nvCxnSpPr>
         <p:spPr>
-          <a:xfrm flipH="1">
+          <a:xfrm flipH="true">
             <a:off x="2269490" y="6299835"/>
             <a:ext cx="1068705" cy="99695"/>
           </a:xfrm>
@@ -11029,7 +11029,7 @@
           <p:nvPr/>
         </p:nvCxnSpPr>
         <p:spPr>
-          <a:xfrm flipH="1">
+          <a:xfrm flipH="true">
             <a:off x="2572385" y="6299835"/>
             <a:ext cx="752475" cy="496570"/>
           </a:xfrm>
@@ -11071,7 +11071,7 @@
           <p:nvPr/>
         </p:nvCxnSpPr>
         <p:spPr>
-          <a:xfrm flipH="1">
+          <a:xfrm flipH="true">
             <a:off x="3307080" y="6286500"/>
             <a:ext cx="12065" cy="675640"/>
           </a:xfrm>
@@ -11538,7 +11538,7 @@
           <p:nvPr/>
         </p:nvCxnSpPr>
         <p:spPr>
-          <a:xfrm flipV="1">
+          <a:xfrm flipV="true">
             <a:off x="3328670" y="4586605"/>
             <a:ext cx="714375" cy="309245"/>
           </a:xfrm>
@@ -11580,7 +11580,7 @@
           <p:nvPr/>
         </p:nvCxnSpPr>
         <p:spPr>
-          <a:xfrm flipH="1" flipV="1">
+          <a:xfrm flipH="true" flipV="true">
             <a:off x="2576830" y="4586605"/>
             <a:ext cx="745490" cy="297815"/>
           </a:xfrm>
@@ -11622,7 +11622,7 @@
           <p:nvPr/>
         </p:nvCxnSpPr>
         <p:spPr>
-          <a:xfrm flipH="1">
+          <a:xfrm flipH="true">
             <a:off x="2272665" y="4883785"/>
             <a:ext cx="1068705" cy="99695"/>
           </a:xfrm>
@@ -11664,7 +11664,7 @@
           <p:nvPr/>
         </p:nvCxnSpPr>
         <p:spPr>
-          <a:xfrm flipH="1">
+          <a:xfrm flipH="true">
             <a:off x="2576830" y="4883150"/>
             <a:ext cx="752475" cy="496570"/>
           </a:xfrm>
@@ -11706,7 +11706,7 @@
           <p:nvPr/>
         </p:nvCxnSpPr>
         <p:spPr>
-          <a:xfrm flipH="1">
+          <a:xfrm flipH="true">
             <a:off x="3310890" y="4868545"/>
             <a:ext cx="12065" cy="675640"/>
           </a:xfrm>
@@ -12171,7 +12171,7 @@
           <p:nvPr/>
         </p:nvCxnSpPr>
         <p:spPr>
-          <a:xfrm flipV="1">
+          <a:xfrm flipV="true">
             <a:off x="3304540" y="3072765"/>
             <a:ext cx="714375" cy="309245"/>
           </a:xfrm>
@@ -12213,7 +12213,7 @@
           <p:nvPr/>
         </p:nvCxnSpPr>
         <p:spPr>
-          <a:xfrm flipH="1" flipV="1">
+          <a:xfrm flipH="true" flipV="true">
             <a:off x="3286125" y="2907665"/>
             <a:ext cx="19050" cy="474345"/>
           </a:xfrm>
@@ -12255,7 +12255,7 @@
           <p:nvPr/>
         </p:nvCxnSpPr>
         <p:spPr>
-          <a:xfrm flipH="1" flipV="1">
+          <a:xfrm flipH="true" flipV="true">
             <a:off x="2551430" y="3072765"/>
             <a:ext cx="745490" cy="297815"/>
           </a:xfrm>
@@ -12297,7 +12297,7 @@
           <p:nvPr/>
         </p:nvCxnSpPr>
         <p:spPr>
-          <a:xfrm flipH="1">
+          <a:xfrm flipH="true">
             <a:off x="2248535" y="3369945"/>
             <a:ext cx="1068705" cy="99695"/>
           </a:xfrm>
@@ -12339,7 +12339,7 @@
           <p:nvPr/>
         </p:nvCxnSpPr>
         <p:spPr>
-          <a:xfrm flipH="1">
+          <a:xfrm flipH="true">
             <a:off x="2551430" y="3369310"/>
             <a:ext cx="752475" cy="496570"/>
           </a:xfrm>
@@ -12381,7 +12381,7 @@
           <p:nvPr/>
         </p:nvCxnSpPr>
         <p:spPr>
-          <a:xfrm flipH="1">
+          <a:xfrm flipH="true">
             <a:off x="3286125" y="3355340"/>
             <a:ext cx="12065" cy="675640"/>
           </a:xfrm>
@@ -12468,7 +12468,7 @@
           <p:nvPr/>
         </p:nvSpPr>
         <p:spPr>
-          <a:xfrm flipV="1">
+          <a:xfrm flipV="true">
             <a:off x="1689100" y="3263900"/>
             <a:ext cx="893445" cy="78740"/>
           </a:xfrm>
@@ -12515,7 +12515,7 @@
           <p:nvPr/>
         </p:nvSpPr>
         <p:spPr>
-          <a:xfrm flipV="1">
+          <a:xfrm flipV="true">
             <a:off x="1697355" y="4804410"/>
             <a:ext cx="846455" cy="78740"/>
           </a:xfrm>
@@ -12562,7 +12562,7 @@
           <p:nvPr/>
         </p:nvSpPr>
         <p:spPr>
-          <a:xfrm flipV="1">
+          <a:xfrm flipV="true">
             <a:off x="1695450" y="6545580"/>
             <a:ext cx="864235" cy="78740"/>
           </a:xfrm>
@@ -12741,7 +12741,7 @@
       <p:sp>
         <p:nvSpPr>
           <p:cNvPr id="62" name="文本框 61"/>
-          <p:cNvSpPr txBox="1"/>
+          <p:cNvSpPr txBox="true"/>
           <p:nvPr/>
         </p:nvSpPr>
         <p:spPr>
@@ -12833,7 +12833,7 @@
       <p:sp>
         <p:nvSpPr>
           <p:cNvPr id="66" name="文本框 65"/>
-          <p:cNvSpPr txBox="1"/>
+          <p:cNvSpPr txBox="true"/>
           <p:nvPr/>
         </p:nvSpPr>
         <p:spPr>
@@ -12884,7 +12884,7 @@
       <p:sp>
         <p:nvSpPr>
           <p:cNvPr id="69" name="文本框 68"/>
-          <p:cNvSpPr txBox="1"/>
+          <p:cNvSpPr txBox="true"/>
           <p:nvPr/>
         </p:nvSpPr>
         <p:spPr>
@@ -12941,7 +12941,7 @@
           <p:nvPr/>
         </p:nvCxnSpPr>
         <p:spPr>
-          <a:xfrm flipH="1">
+          <a:xfrm flipH="true">
             <a:off x="3776980" y="4184015"/>
             <a:ext cx="864235" cy="31115"/>
           </a:xfrm>
@@ -12982,7 +12982,7 @@
           <p:nvPr/>
         </p:nvCxnSpPr>
         <p:spPr>
-          <a:xfrm flipH="1">
+          <a:xfrm flipH="true">
             <a:off x="4203700" y="4972685"/>
             <a:ext cx="437515" cy="138430"/>
           </a:xfrm>
@@ -13017,7 +13017,7 @@
       <p:sp>
         <p:nvSpPr>
           <p:cNvPr id="72" name="文本框 71"/>
-          <p:cNvSpPr txBox="1"/>
+          <p:cNvSpPr txBox="true"/>
           <p:nvPr/>
         </p:nvSpPr>
         <p:spPr>
@@ -13074,7 +13074,7 @@
           <p:nvPr/>
         </p:nvCxnSpPr>
         <p:spPr>
-          <a:xfrm flipH="1">
+          <a:xfrm flipH="true">
             <a:off x="4232275" y="5985510"/>
             <a:ext cx="408940" cy="246380"/>
           </a:xfrm>
@@ -13109,7 +13109,7 @@
       <p:sp>
         <p:nvSpPr>
           <p:cNvPr id="76" name="文本框 75"/>
-          <p:cNvSpPr txBox="1"/>
+          <p:cNvSpPr txBox="true"/>
           <p:nvPr/>
         </p:nvSpPr>
         <p:spPr>
@@ -13168,7 +13168,7 @@
           <p:nvPr/>
         </p:nvCxnSpPr>
         <p:spPr>
-          <a:xfrm flipH="1">
+          <a:xfrm flipH="true">
             <a:off x="4228465" y="2966720"/>
             <a:ext cx="412750" cy="235585"/>
           </a:xfrm>
@@ -13499,7 +13499,7 @@
       <p:sp>
         <p:nvSpPr>
           <p:cNvPr id="83" name="文本框 82"/>
-          <p:cNvSpPr txBox="1"/>
+          <p:cNvSpPr txBox="true"/>
           <p:nvPr/>
         </p:nvSpPr>
         <p:spPr>
@@ -13818,7 +13818,7 @@
       <p:sp>
         <p:nvSpPr>
           <p:cNvPr id="86" name="文本框 85"/>
-          <p:cNvSpPr txBox="1"/>
+          <p:cNvSpPr txBox="true"/>
           <p:nvPr/>
         </p:nvSpPr>
         <p:spPr>
@@ -13875,7 +13875,7 @@
           <p:nvPr/>
         </p:nvCxnSpPr>
         <p:spPr>
-          <a:xfrm flipH="1" flipV="1">
+          <a:xfrm flipH="true" flipV="true">
             <a:off x="3982720" y="6647815"/>
             <a:ext cx="722630" cy="61595"/>
           </a:xfrm>
@@ -13999,7 +13999,7 @@
           <p:nvPr/>
         </p:nvCxnSpPr>
         <p:spPr>
-          <a:xfrm flipV="1">
+          <a:xfrm flipV="true">
             <a:off x="1014095" y="1255395"/>
             <a:ext cx="4352925" cy="6350"/>
           </a:xfrm>
@@ -14036,7 +14036,7 @@
       <p:sp>
         <p:nvSpPr>
           <p:cNvPr id="7" name="文本框 6"/>
-          <p:cNvSpPr txBox="1"/>
+          <p:cNvSpPr txBox="true"/>
           <p:nvPr/>
         </p:nvSpPr>
         <p:spPr>
@@ -14179,7 +14179,7 @@
       <p:sp>
         <p:nvSpPr>
           <p:cNvPr id="10" name="文本框 9"/>
-          <p:cNvSpPr txBox="1"/>
+          <p:cNvSpPr txBox="true"/>
           <p:nvPr/>
         </p:nvSpPr>
         <p:spPr>
@@ -14324,14 +14324,14 @@
           <a:p>
             <a:pPr algn="ctr"/>
             <a:r>
-              <a:rPr lang="en-US" altLang="en-US" sz="1200" b="1">
+              <a:rPr lang="en-US" altLang="en-US" sz="1000" b="1">
                 <a:solidFill>
                   <a:srgbClr val="2C3E50"/>
                 </a:solidFill>
               </a:rPr>
               <a:t>Ext2/3/4</a:t>
             </a:r>
-            <a:endParaRPr lang="en-US" altLang="en-US" sz="1200" b="1">
+            <a:endParaRPr lang="en-US" altLang="en-US" sz="1000" b="1">
               <a:solidFill>
                 <a:srgbClr val="2C3E50"/>
               </a:solidFill>
@@ -14385,14 +14385,14 @@
           <a:p>
             <a:pPr algn="ctr"/>
             <a:r>
-              <a:rPr lang="en-US" altLang="en-US" sz="1200" b="1">
+              <a:rPr lang="en-US" altLang="en-US" sz="1000" b="1">
                 <a:solidFill>
                   <a:srgbClr val="2C3E50"/>
                 </a:solidFill>
               </a:rPr>
               <a:t>XFS/YAFS</a:t>
             </a:r>
-            <a:endParaRPr lang="en-US" altLang="en-US" sz="1200" b="1">
+            <a:endParaRPr lang="en-US" altLang="en-US" sz="1000" b="1">
               <a:solidFill>
                 <a:srgbClr val="2C3E50"/>
               </a:solidFill>
@@ -14446,14 +14446,14 @@
           <a:p>
             <a:pPr algn="ctr"/>
             <a:r>
-              <a:rPr lang="en-US" altLang="en-US" sz="1200" b="1">
+              <a:rPr lang="en-US" altLang="en-US" sz="1000" b="1">
                 <a:solidFill>
                   <a:srgbClr val="2C3E50"/>
                 </a:solidFill>
               </a:rPr>
               <a:t>NFS</a:t>
             </a:r>
-            <a:endParaRPr lang="en-US" altLang="en-US" sz="1200" b="1">
+            <a:endParaRPr lang="en-US" altLang="en-US" sz="1000" b="1">
               <a:solidFill>
                 <a:srgbClr val="2C3E50"/>
               </a:solidFill>
@@ -14469,8 +14469,8 @@
         </p:nvSpPr>
         <p:spPr>
           <a:xfrm>
-            <a:off x="4561840" y="1898015"/>
-            <a:ext cx="666115" cy="2098040"/>
+            <a:off x="4526915" y="1898015"/>
+            <a:ext cx="769620" cy="2098040"/>
           </a:xfrm>
           <a:prstGeom prst="rect">
             <a:avLst/>
@@ -14820,14 +14820,14 @@
           <a:p>
             <a:pPr algn="ctr"/>
             <a:r>
-              <a:rPr lang="en-US" altLang="zh-CN" sz="1400" b="1">
+              <a:rPr lang="en-US" altLang="zh-CN" sz="1000" b="1">
                 <a:solidFill>
                   <a:srgbClr val="2C3E50"/>
                 </a:solidFill>
               </a:rPr>
               <a:t>hard disk</a:t>
             </a:r>
-            <a:endParaRPr lang="en-US" altLang="zh-CN" sz="1400" b="1">
+            <a:endParaRPr lang="en-US" altLang="zh-CN" sz="1000" b="1">
               <a:solidFill>
                 <a:srgbClr val="2C3E50"/>
               </a:solidFill>
@@ -14881,14 +14881,14 @@
           <a:p>
             <a:pPr algn="ctr"/>
             <a:r>
-              <a:rPr lang="en-US" altLang="en-US" sz="1400" b="1">
+              <a:rPr lang="en-US" altLang="en-US" sz="1000" b="1">
                 <a:solidFill>
                   <a:srgbClr val="2C3E50"/>
                 </a:solidFill>
               </a:rPr>
               <a:t>device</a:t>
             </a:r>
-            <a:endParaRPr lang="en-US" altLang="en-US" sz="1400" b="1">
+            <a:endParaRPr lang="en-US" altLang="en-US" sz="1000" b="1">
               <a:solidFill>
                 <a:srgbClr val="2C3E50"/>
               </a:solidFill>
@@ -14904,8 +14904,8 @@
         </p:nvSpPr>
         <p:spPr>
           <a:xfrm>
-            <a:off x="3768090" y="4481830"/>
-            <a:ext cx="705485" cy="276225"/>
+            <a:off x="3604260" y="4481830"/>
+            <a:ext cx="869315" cy="276225"/>
           </a:xfrm>
           <a:prstGeom prst="rect">
             <a:avLst/>
@@ -14960,7 +14960,7 @@
       <p:sp>
         <p:nvSpPr>
           <p:cNvPr id="24" name="文本框 23"/>
-          <p:cNvSpPr txBox="1"/>
+          <p:cNvSpPr txBox="true"/>
           <p:nvPr/>
         </p:nvSpPr>
         <p:spPr>
@@ -15048,7 +15048,7 @@
           <p:nvPr/>
         </p:nvCxnSpPr>
         <p:spPr>
-          <a:xfrm flipH="1">
+          <a:xfrm flipH="true">
             <a:off x="3282315" y="1722120"/>
             <a:ext cx="1270" cy="154940"/>
           </a:xfrm>
@@ -15088,7 +15088,7 @@
           <p:nvPr/>
         </p:nvCxnSpPr>
         <p:spPr>
-          <a:xfrm flipH="1">
+          <a:xfrm flipH="true">
             <a:off x="4935855" y="1743075"/>
             <a:ext cx="1270" cy="154940"/>
           </a:xfrm>
@@ -15128,7 +15128,7 @@
           <p:nvPr/>
         </p:nvCxnSpPr>
         <p:spPr>
-          <a:xfrm flipH="1">
+          <a:xfrm flipH="true">
             <a:off x="2373630" y="2192655"/>
             <a:ext cx="1270" cy="154940"/>
           </a:xfrm>
@@ -15168,7 +15168,7 @@
           <p:nvPr/>
         </p:nvCxnSpPr>
         <p:spPr>
-          <a:xfrm flipH="1">
+          <a:xfrm flipH="true">
             <a:off x="3283585" y="2188210"/>
             <a:ext cx="1270" cy="154940"/>
           </a:xfrm>
@@ -15208,7 +15208,7 @@
           <p:nvPr/>
         </p:nvCxnSpPr>
         <p:spPr>
-          <a:xfrm flipH="1">
+          <a:xfrm flipH="true">
             <a:off x="4166235" y="2188210"/>
             <a:ext cx="1270" cy="154940"/>
           </a:xfrm>
@@ -15248,7 +15248,7 @@
           <p:nvPr/>
         </p:nvCxnSpPr>
         <p:spPr>
-          <a:xfrm flipH="1">
+          <a:xfrm flipH="true">
             <a:off x="3241675" y="2640330"/>
             <a:ext cx="1270" cy="154940"/>
           </a:xfrm>
@@ -15331,7 +15331,7 @@
           <p:nvPr/>
         </p:nvCxnSpPr>
         <p:spPr>
-          <a:xfrm flipH="1">
+          <a:xfrm flipH="true">
             <a:off x="3225800" y="3536950"/>
             <a:ext cx="1270" cy="154940"/>
           </a:xfrm>
@@ -15453,7 +15453,7 @@
           <p:nvPr/>
         </p:nvCxnSpPr>
         <p:spPr>
-          <a:xfrm flipH="1">
+          <a:xfrm flipH="true">
             <a:off x="2372360" y="2640330"/>
             <a:ext cx="1270" cy="154940"/>
           </a:xfrm>
@@ -15732,7 +15732,7 @@
       <p:sp>
         <p:nvSpPr>
           <p:cNvPr id="9" name="文本框 8"/>
-          <p:cNvSpPr txBox="1"/>
+          <p:cNvSpPr txBox="true"/>
           <p:nvPr/>
         </p:nvSpPr>
         <p:spPr>
@@ -16173,7 +16173,7 @@
       <p:sp>
         <p:nvSpPr>
           <p:cNvPr id="21" name="文本框 20"/>
-          <p:cNvSpPr txBox="1"/>
+          <p:cNvSpPr txBox="true"/>
           <p:nvPr/>
         </p:nvSpPr>
         <p:spPr>
@@ -16214,7 +16214,7 @@
       <p:sp>
         <p:nvSpPr>
           <p:cNvPr id="22" name="文本框 21"/>
-          <p:cNvSpPr txBox="1"/>
+          <p:cNvSpPr txBox="true"/>
           <p:nvPr/>
         </p:nvSpPr>
         <p:spPr>
@@ -16474,7 +16474,7 @@
           <p:nvPr/>
         </p:nvCxnSpPr>
         <p:spPr>
-          <a:xfrm flipV="1">
+          <a:xfrm flipV="true">
             <a:off x="680720" y="2544445"/>
             <a:ext cx="1416050" cy="12065"/>
           </a:xfrm>
@@ -16511,7 +16511,7 @@
       <p:sp>
         <p:nvSpPr>
           <p:cNvPr id="8" name="文本框 7"/>
-          <p:cNvSpPr txBox="1"/>
+          <p:cNvSpPr txBox="true"/>
           <p:nvPr/>
         </p:nvSpPr>
         <p:spPr>
@@ -16555,7 +16555,7 @@
       <p:sp>
         <p:nvSpPr>
           <p:cNvPr id="9" name="文本框 8"/>
-          <p:cNvSpPr txBox="1"/>
+          <p:cNvSpPr txBox="true"/>
           <p:nvPr/>
         </p:nvSpPr>
         <p:spPr>
@@ -16661,7 +16661,7 @@
       <p:sp>
         <p:nvSpPr>
           <p:cNvPr id="11" name="文本框 10"/>
-          <p:cNvSpPr txBox="1"/>
+          <p:cNvSpPr txBox="true"/>
           <p:nvPr/>
         </p:nvSpPr>
         <p:spPr>
@@ -17691,7 +17691,7 @@
       <p:sp>
         <p:nvSpPr>
           <p:cNvPr id="16" name="文本框 15"/>
-          <p:cNvSpPr txBox="1"/>
+          <p:cNvSpPr txBox="true"/>
           <p:nvPr/>
         </p:nvSpPr>
         <p:spPr>
@@ -17732,7 +17732,7 @@
       <p:sp>
         <p:nvSpPr>
           <p:cNvPr id="17" name="文本框 16"/>
-          <p:cNvSpPr txBox="1"/>
+          <p:cNvSpPr txBox="true"/>
           <p:nvPr/>
         </p:nvSpPr>
         <p:spPr>
@@ -17937,7 +17937,7 @@
         <a:solidFill>
           <a:schemeClr val="phClr"/>
         </a:solidFill>
-        <a:gradFill rotWithShape="1">
+        <a:gradFill rotWithShape="true">
           <a:gsLst>
             <a:gs pos="0">
               <a:schemeClr val="phClr">
@@ -17961,9 +17961,9 @@
               </a:schemeClr>
             </a:gs>
           </a:gsLst>
-          <a:lin ang="5400000" scaled="0"/>
+          <a:lin ang="5400000" scaled="false"/>
         </a:gradFill>
-        <a:gradFill rotWithShape="1">
+        <a:gradFill rotWithShape="true">
           <a:gsLst>
             <a:gs pos="0">
               <a:schemeClr val="phClr">
@@ -17987,7 +17987,7 @@
               </a:schemeClr>
             </a:gs>
           </a:gsLst>
-          <a:lin ang="5400000" scaled="0"/>
+          <a:lin ang="5400000" scaled="false"/>
         </a:gradFill>
       </a:fillStyleLst>
       <a:lnStyleLst>
@@ -18040,7 +18040,7 @@
             <a:satMod val="170000"/>
           </a:schemeClr>
         </a:solidFill>
-        <a:gradFill rotWithShape="1">
+        <a:gradFill rotWithShape="true">
           <a:gsLst>
             <a:gs pos="0">
               <a:schemeClr val="phClr">
@@ -18065,7 +18065,7 @@
               </a:schemeClr>
             </a:gs>
           </a:gsLst>
-          <a:lin ang="5400000" scaled="0"/>
+          <a:lin ang="5400000" scaled="false"/>
         </a:gradFill>
       </a:bgFillStyleLst>
     </a:fmtScheme>
@@ -18196,7 +18196,7 @@
         <a:solidFill>
           <a:schemeClr val="phClr"/>
         </a:solidFill>
-        <a:gradFill rotWithShape="1">
+        <a:gradFill rotWithShape="true">
           <a:gsLst>
             <a:gs pos="0">
               <a:schemeClr val="phClr">
@@ -18220,9 +18220,9 @@
               </a:schemeClr>
             </a:gs>
           </a:gsLst>
-          <a:lin ang="5400000" scaled="0"/>
+          <a:lin ang="5400000" scaled="false"/>
         </a:gradFill>
-        <a:gradFill rotWithShape="1">
+        <a:gradFill rotWithShape="true">
           <a:gsLst>
             <a:gs pos="0">
               <a:schemeClr val="phClr">
@@ -18246,7 +18246,7 @@
               </a:schemeClr>
             </a:gs>
           </a:gsLst>
-          <a:lin ang="5400000" scaled="0"/>
+          <a:lin ang="5400000" scaled="false"/>
         </a:gradFill>
       </a:fillStyleLst>
       <a:lnStyleLst>
@@ -18299,7 +18299,7 @@
             <a:satMod val="170000"/>
           </a:schemeClr>
         </a:solidFill>
-        <a:gradFill rotWithShape="1">
+        <a:gradFill rotWithShape="true">
           <a:gsLst>
             <a:gs pos="0">
               <a:schemeClr val="phClr">
@@ -18324,7 +18324,7 @@
               </a:schemeClr>
             </a:gs>
           </a:gsLst>
-          <a:lin ang="5400000" scaled="0"/>
+          <a:lin ang="5400000" scaled="false"/>
         </a:gradFill>
       </a:bgFillStyleLst>
     </a:fmtScheme>
@@ -18455,7 +18455,7 @@
         <a:solidFill>
           <a:schemeClr val="phClr"/>
         </a:solidFill>
-        <a:gradFill rotWithShape="1">
+        <a:gradFill rotWithShape="true">
           <a:gsLst>
             <a:gs pos="0">
               <a:schemeClr val="phClr">
@@ -18479,9 +18479,9 @@
               </a:schemeClr>
             </a:gs>
           </a:gsLst>
-          <a:lin ang="5400000" scaled="0"/>
+          <a:lin ang="5400000" scaled="false"/>
         </a:gradFill>
-        <a:gradFill rotWithShape="1">
+        <a:gradFill rotWithShape="true">
           <a:gsLst>
             <a:gs pos="0">
               <a:schemeClr val="phClr">
@@ -18505,7 +18505,7 @@
               </a:schemeClr>
             </a:gs>
           </a:gsLst>
-          <a:lin ang="5400000" scaled="0"/>
+          <a:lin ang="5400000" scaled="false"/>
         </a:gradFill>
       </a:fillStyleLst>
       <a:lnStyleLst>
@@ -18558,7 +18558,7 @@
             <a:satMod val="170000"/>
           </a:schemeClr>
         </a:solidFill>
-        <a:gradFill rotWithShape="1">
+        <a:gradFill rotWithShape="true">
           <a:gsLst>
             <a:gs pos="0">
               <a:schemeClr val="phClr">
@@ -18583,7 +18583,7 @@
               </a:schemeClr>
             </a:gs>
           </a:gsLst>
-          <a:lin ang="5400000" scaled="0"/>
+          <a:lin ang="5400000" scaled="false"/>
         </a:gradFill>
       </a:bgFillStyleLst>
     </a:fmtScheme>

--- a/picture/ppt/filesystem/filesystem.pptx
+++ b/picture/ppt/filesystem/filesystem.pptx
@@ -5,10 +5,10 @@
     <p:sldMasterId id="2147483648" r:id="rId1"/>
   </p:sldMasterIdLst>
   <p:notesMasterIdLst>
-    <p:notesMasterId r:id="rId9"/>
+    <p:notesMasterId r:id="rId14"/>
   </p:notesMasterIdLst>
   <p:handoutMasterIdLst>
-    <p:handoutMasterId r:id="rId10"/>
+    <p:handoutMasterId r:id="rId15"/>
   </p:handoutMasterIdLst>
   <p:sldIdLst>
     <p:sldId id="256" r:id="rId3"/>
@@ -17,6 +17,11 @@
     <p:sldId id="259" r:id="rId6"/>
     <p:sldId id="260" r:id="rId7"/>
     <p:sldId id="261" r:id="rId8"/>
+    <p:sldId id="262" r:id="rId9"/>
+    <p:sldId id="263" r:id="rId10"/>
+    <p:sldId id="264" r:id="rId11"/>
+    <p:sldId id="265" r:id="rId12"/>
+    <p:sldId id="266" r:id="rId13"/>
   </p:sldIdLst>
   <p:sldSz cx="6858000" cy="9903460" type="A4"/>
   <p:notesSz cx="7103745" cy="10234295"/>
@@ -321,7 +326,11 @@
           <a:bodyPr vert="horz" lIns="91440" tIns="45720" rIns="91440" bIns="45720" rtlCol="0"/>
           <a:lstStyle>
             <a:lvl1pPr algn="l">
-              <a:defRPr sz="1200"/>
+              <a:defRPr sz="1200">
+                <a:latin typeface="文泉驿微米黑" panose="020B0606030804020204" charset="-122"/>
+                <a:ea typeface="文泉驿微米黑" panose="020B0606030804020204" charset="-122"/>
+                <a:cs typeface="DejaVu Sans" panose="020B0603030804020204" charset="0"/>
+              </a:defRPr>
             </a:lvl1pPr>
           </a:lstStyle>
           <a:p>
@@ -352,7 +361,11 @@
           <a:bodyPr vert="horz" lIns="91440" tIns="45720" rIns="91440" bIns="45720" rtlCol="0"/>
           <a:lstStyle>
             <a:lvl1pPr algn="r">
-              <a:defRPr sz="1200"/>
+              <a:defRPr sz="1200">
+                <a:latin typeface="文泉驿微米黑" panose="020B0606030804020204" charset="-122"/>
+                <a:ea typeface="文泉驿微米黑" panose="020B0606030804020204" charset="-122"/>
+                <a:cs typeface="DejaVu Sans" panose="020B0603030804020204" charset="0"/>
+              </a:defRPr>
             </a:lvl1pPr>
           </a:lstStyle>
           <a:p>
@@ -483,7 +496,11 @@
           <a:bodyPr vert="horz" lIns="91440" tIns="45720" rIns="91440" bIns="45720" rtlCol="0" anchor="b"/>
           <a:lstStyle>
             <a:lvl1pPr algn="l">
-              <a:defRPr sz="1200"/>
+              <a:defRPr sz="1200">
+                <a:latin typeface="文泉驿微米黑" panose="020B0606030804020204" charset="-122"/>
+                <a:ea typeface="文泉驿微米黑" panose="020B0606030804020204" charset="-122"/>
+                <a:cs typeface="DejaVu Sans" panose="020B0603030804020204" charset="0"/>
+              </a:defRPr>
             </a:lvl1pPr>
           </a:lstStyle>
           <a:p>
@@ -514,7 +531,11 @@
           <a:bodyPr vert="horz" lIns="91440" tIns="45720" rIns="91440" bIns="45720" rtlCol="0" anchor="b"/>
           <a:lstStyle>
             <a:lvl1pPr algn="r">
-              <a:defRPr sz="1200"/>
+              <a:defRPr sz="1200">
+                <a:latin typeface="文泉驿微米黑" panose="020B0606030804020204" charset="-122"/>
+                <a:ea typeface="文泉驿微米黑" panose="020B0606030804020204" charset="-122"/>
+                <a:cs typeface="DejaVu Sans" panose="020B0603030804020204" charset="0"/>
+              </a:defRPr>
             </a:lvl1pPr>
           </a:lstStyle>
           <a:p>
@@ -534,9 +555,9 @@
         <a:solidFill>
           <a:schemeClr val="tx1"/>
         </a:solidFill>
-        <a:latin typeface="+mn-lt"/>
-        <a:ea typeface="+mn-ea"/>
-        <a:cs typeface="+mn-cs"/>
+        <a:latin typeface="文泉驿微米黑" panose="020B0606030804020204" charset="-122"/>
+        <a:ea typeface="文泉驿微米黑" panose="020B0606030804020204" charset="-122"/>
+        <a:cs typeface="DejaVu Sans" panose="020B0603030804020204" charset="0"/>
       </a:defRPr>
     </a:lvl1pPr>
     <a:lvl2pPr marL="457200" algn="l" defTabSz="914400" rtl="0" eaLnBrk="1" latinLnBrk="0" hangingPunct="1">
@@ -544,9 +565,9 @@
         <a:solidFill>
           <a:schemeClr val="tx1"/>
         </a:solidFill>
-        <a:latin typeface="+mn-lt"/>
-        <a:ea typeface="+mn-ea"/>
-        <a:cs typeface="+mn-cs"/>
+        <a:latin typeface="文泉驿微米黑" panose="020B0606030804020204" charset="-122"/>
+        <a:ea typeface="文泉驿微米黑" panose="020B0606030804020204" charset="-122"/>
+        <a:cs typeface="DejaVu Sans" panose="020B0603030804020204" charset="0"/>
       </a:defRPr>
     </a:lvl2pPr>
     <a:lvl3pPr marL="914400" algn="l" defTabSz="914400" rtl="0" eaLnBrk="1" latinLnBrk="0" hangingPunct="1">
@@ -554,9 +575,9 @@
         <a:solidFill>
           <a:schemeClr val="tx1"/>
         </a:solidFill>
-        <a:latin typeface="+mn-lt"/>
-        <a:ea typeface="+mn-ea"/>
-        <a:cs typeface="+mn-cs"/>
+        <a:latin typeface="文泉驿微米黑" panose="020B0606030804020204" charset="-122"/>
+        <a:ea typeface="文泉驿微米黑" panose="020B0606030804020204" charset="-122"/>
+        <a:cs typeface="DejaVu Sans" panose="020B0603030804020204" charset="0"/>
       </a:defRPr>
     </a:lvl3pPr>
     <a:lvl4pPr marL="1371600" algn="l" defTabSz="914400" rtl="0" eaLnBrk="1" latinLnBrk="0" hangingPunct="1">
@@ -564,9 +585,9 @@
         <a:solidFill>
           <a:schemeClr val="tx1"/>
         </a:solidFill>
-        <a:latin typeface="+mn-lt"/>
-        <a:ea typeface="+mn-ea"/>
-        <a:cs typeface="+mn-cs"/>
+        <a:latin typeface="文泉驿微米黑" panose="020B0606030804020204" charset="-122"/>
+        <a:ea typeface="文泉驿微米黑" panose="020B0606030804020204" charset="-122"/>
+        <a:cs typeface="DejaVu Sans" panose="020B0603030804020204" charset="0"/>
       </a:defRPr>
     </a:lvl4pPr>
     <a:lvl5pPr marL="1828800" algn="l" defTabSz="914400" rtl="0" eaLnBrk="1" latinLnBrk="0" hangingPunct="1">
@@ -574,9 +595,9 @@
         <a:solidFill>
           <a:schemeClr val="tx1"/>
         </a:solidFill>
-        <a:latin typeface="+mn-lt"/>
-        <a:ea typeface="+mn-ea"/>
-        <a:cs typeface="+mn-cs"/>
+        <a:latin typeface="文泉驿微米黑" panose="020B0606030804020204" charset="-122"/>
+        <a:ea typeface="文泉驿微米黑" panose="020B0606030804020204" charset="-122"/>
+        <a:cs typeface="DejaVu Sans" panose="020B0603030804020204" charset="0"/>
       </a:defRPr>
     </a:lvl5pPr>
     <a:lvl6pPr marL="2286000" algn="l" defTabSz="914400" rtl="0" eaLnBrk="1" latinLnBrk="0" hangingPunct="1">
@@ -3052,6 +3073,9 @@
                     <a:tint val="75000"/>
                   </a:schemeClr>
                 </a:solidFill>
+                <a:latin typeface="DejaVu Sans" panose="020B0603030804020204" charset="0"/>
+                <a:ea typeface="文泉驿微米黑" panose="020B0606030804020204" charset="-122"/>
+                <a:cs typeface="DejaVu Sans" panose="020B0603030804020204" charset="0"/>
               </a:defRPr>
             </a:lvl1pPr>
           </a:lstStyle>
@@ -3094,6 +3118,9 @@
                     <a:tint val="75000"/>
                   </a:schemeClr>
                 </a:solidFill>
+                <a:latin typeface="DejaVu Sans" panose="020B0603030804020204" charset="0"/>
+                <a:ea typeface="文泉驿微米黑" panose="020B0606030804020204" charset="-122"/>
+                <a:cs typeface="DejaVu Sans" panose="020B0603030804020204" charset="0"/>
               </a:defRPr>
             </a:lvl1pPr>
           </a:lstStyle>
@@ -3133,6 +3160,9 @@
                     <a:tint val="75000"/>
                   </a:schemeClr>
                 </a:solidFill>
+                <a:latin typeface="DejaVu Sans" panose="020B0603030804020204" charset="0"/>
+                <a:ea typeface="文泉驿微米黑" panose="020B0606030804020204" charset="-122"/>
+                <a:cs typeface="DejaVu Sans" panose="020B0603030804020204" charset="0"/>
               </a:defRPr>
             </a:lvl1pPr>
           </a:lstStyle>
@@ -3173,9 +3203,9 @@
           <a:solidFill>
             <a:schemeClr val="tx1"/>
           </a:solidFill>
-          <a:latin typeface="+mj-lt"/>
-          <a:ea typeface="+mj-ea"/>
-          <a:cs typeface="+mj-cs"/>
+          <a:latin typeface="DejaVu Sans" panose="020B0603030804020204" charset="0"/>
+          <a:ea typeface="文泉驿微米黑" panose="020B0606030804020204" charset="-122"/>
+          <a:cs typeface="DejaVu Sans" panose="020B0603030804020204" charset="0"/>
         </a:defRPr>
       </a:lvl1pPr>
     </p:titleStyle>
@@ -3193,9 +3223,9 @@
           <a:solidFill>
             <a:schemeClr val="tx1"/>
           </a:solidFill>
-          <a:latin typeface="+mn-lt"/>
-          <a:ea typeface="+mn-ea"/>
-          <a:cs typeface="+mn-cs"/>
+          <a:latin typeface="DejaVu Sans" panose="020B0603030804020204" charset="0"/>
+          <a:ea typeface="文泉驿微米黑" panose="020B0606030804020204" charset="-122"/>
+          <a:cs typeface="DejaVu Sans" panose="020B0603030804020204" charset="0"/>
         </a:defRPr>
       </a:lvl1pPr>
       <a:lvl2pPr marL="514350" indent="-171450" algn="l" defTabSz="685800" rtl="0" eaLnBrk="1" latinLnBrk="0" hangingPunct="1">
@@ -3211,9 +3241,9 @@
           <a:solidFill>
             <a:schemeClr val="tx1"/>
           </a:solidFill>
-          <a:latin typeface="+mn-lt"/>
-          <a:ea typeface="+mn-ea"/>
-          <a:cs typeface="+mn-cs"/>
+          <a:latin typeface="DejaVu Sans" panose="020B0603030804020204" charset="0"/>
+          <a:ea typeface="文泉驿微米黑" panose="020B0606030804020204" charset="-122"/>
+          <a:cs typeface="DejaVu Sans" panose="020B0603030804020204" charset="0"/>
         </a:defRPr>
       </a:lvl2pPr>
       <a:lvl3pPr marL="857250" indent="-171450" algn="l" defTabSz="685800" rtl="0" eaLnBrk="1" latinLnBrk="0" hangingPunct="1">
@@ -3229,9 +3259,9 @@
           <a:solidFill>
             <a:schemeClr val="tx1"/>
           </a:solidFill>
-          <a:latin typeface="+mn-lt"/>
-          <a:ea typeface="+mn-ea"/>
-          <a:cs typeface="+mn-cs"/>
+          <a:latin typeface="DejaVu Sans" panose="020B0603030804020204" charset="0"/>
+          <a:ea typeface="文泉驿微米黑" panose="020B0606030804020204" charset="-122"/>
+          <a:cs typeface="DejaVu Sans" panose="020B0603030804020204" charset="0"/>
         </a:defRPr>
       </a:lvl3pPr>
       <a:lvl4pPr marL="1200150" indent="-171450" algn="l" defTabSz="685800" rtl="0" eaLnBrk="1" latinLnBrk="0" hangingPunct="1">
@@ -3247,9 +3277,9 @@
           <a:solidFill>
             <a:schemeClr val="tx1"/>
           </a:solidFill>
-          <a:latin typeface="+mn-lt"/>
-          <a:ea typeface="+mn-ea"/>
-          <a:cs typeface="+mn-cs"/>
+          <a:latin typeface="DejaVu Sans" panose="020B0603030804020204" charset="0"/>
+          <a:ea typeface="文泉驿微米黑" panose="020B0606030804020204" charset="-122"/>
+          <a:cs typeface="DejaVu Sans" panose="020B0603030804020204" charset="0"/>
         </a:defRPr>
       </a:lvl4pPr>
       <a:lvl5pPr marL="1543050" indent="-171450" algn="l" defTabSz="685800" rtl="0" eaLnBrk="1" latinLnBrk="0" hangingPunct="1">
@@ -3265,9 +3295,9 @@
           <a:solidFill>
             <a:schemeClr val="tx1"/>
           </a:solidFill>
-          <a:latin typeface="+mn-lt"/>
-          <a:ea typeface="+mn-ea"/>
-          <a:cs typeface="+mn-cs"/>
+          <a:latin typeface="DejaVu Sans" panose="020B0603030804020204" charset="0"/>
+          <a:ea typeface="文泉驿微米黑" panose="020B0606030804020204" charset="-122"/>
+          <a:cs typeface="DejaVu Sans" panose="020B0603030804020204" charset="0"/>
         </a:defRPr>
       </a:lvl5pPr>
       <a:lvl6pPr marL="1885950" indent="-171450" algn="l" defTabSz="685800" rtl="0" eaLnBrk="1" latinLnBrk="0" hangingPunct="1">
@@ -3527,6 +3557,7 @@
                   <a:solidFill>
                     <a:srgbClr val="2C3E50"/>
                   </a:solidFill>
+                  <a:cs typeface="DejaVu Sans" panose="020B0603030804020204" charset="0"/>
                 </a:rPr>
                 <a:t>自举块</a:t>
               </a:r>
@@ -3534,6 +3565,7 @@
                 <a:solidFill>
                   <a:srgbClr val="2C3E50"/>
                 </a:solidFill>
+                <a:cs typeface="DejaVu Sans" panose="020B0603030804020204" charset="0"/>
               </a:endParaRPr>
             </a:p>
           </p:txBody>
@@ -3593,6 +3625,7 @@
                   <a:solidFill>
                     <a:srgbClr val="2C3E50"/>
                   </a:solidFill>
+                  <a:cs typeface="DejaVu Sans" panose="020B0603030804020204" charset="0"/>
                 </a:rPr>
                 <a:t>超级块</a:t>
               </a:r>
@@ -3600,6 +3633,7 @@
                 <a:solidFill>
                   <a:srgbClr val="2C3E50"/>
                 </a:solidFill>
+                <a:cs typeface="DejaVu Sans" panose="020B0603030804020204" charset="0"/>
               </a:endParaRPr>
             </a:p>
           </p:txBody>
@@ -3659,6 +3693,7 @@
                   <a:solidFill>
                     <a:srgbClr val="2C3E50"/>
                   </a:solidFill>
+                  <a:cs typeface="DejaVu Sans" panose="020B0603030804020204" charset="0"/>
                 </a:rPr>
                 <a:t>柱面组0</a:t>
               </a:r>
@@ -3666,6 +3701,7 @@
                 <a:solidFill>
                   <a:srgbClr val="2C3E50"/>
                 </a:solidFill>
+                <a:cs typeface="DejaVu Sans" panose="020B0603030804020204" charset="0"/>
               </a:endParaRPr>
             </a:p>
           </p:txBody>
@@ -3725,6 +3761,7 @@
                   <a:solidFill>
                     <a:srgbClr val="2C3E50"/>
                   </a:solidFill>
+                  <a:cs typeface="DejaVu Sans" panose="020B0603030804020204" charset="0"/>
                   <a:sym typeface="+mn-ea"/>
                 </a:rPr>
                 <a:t>柱面组</a:t>
@@ -3734,6 +3771,8 @@
                   <a:solidFill>
                     <a:srgbClr val="2C3E50"/>
                   </a:solidFill>
+                  <a:ea typeface="DejaVu Sans" panose="020B0603030804020204" charset="0"/>
+                  <a:cs typeface="DejaVu Sans" panose="020B0603030804020204" charset="0"/>
                   <a:sym typeface="+mn-ea"/>
                 </a:rPr>
                 <a:t>1</a:t>
@@ -3742,6 +3781,8 @@
                 <a:solidFill>
                   <a:srgbClr val="2C3E50"/>
                 </a:solidFill>
+                <a:ea typeface="DejaVu Sans" panose="020B0603030804020204" charset="0"/>
+                <a:cs typeface="DejaVu Sans" panose="020B0603030804020204" charset="0"/>
                 <a:sym typeface="+mn-ea"/>
               </a:endParaRPr>
             </a:p>
@@ -3802,6 +3843,7 @@
                   <a:solidFill>
                     <a:srgbClr val="2C3E50"/>
                   </a:solidFill>
+                  <a:cs typeface="DejaVu Sans" panose="020B0603030804020204" charset="0"/>
                 </a:rPr>
                 <a:t>...</a:t>
               </a:r>
@@ -3809,6 +3851,7 @@
                 <a:solidFill>
                   <a:srgbClr val="2C3E50"/>
                 </a:solidFill>
+                <a:cs typeface="DejaVu Sans" panose="020B0603030804020204" charset="0"/>
               </a:endParaRPr>
             </a:p>
           </p:txBody>
@@ -3868,6 +3911,7 @@
                   <a:solidFill>
                     <a:srgbClr val="2C3E50"/>
                   </a:solidFill>
+                  <a:cs typeface="DejaVu Sans" panose="020B0603030804020204" charset="0"/>
                   <a:sym typeface="+mn-ea"/>
                 </a:rPr>
                 <a:t>柱面组</a:t>
@@ -3877,6 +3921,8 @@
                   <a:solidFill>
                     <a:srgbClr val="2C3E50"/>
                   </a:solidFill>
+                  <a:ea typeface="DejaVu Sans" panose="020B0603030804020204" charset="0"/>
+                  <a:cs typeface="DejaVu Sans" panose="020B0603030804020204" charset="0"/>
                   <a:sym typeface="+mn-ea"/>
                 </a:rPr>
                 <a:t>n</a:t>
@@ -3885,6 +3931,8 @@
                 <a:solidFill>
                   <a:srgbClr val="2C3E50"/>
                 </a:solidFill>
+                <a:ea typeface="DejaVu Sans" panose="020B0603030804020204" charset="0"/>
+                <a:cs typeface="DejaVu Sans" panose="020B0603030804020204" charset="0"/>
                 <a:sym typeface="+mn-ea"/>
               </a:endParaRPr>
             </a:p>
@@ -3946,6 +3994,7 @@
                 <a:solidFill>
                   <a:srgbClr val="2C3E50"/>
                 </a:solidFill>
+                <a:cs typeface="DejaVu Sans" panose="020B0603030804020204" charset="0"/>
               </a:rPr>
               <a:t>MBR</a:t>
             </a:r>
@@ -3953,6 +4002,7 @@
               <a:solidFill>
                 <a:srgbClr val="2C3E50"/>
               </a:solidFill>
+              <a:cs typeface="DejaVu Sans" panose="020B0603030804020204" charset="0"/>
             </a:endParaRPr>
           </a:p>
         </p:txBody>
@@ -4012,6 +4062,7 @@
                 <a:solidFill>
                   <a:srgbClr val="2C3E50"/>
                 </a:solidFill>
+                <a:cs typeface="DejaVu Sans" panose="020B0603030804020204" charset="0"/>
               </a:rPr>
               <a:t>DPT分区表表</a:t>
             </a:r>
@@ -4019,6 +4070,7 @@
               <a:solidFill>
                 <a:srgbClr val="2C3E50"/>
               </a:solidFill>
+              <a:cs typeface="DejaVu Sans" panose="020B0603030804020204" charset="0"/>
             </a:endParaRPr>
           </a:p>
         </p:txBody>
@@ -4078,6 +4130,7 @@
                 <a:solidFill>
                   <a:srgbClr val="2C3E50"/>
                 </a:solidFill>
+                <a:cs typeface="DejaVu Sans" panose="020B0603030804020204" charset="0"/>
               </a:rPr>
               <a:t>Magic number</a:t>
             </a:r>
@@ -4085,6 +4138,7 @@
               <a:solidFill>
                 <a:srgbClr val="2C3E50"/>
               </a:solidFill>
+              <a:cs typeface="DejaVu Sans" panose="020B0603030804020204" charset="0"/>
             </a:endParaRPr>
           </a:p>
         </p:txBody>
@@ -4127,7 +4181,9 @@
           <a:bodyPr rtlCol="0" anchor="ctr"/>
           <a:p>
             <a:pPr algn="ctr"/>
-            <a:endParaRPr lang="zh-CN" altLang="en-US" sz="600" b="1"/>
+            <a:endParaRPr lang="zh-CN" altLang="en-US" sz="600" b="1">
+              <a:cs typeface="DejaVu Sans" panose="020B0603030804020204" charset="0"/>
+            </a:endParaRPr>
           </a:p>
         </p:txBody>
       </p:sp>
@@ -4163,6 +4219,8 @@
                 <a:solidFill>
                   <a:srgbClr val="2C3E50"/>
                 </a:solidFill>
+                <a:ea typeface="DejaVu Sans" panose="020B0603030804020204" charset="0"/>
+                <a:cs typeface="DejaVu Sans" panose="020B0603030804020204" charset="0"/>
               </a:rPr>
               <a:t> 446</a:t>
             </a:r>
@@ -4171,6 +4229,7 @@
                 <a:solidFill>
                   <a:srgbClr val="2C3E50"/>
                 </a:solidFill>
+                <a:cs typeface="DejaVu Sans" panose="020B0603030804020204" charset="0"/>
               </a:rPr>
               <a:t>字节</a:t>
             </a:r>
@@ -4178,6 +4237,7 @@
               <a:solidFill>
                 <a:srgbClr val="2C3E50"/>
               </a:solidFill>
+              <a:cs typeface="DejaVu Sans" panose="020B0603030804020204" charset="0"/>
             </a:endParaRPr>
           </a:p>
         </p:txBody>
@@ -4220,7 +4280,9 @@
           <a:bodyPr rtlCol="0" anchor="ctr"/>
           <a:p>
             <a:pPr algn="ctr"/>
-            <a:endParaRPr lang="zh-CN" altLang="en-US" sz="600" b="1"/>
+            <a:endParaRPr lang="zh-CN" altLang="en-US" sz="600" b="1">
+              <a:cs typeface="DejaVu Sans" panose="020B0603030804020204" charset="0"/>
+            </a:endParaRPr>
           </a:p>
         </p:txBody>
       </p:sp>
@@ -4256,6 +4318,8 @@
                 <a:solidFill>
                   <a:srgbClr val="2C3E50"/>
                 </a:solidFill>
+                <a:ea typeface="DejaVu Sans" panose="020B0603030804020204" charset="0"/>
+                <a:cs typeface="DejaVu Sans" panose="020B0603030804020204" charset="0"/>
               </a:rPr>
               <a:t>   64</a:t>
             </a:r>
@@ -4264,6 +4328,7 @@
                 <a:solidFill>
                   <a:srgbClr val="2C3E50"/>
                 </a:solidFill>
+                <a:cs typeface="DejaVu Sans" panose="020B0603030804020204" charset="0"/>
               </a:rPr>
               <a:t>字节</a:t>
             </a:r>
@@ -4271,6 +4336,7 @@
               <a:solidFill>
                 <a:srgbClr val="2C3E50"/>
               </a:solidFill>
+              <a:cs typeface="DejaVu Sans" panose="020B0603030804020204" charset="0"/>
             </a:endParaRPr>
           </a:p>
         </p:txBody>
@@ -4313,7 +4379,9 @@
           <a:bodyPr rtlCol="0" anchor="ctr"/>
           <a:p>
             <a:pPr algn="ctr"/>
-            <a:endParaRPr lang="zh-CN" altLang="en-US" sz="600" b="1"/>
+            <a:endParaRPr lang="zh-CN" altLang="en-US" sz="600" b="1">
+              <a:cs typeface="DejaVu Sans" panose="020B0603030804020204" charset="0"/>
+            </a:endParaRPr>
           </a:p>
         </p:txBody>
       </p:sp>
@@ -4349,6 +4417,8 @@
                 <a:solidFill>
                   <a:srgbClr val="2C3E50"/>
                 </a:solidFill>
+                <a:ea typeface="DejaVu Sans" panose="020B0603030804020204" charset="0"/>
+                <a:cs typeface="DejaVu Sans" panose="020B0603030804020204" charset="0"/>
               </a:rPr>
               <a:t>   2</a:t>
             </a:r>
@@ -4357,6 +4427,7 @@
                 <a:solidFill>
                   <a:srgbClr val="2C3E50"/>
                 </a:solidFill>
+                <a:cs typeface="DejaVu Sans" panose="020B0603030804020204" charset="0"/>
               </a:rPr>
               <a:t>字节</a:t>
             </a:r>
@@ -4364,6 +4435,7 @@
               <a:solidFill>
                 <a:srgbClr val="2C3E50"/>
               </a:solidFill>
+              <a:cs typeface="DejaVu Sans" panose="020B0603030804020204" charset="0"/>
             </a:endParaRPr>
           </a:p>
         </p:txBody>
@@ -4437,6 +4509,7 @@
                   <a:solidFill>
                     <a:srgbClr val="2C3E50"/>
                   </a:solidFill>
+                  <a:cs typeface="DejaVu Sans" panose="020B0603030804020204" charset="0"/>
                 </a:rPr>
                 <a:t>分区1</a:t>
               </a:r>
@@ -4444,6 +4517,7 @@
                 <a:solidFill>
                   <a:srgbClr val="2C3E50"/>
                 </a:solidFill>
+                <a:cs typeface="DejaVu Sans" panose="020B0603030804020204" charset="0"/>
               </a:endParaRPr>
             </a:p>
           </p:txBody>
@@ -4486,7 +4560,9 @@
             <a:bodyPr rtlCol="0" anchor="ctr"/>
             <a:p>
               <a:pPr algn="ctr"/>
-              <a:endParaRPr lang="zh-CN" altLang="en-US" sz="600" b="1"/>
+              <a:endParaRPr lang="zh-CN" altLang="en-US" sz="600" b="1">
+                <a:cs typeface="DejaVu Sans" panose="020B0603030804020204" charset="0"/>
+              </a:endParaRPr>
             </a:p>
           </p:txBody>
         </p:sp>
@@ -4545,6 +4621,7 @@
                   <a:solidFill>
                     <a:srgbClr val="2C3E50"/>
                   </a:solidFill>
+                  <a:cs typeface="DejaVu Sans" panose="020B0603030804020204" charset="0"/>
                 </a:rPr>
                 <a:t>分区2</a:t>
               </a:r>
@@ -4552,6 +4629,7 @@
                 <a:solidFill>
                   <a:srgbClr val="2C3E50"/>
                 </a:solidFill>
+                <a:cs typeface="DejaVu Sans" panose="020B0603030804020204" charset="0"/>
               </a:endParaRPr>
             </a:p>
           </p:txBody>
@@ -4594,7 +4672,9 @@
             <a:bodyPr rtlCol="0" anchor="ctr"/>
             <a:p>
               <a:pPr algn="ctr"/>
-              <a:endParaRPr lang="zh-CN" altLang="en-US" sz="600" b="1"/>
+              <a:endParaRPr lang="zh-CN" altLang="en-US" sz="600" b="1">
+                <a:cs typeface="DejaVu Sans" panose="020B0603030804020204" charset="0"/>
+              </a:endParaRPr>
             </a:p>
           </p:txBody>
         </p:sp>
@@ -4653,6 +4733,7 @@
                   <a:solidFill>
                     <a:srgbClr val="2C3E50"/>
                   </a:solidFill>
+                  <a:cs typeface="DejaVu Sans" panose="020B0603030804020204" charset="0"/>
                 </a:rPr>
                 <a:t>分区3</a:t>
               </a:r>
@@ -4660,6 +4741,7 @@
                 <a:solidFill>
                   <a:srgbClr val="2C3E50"/>
                 </a:solidFill>
+                <a:cs typeface="DejaVu Sans" panose="020B0603030804020204" charset="0"/>
               </a:endParaRPr>
             </a:p>
           </p:txBody>
@@ -4702,7 +4784,9 @@
             <a:bodyPr rtlCol="0" anchor="ctr"/>
             <a:p>
               <a:pPr algn="ctr"/>
-              <a:endParaRPr lang="zh-CN" altLang="en-US" sz="600" b="1"/>
+              <a:endParaRPr lang="zh-CN" altLang="en-US" sz="600" b="1">
+                <a:cs typeface="DejaVu Sans" panose="020B0603030804020204" charset="0"/>
+              </a:endParaRPr>
             </a:p>
           </p:txBody>
         </p:sp>
@@ -4740,6 +4824,7 @@
                   <a:solidFill>
                     <a:srgbClr val="2C3E50"/>
                   </a:solidFill>
+                  <a:cs typeface="DejaVu Sans" panose="020B0603030804020204" charset="0"/>
                 </a:rPr>
                 <a:t>磁柱1～N</a:t>
               </a:r>
@@ -4750,6 +4835,7 @@
                 <a:solidFill>
                   <a:srgbClr val="2C3E50"/>
                 </a:solidFill>
+                <a:cs typeface="DejaVu Sans" panose="020B0603030804020204" charset="0"/>
               </a:endParaRPr>
             </a:p>
           </p:txBody>
@@ -4789,6 +4875,7 @@
                   <a:solidFill>
                     <a:srgbClr val="2C3E50"/>
                   </a:solidFill>
+                  <a:cs typeface="DejaVu Sans" panose="020B0603030804020204" charset="0"/>
                   <a:sym typeface="+mn-ea"/>
                 </a:rPr>
                 <a:t>磁</a:t>
@@ -4801,6 +4888,7 @@
                   <a:solidFill>
                     <a:srgbClr val="2C3E50"/>
                   </a:solidFill>
+                  <a:cs typeface="DejaVu Sans" panose="020B0603030804020204" charset="0"/>
                 </a:rPr>
                 <a:t>柱</a:t>
               </a:r>
@@ -4812,6 +4900,8 @@
                   <a:solidFill>
                     <a:srgbClr val="2C3E50"/>
                   </a:solidFill>
+                  <a:ea typeface="DejaVu Sans" panose="020B0603030804020204" charset="0"/>
+                  <a:cs typeface="DejaVu Sans" panose="020B0603030804020204" charset="0"/>
                 </a:rPr>
                 <a:t>N+</a:t>
               </a:r>
@@ -4823,6 +4913,7 @@
                   <a:solidFill>
                     <a:srgbClr val="2C3E50"/>
                   </a:solidFill>
+                  <a:cs typeface="DejaVu Sans" panose="020B0603030804020204" charset="0"/>
                 </a:rPr>
                 <a:t>1～</a:t>
               </a:r>
@@ -4834,6 +4925,8 @@
                   <a:solidFill>
                     <a:srgbClr val="2C3E50"/>
                   </a:solidFill>
+                  <a:ea typeface="DejaVu Sans" panose="020B0603030804020204" charset="0"/>
+                  <a:cs typeface="DejaVu Sans" panose="020B0603030804020204" charset="0"/>
                 </a:rPr>
                 <a:t>M</a:t>
               </a:r>
@@ -4844,6 +4937,8 @@
                 <a:solidFill>
                   <a:srgbClr val="2C3E50"/>
                 </a:solidFill>
+                <a:ea typeface="DejaVu Sans" panose="020B0603030804020204" charset="0"/>
+                <a:cs typeface="DejaVu Sans" panose="020B0603030804020204" charset="0"/>
               </a:endParaRPr>
             </a:p>
           </p:txBody>
@@ -4883,6 +4978,7 @@
                   <a:solidFill>
                     <a:srgbClr val="2C3E50"/>
                   </a:solidFill>
+                  <a:cs typeface="DejaVu Sans" panose="020B0603030804020204" charset="0"/>
                   <a:sym typeface="+mn-ea"/>
                 </a:rPr>
                 <a:t>磁</a:t>
@@ -4895,6 +4991,7 @@
                   <a:solidFill>
                     <a:srgbClr val="2C3E50"/>
                   </a:solidFill>
+                  <a:cs typeface="DejaVu Sans" panose="020B0603030804020204" charset="0"/>
                 </a:rPr>
                 <a:t>柱</a:t>
               </a:r>
@@ -4906,6 +5003,8 @@
                   <a:solidFill>
                     <a:srgbClr val="2C3E50"/>
                   </a:solidFill>
+                  <a:ea typeface="DejaVu Sans" panose="020B0603030804020204" charset="0"/>
+                  <a:cs typeface="DejaVu Sans" panose="020B0603030804020204" charset="0"/>
                 </a:rPr>
                 <a:t>M+</a:t>
               </a:r>
@@ -4917,6 +5016,7 @@
                   <a:solidFill>
                     <a:srgbClr val="2C3E50"/>
                   </a:solidFill>
+                  <a:cs typeface="DejaVu Sans" panose="020B0603030804020204" charset="0"/>
                 </a:rPr>
                 <a:t>1～</a:t>
               </a:r>
@@ -4928,6 +5028,8 @@
                   <a:solidFill>
                     <a:srgbClr val="2C3E50"/>
                   </a:solidFill>
+                  <a:ea typeface="DejaVu Sans" panose="020B0603030804020204" charset="0"/>
+                  <a:cs typeface="DejaVu Sans" panose="020B0603030804020204" charset="0"/>
                 </a:rPr>
                 <a:t>X</a:t>
               </a:r>
@@ -4938,6 +5040,8 @@
                 <a:solidFill>
                   <a:srgbClr val="2C3E50"/>
                 </a:solidFill>
+                <a:ea typeface="DejaVu Sans" panose="020B0603030804020204" charset="0"/>
+                <a:cs typeface="DejaVu Sans" panose="020B0603030804020204" charset="0"/>
               </a:endParaRPr>
             </a:p>
           </p:txBody>
@@ -4998,6 +5102,7 @@
                 <a:solidFill>
                   <a:srgbClr val="2C3E50"/>
                 </a:solidFill>
+                <a:cs typeface="DejaVu Sans" panose="020B0603030804020204" charset="0"/>
                 <a:sym typeface="+mn-ea"/>
               </a:rPr>
               <a:t>第一个扇区</a:t>
@@ -5006,6 +5111,7 @@
               <a:solidFill>
                 <a:srgbClr val="2C3E50"/>
               </a:solidFill>
+              <a:cs typeface="DejaVu Sans" panose="020B0603030804020204" charset="0"/>
               <a:sym typeface="+mn-ea"/>
             </a:endParaRPr>
           </a:p>
@@ -5049,7 +5155,9 @@
           <a:bodyPr rtlCol="0" anchor="ctr"/>
           <a:p>
             <a:pPr algn="ctr"/>
-            <a:endParaRPr lang="zh-CN" altLang="en-US" sz="600" b="1"/>
+            <a:endParaRPr lang="zh-CN" altLang="en-US" sz="600" b="1">
+              <a:cs typeface="DejaVu Sans" panose="020B0603030804020204" charset="0"/>
+            </a:endParaRPr>
           </a:p>
         </p:txBody>
       </p:sp>
@@ -5084,6 +5192,7 @@
                 <a:solidFill>
                   <a:srgbClr val="2C3E50"/>
                 </a:solidFill>
+                <a:cs typeface="DejaVu Sans" panose="020B0603030804020204" charset="0"/>
               </a:rPr>
               <a:t> </a:t>
             </a:r>
@@ -5092,6 +5201,8 @@
                 <a:solidFill>
                   <a:srgbClr val="2C3E50"/>
                 </a:solidFill>
+                <a:ea typeface="DejaVu Sans" panose="020B0603030804020204" charset="0"/>
+                <a:cs typeface="DejaVu Sans" panose="020B0603030804020204" charset="0"/>
               </a:rPr>
               <a:t>磁柱0</a:t>
             </a:r>
@@ -5099,6 +5210,8 @@
               <a:solidFill>
                 <a:srgbClr val="2C3E50"/>
               </a:solidFill>
+              <a:ea typeface="DejaVu Sans" panose="020B0603030804020204" charset="0"/>
+              <a:cs typeface="DejaVu Sans" panose="020B0603030804020204" charset="0"/>
             </a:endParaRPr>
           </a:p>
         </p:txBody>
@@ -5161,6 +5274,7 @@
                 <a:solidFill>
                   <a:srgbClr val="2C3E50"/>
                 </a:solidFill>
+                <a:cs typeface="DejaVu Sans" panose="020B0603030804020204" charset="0"/>
               </a:rPr>
               <a:t>磁柱是分区最小单位</a:t>
             </a:r>
@@ -5168,6 +5282,7 @@
               <a:solidFill>
                 <a:srgbClr val="2C3E50"/>
               </a:solidFill>
+              <a:cs typeface="DejaVu Sans" panose="020B0603030804020204" charset="0"/>
             </a:endParaRPr>
           </a:p>
         </p:txBody>
@@ -5241,6 +5356,7 @@
                   <a:solidFill>
                     <a:srgbClr val="2C3E50"/>
                   </a:solidFill>
+                  <a:cs typeface="DejaVu Sans" panose="020B0603030804020204" charset="0"/>
                 </a:rPr>
                 <a:t>UUID</a:t>
               </a:r>
@@ -5248,6 +5364,7 @@
                 <a:solidFill>
                   <a:srgbClr val="2C3E50"/>
                 </a:solidFill>
+                <a:cs typeface="DejaVu Sans" panose="020B0603030804020204" charset="0"/>
               </a:endParaRPr>
             </a:p>
           </p:txBody>
@@ -5307,6 +5424,7 @@
                   <a:solidFill>
                     <a:srgbClr val="2C3E50"/>
                   </a:solidFill>
+                  <a:cs typeface="DejaVu Sans" panose="020B0603030804020204" charset="0"/>
                 </a:rPr>
                 <a:t>inode数量</a:t>
               </a:r>
@@ -5314,6 +5432,7 @@
                 <a:solidFill>
                   <a:srgbClr val="2C3E50"/>
                 </a:solidFill>
+                <a:cs typeface="DejaVu Sans" panose="020B0603030804020204" charset="0"/>
               </a:endParaRPr>
             </a:p>
           </p:txBody>
@@ -5373,6 +5492,7 @@
                   <a:solidFill>
                     <a:srgbClr val="2C3E50"/>
                   </a:solidFill>
+                  <a:cs typeface="DejaVu Sans" panose="020B0603030804020204" charset="0"/>
                 </a:rPr>
                 <a:t>block数量</a:t>
               </a:r>
@@ -5380,6 +5500,7 @@
                 <a:solidFill>
                   <a:srgbClr val="2C3E50"/>
                 </a:solidFill>
+                <a:cs typeface="DejaVu Sans" panose="020B0603030804020204" charset="0"/>
               </a:endParaRPr>
             </a:p>
           </p:txBody>
@@ -5439,6 +5560,7 @@
                   <a:solidFill>
                     <a:srgbClr val="2C3E50"/>
                   </a:solidFill>
+                  <a:cs typeface="DejaVu Sans" panose="020B0603030804020204" charset="0"/>
                 </a:rPr>
                 <a:t>未使用inode数量</a:t>
               </a:r>
@@ -5446,6 +5568,7 @@
                 <a:solidFill>
                   <a:srgbClr val="2C3E50"/>
                 </a:solidFill>
+                <a:cs typeface="DejaVu Sans" panose="020B0603030804020204" charset="0"/>
               </a:endParaRPr>
             </a:p>
           </p:txBody>
@@ -5505,6 +5628,7 @@
                   <a:solidFill>
                     <a:srgbClr val="2C3E50"/>
                   </a:solidFill>
+                  <a:cs typeface="DejaVu Sans" panose="020B0603030804020204" charset="0"/>
                 </a:rPr>
                 <a:t>未使用block数量</a:t>
               </a:r>
@@ -5512,6 +5636,7 @@
                 <a:solidFill>
                   <a:srgbClr val="2C3E50"/>
                 </a:solidFill>
+                <a:cs typeface="DejaVu Sans" panose="020B0603030804020204" charset="0"/>
               </a:endParaRPr>
             </a:p>
           </p:txBody>
@@ -5571,6 +5696,7 @@
                   <a:solidFill>
                     <a:srgbClr val="2C3E50"/>
                   </a:solidFill>
+                  <a:cs typeface="DejaVu Sans" panose="020B0603030804020204" charset="0"/>
                 </a:rPr>
                 <a:t>,,,</a:t>
               </a:r>
@@ -5578,6 +5704,7 @@
                 <a:solidFill>
                   <a:srgbClr val="2C3E50"/>
                 </a:solidFill>
+                <a:cs typeface="DejaVu Sans" panose="020B0603030804020204" charset="0"/>
               </a:endParaRPr>
             </a:p>
           </p:txBody>
@@ -5638,6 +5765,7 @@
                 <a:solidFill>
                   <a:srgbClr val="2C3E50"/>
                 </a:solidFill>
+                <a:cs typeface="DejaVu Sans" panose="020B0603030804020204" charset="0"/>
               </a:rPr>
               <a:t>超级块备份</a:t>
             </a:r>
@@ -5645,6 +5773,7 @@
               <a:solidFill>
                 <a:srgbClr val="2C3E50"/>
               </a:solidFill>
+              <a:cs typeface="DejaVu Sans" panose="020B0603030804020204" charset="0"/>
             </a:endParaRPr>
           </a:p>
         </p:txBody>
@@ -5704,6 +5833,7 @@
                 <a:solidFill>
                   <a:srgbClr val="2C3E50"/>
                 </a:solidFill>
+                <a:cs typeface="DejaVu Sans" panose="020B0603030804020204" charset="0"/>
               </a:rPr>
               <a:t>描述符</a:t>
             </a:r>
@@ -5711,6 +5841,7 @@
               <a:solidFill>
                 <a:srgbClr val="2C3E50"/>
               </a:solidFill>
+              <a:cs typeface="DejaVu Sans" panose="020B0603030804020204" charset="0"/>
             </a:endParaRPr>
           </a:p>
         </p:txBody>
@@ -5770,6 +5901,7 @@
                 <a:solidFill>
                   <a:srgbClr val="2C3E50"/>
                 </a:solidFill>
+                <a:cs typeface="DejaVu Sans" panose="020B0603030804020204" charset="0"/>
               </a:rPr>
               <a:t>Block bitmap</a:t>
             </a:r>
@@ -5777,6 +5909,7 @@
               <a:solidFill>
                 <a:srgbClr val="2C3E50"/>
               </a:solidFill>
+              <a:cs typeface="DejaVu Sans" panose="020B0603030804020204" charset="0"/>
             </a:endParaRPr>
           </a:p>
         </p:txBody>
@@ -5790,7 +5923,7 @@
         <p:spPr>
           <a:xfrm>
             <a:off x="3373120" y="2828290"/>
-            <a:ext cx="631825" cy="300990"/>
+            <a:ext cx="546100" cy="300990"/>
           </a:xfrm>
           <a:prstGeom prst="rect">
             <a:avLst/>
@@ -5836,6 +5969,7 @@
                 <a:solidFill>
                   <a:srgbClr val="2C3E50"/>
                 </a:solidFill>
+                <a:cs typeface="DejaVu Sans" panose="020B0603030804020204" charset="0"/>
               </a:rPr>
               <a:t>Inode bitmap</a:t>
             </a:r>
@@ -5843,6 +5977,7 @@
               <a:solidFill>
                 <a:srgbClr val="2C3E50"/>
               </a:solidFill>
+              <a:cs typeface="DejaVu Sans" panose="020B0603030804020204" charset="0"/>
             </a:endParaRPr>
           </a:p>
         </p:txBody>
@@ -5855,8 +5990,8 @@
         </p:nvSpPr>
         <p:spPr>
           <a:xfrm>
-            <a:off x="4005580" y="2828290"/>
-            <a:ext cx="396240" cy="300990"/>
+            <a:off x="3919220" y="2828290"/>
+            <a:ext cx="482600" cy="300990"/>
           </a:xfrm>
           <a:prstGeom prst="rect">
             <a:avLst/>
@@ -5902,13 +6037,33 @@
                 <a:solidFill>
                   <a:srgbClr val="2C3E50"/>
                 </a:solidFill>
+                <a:cs typeface="DejaVu Sans" panose="020B0603030804020204" charset="0"/>
               </a:rPr>
-              <a:t>Inode table</a:t>
+              <a:t>Ino</a:t>
+            </a:r>
+            <a:r>
+              <a:rPr lang="" altLang="zh-CN" sz="600" b="1">
+                <a:solidFill>
+                  <a:srgbClr val="2C3E50"/>
+                </a:solidFill>
+                <a:cs typeface="DejaVu Sans" panose="020B0603030804020204" charset="0"/>
+              </a:rPr>
+              <a:t>d</a:t>
+            </a:r>
+            <a:r>
+              <a:rPr lang="zh-CN" altLang="en-US" sz="600" b="1">
+                <a:solidFill>
+                  <a:srgbClr val="2C3E50"/>
+                </a:solidFill>
+                <a:cs typeface="DejaVu Sans" panose="020B0603030804020204" charset="0"/>
+              </a:rPr>
+              <a:t>e tabl</a:t>
             </a:r>
             <a:endParaRPr lang="zh-CN" altLang="en-US" sz="600" b="1">
               <a:solidFill>
                 <a:srgbClr val="2C3E50"/>
               </a:solidFill>
+              <a:cs typeface="DejaVu Sans" panose="020B0603030804020204" charset="0"/>
             </a:endParaRPr>
           </a:p>
         </p:txBody>
@@ -5968,6 +6123,7 @@
                 <a:solidFill>
                   <a:srgbClr val="2C3E50"/>
                 </a:solidFill>
+                <a:cs typeface="DejaVu Sans" panose="020B0603030804020204" charset="0"/>
               </a:rPr>
               <a:t>数据块1</a:t>
             </a:r>
@@ -5975,6 +6131,7 @@
               <a:solidFill>
                 <a:srgbClr val="2C3E50"/>
               </a:solidFill>
+              <a:cs typeface="DejaVu Sans" panose="020B0603030804020204" charset="0"/>
             </a:endParaRPr>
           </a:p>
         </p:txBody>
@@ -6034,6 +6191,7 @@
                 <a:solidFill>
                   <a:srgbClr val="2C3E50"/>
                 </a:solidFill>
+                <a:cs typeface="DejaVu Sans" panose="020B0603030804020204" charset="0"/>
               </a:rPr>
               <a:t>数据块</a:t>
             </a:r>
@@ -6042,6 +6200,8 @@
                 <a:solidFill>
                   <a:srgbClr val="2C3E50"/>
                 </a:solidFill>
+                <a:ea typeface="DejaVu Sans" panose="020B0603030804020204" charset="0"/>
+                <a:cs typeface="DejaVu Sans" panose="020B0603030804020204" charset="0"/>
               </a:rPr>
               <a:t>2</a:t>
             </a:r>
@@ -6049,6 +6209,8 @@
               <a:solidFill>
                 <a:srgbClr val="2C3E50"/>
               </a:solidFill>
+              <a:ea typeface="DejaVu Sans" panose="020B0603030804020204" charset="0"/>
+              <a:cs typeface="DejaVu Sans" panose="020B0603030804020204" charset="0"/>
             </a:endParaRPr>
           </a:p>
         </p:txBody>
@@ -6108,6 +6270,8 @@
                 <a:solidFill>
                   <a:srgbClr val="2C3E50"/>
                 </a:solidFill>
+                <a:ea typeface="DejaVu Sans" panose="020B0603030804020204" charset="0"/>
+                <a:cs typeface="DejaVu Sans" panose="020B0603030804020204" charset="0"/>
               </a:rPr>
               <a:t>...</a:t>
             </a:r>
@@ -6115,6 +6279,8 @@
               <a:solidFill>
                 <a:srgbClr val="2C3E50"/>
               </a:solidFill>
+              <a:ea typeface="DejaVu Sans" panose="020B0603030804020204" charset="0"/>
+              <a:cs typeface="DejaVu Sans" panose="020B0603030804020204" charset="0"/>
             </a:endParaRPr>
           </a:p>
         </p:txBody>
@@ -6174,6 +6340,7 @@
                 <a:solidFill>
                   <a:srgbClr val="2C3E50"/>
                 </a:solidFill>
+                <a:cs typeface="DejaVu Sans" panose="020B0603030804020204" charset="0"/>
               </a:rPr>
               <a:t>数据块</a:t>
             </a:r>
@@ -6182,6 +6349,8 @@
                 <a:solidFill>
                   <a:srgbClr val="2C3E50"/>
                 </a:solidFill>
+                <a:ea typeface="DejaVu Sans" panose="020B0603030804020204" charset="0"/>
+                <a:cs typeface="DejaVu Sans" panose="020B0603030804020204" charset="0"/>
               </a:rPr>
               <a:t>n</a:t>
             </a:r>
@@ -6189,6 +6358,8 @@
               <a:solidFill>
                 <a:srgbClr val="2C3E50"/>
               </a:solidFill>
+              <a:ea typeface="DejaVu Sans" panose="020B0603030804020204" charset="0"/>
+              <a:cs typeface="DejaVu Sans" panose="020B0603030804020204" charset="0"/>
             </a:endParaRPr>
           </a:p>
         </p:txBody>
@@ -6251,6 +6422,7 @@
                 <a:solidFill>
                   <a:srgbClr val="2C3E50"/>
                 </a:solidFill>
+                <a:cs typeface="DejaVu Sans" panose="020B0603030804020204" charset="0"/>
               </a:rPr>
               <a:t>inode 数量 大小在格式化时就已经固定了</a:t>
             </a:r>
@@ -6258,6 +6430,7 @@
               <a:solidFill>
                 <a:srgbClr val="2C3E50"/>
               </a:solidFill>
+              <a:cs typeface="DejaVu Sans" panose="020B0603030804020204" charset="0"/>
             </a:endParaRPr>
           </a:p>
         </p:txBody>
@@ -6317,6 +6490,7 @@
                 <a:solidFill>
                   <a:srgbClr val="2C3E50"/>
                 </a:solidFill>
+                <a:cs typeface="DejaVu Sans" panose="020B0603030804020204" charset="0"/>
               </a:rPr>
               <a:t>权限，修改时间等属性记录区</a:t>
             </a:r>
@@ -6324,6 +6498,7 @@
               <a:solidFill>
                 <a:srgbClr val="2C3E50"/>
               </a:solidFill>
+              <a:cs typeface="DejaVu Sans" panose="020B0603030804020204" charset="0"/>
             </a:endParaRPr>
           </a:p>
         </p:txBody>
@@ -6383,6 +6558,7 @@
                 <a:solidFill>
                   <a:srgbClr val="2C3E50"/>
                 </a:solidFill>
+                <a:cs typeface="DejaVu Sans" panose="020B0603030804020204" charset="0"/>
               </a:rPr>
               <a:t>直接块记录</a:t>
             </a:r>
@@ -6390,6 +6566,7 @@
               <a:solidFill>
                 <a:srgbClr val="2C3E50"/>
               </a:solidFill>
+              <a:cs typeface="DejaVu Sans" panose="020B0603030804020204" charset="0"/>
             </a:endParaRPr>
           </a:p>
         </p:txBody>
@@ -6449,6 +6626,7 @@
                 <a:solidFill>
                   <a:srgbClr val="2C3E50"/>
                 </a:solidFill>
+                <a:cs typeface="DejaVu Sans" panose="020B0603030804020204" charset="0"/>
               </a:rPr>
               <a:t>...</a:t>
             </a:r>
@@ -6456,6 +6634,7 @@
               <a:solidFill>
                 <a:srgbClr val="2C3E50"/>
               </a:solidFill>
+              <a:cs typeface="DejaVu Sans" panose="020B0603030804020204" charset="0"/>
             </a:endParaRPr>
           </a:p>
         </p:txBody>
@@ -6515,6 +6694,7 @@
                 <a:solidFill>
                   <a:srgbClr val="2C3E50"/>
                 </a:solidFill>
+                <a:cs typeface="DejaVu Sans" panose="020B0603030804020204" charset="0"/>
               </a:rPr>
               <a:t>间接块记录</a:t>
             </a:r>
@@ -6522,6 +6702,7 @@
               <a:solidFill>
                 <a:srgbClr val="2C3E50"/>
               </a:solidFill>
+              <a:cs typeface="DejaVu Sans" panose="020B0603030804020204" charset="0"/>
             </a:endParaRPr>
           </a:p>
         </p:txBody>
@@ -6581,6 +6762,7 @@
                 <a:solidFill>
                   <a:srgbClr val="2C3E50"/>
                 </a:solidFill>
+                <a:cs typeface="DejaVu Sans" panose="020B0603030804020204" charset="0"/>
               </a:rPr>
               <a:t>二次间接块记录</a:t>
             </a:r>
@@ -6588,6 +6770,7 @@
               <a:solidFill>
                 <a:srgbClr val="2C3E50"/>
               </a:solidFill>
+              <a:cs typeface="DejaVu Sans" panose="020B0603030804020204" charset="0"/>
             </a:endParaRPr>
           </a:p>
         </p:txBody>
@@ -6647,6 +6830,7 @@
                 <a:solidFill>
                   <a:srgbClr val="2C3E50"/>
                 </a:solidFill>
+                <a:cs typeface="DejaVu Sans" panose="020B0603030804020204" charset="0"/>
               </a:rPr>
               <a:t>三次间接块记录</a:t>
             </a:r>
@@ -6654,6 +6838,7 @@
               <a:solidFill>
                 <a:srgbClr val="2C3E50"/>
               </a:solidFill>
+              <a:cs typeface="DejaVu Sans" panose="020B0603030804020204" charset="0"/>
             </a:endParaRPr>
           </a:p>
         </p:txBody>
@@ -6713,6 +6898,7 @@
                 <a:solidFill>
                   <a:srgbClr val="2C3E50"/>
                 </a:solidFill>
+                <a:cs typeface="DejaVu Sans" panose="020B0603030804020204" charset="0"/>
               </a:rPr>
               <a:t>直接块记录</a:t>
             </a:r>
@@ -6720,6 +6906,7 @@
               <a:solidFill>
                 <a:srgbClr val="2C3E50"/>
               </a:solidFill>
+              <a:cs typeface="DejaVu Sans" panose="020B0603030804020204" charset="0"/>
             </a:endParaRPr>
           </a:p>
         </p:txBody>
@@ -6779,6 +6966,7 @@
                 <a:solidFill>
                   <a:srgbClr val="2C3E50"/>
                 </a:solidFill>
+                <a:cs typeface="DejaVu Sans" panose="020B0603030804020204" charset="0"/>
               </a:rPr>
               <a:t>直接块记录</a:t>
             </a:r>
@@ -6786,6 +6974,7 @@
               <a:solidFill>
                 <a:srgbClr val="2C3E50"/>
               </a:solidFill>
+              <a:cs typeface="DejaVu Sans" panose="020B0603030804020204" charset="0"/>
             </a:endParaRPr>
           </a:p>
         </p:txBody>
@@ -6844,6 +7033,7 @@
               <a:solidFill>
                 <a:srgbClr val="2C3E50"/>
               </a:solidFill>
+              <a:cs typeface="DejaVu Sans" panose="020B0603030804020204" charset="0"/>
             </a:endParaRPr>
           </a:p>
         </p:txBody>
@@ -6902,6 +7092,7 @@
               <a:solidFill>
                 <a:srgbClr val="2C3E50"/>
               </a:solidFill>
+              <a:cs typeface="DejaVu Sans" panose="020B0603030804020204" charset="0"/>
             </a:endParaRPr>
           </a:p>
         </p:txBody>
@@ -6960,6 +7151,7 @@
               <a:solidFill>
                 <a:srgbClr val="2C3E50"/>
               </a:solidFill>
+              <a:cs typeface="DejaVu Sans" panose="020B0603030804020204" charset="0"/>
             </a:endParaRPr>
           </a:p>
         </p:txBody>
@@ -7019,6 +7211,8 @@
                 <a:solidFill>
                   <a:srgbClr val="2C3E50"/>
                 </a:solidFill>
+                <a:ea typeface="DejaVu Sans" panose="020B0603030804020204" charset="0"/>
+                <a:cs typeface="DejaVu Sans" panose="020B0603030804020204" charset="0"/>
                 <a:sym typeface="+mn-ea"/>
               </a:rPr>
               <a:t>间接记录</a:t>
@@ -7028,6 +7222,7 @@
                 <a:solidFill>
                   <a:srgbClr val="2C3E50"/>
                 </a:solidFill>
+                <a:cs typeface="DejaVu Sans" panose="020B0603030804020204" charset="0"/>
                 <a:sym typeface="+mn-ea"/>
               </a:rPr>
               <a:t>数据块</a:t>
@@ -7036,6 +7231,7 @@
               <a:solidFill>
                 <a:srgbClr val="2C3E50"/>
               </a:solidFill>
+              <a:cs typeface="DejaVu Sans" panose="020B0603030804020204" charset="0"/>
             </a:endParaRPr>
           </a:p>
         </p:txBody>
@@ -7095,6 +7291,8 @@
                 <a:solidFill>
                   <a:srgbClr val="2C3E50"/>
                 </a:solidFill>
+                <a:ea typeface="DejaVu Sans" panose="020B0603030804020204" charset="0"/>
+                <a:cs typeface="DejaVu Sans" panose="020B0603030804020204" charset="0"/>
                 <a:sym typeface="+mn-ea"/>
               </a:rPr>
               <a:t>间接记录</a:t>
@@ -7104,6 +7302,7 @@
                 <a:solidFill>
                   <a:srgbClr val="2C3E50"/>
                 </a:solidFill>
+                <a:cs typeface="DejaVu Sans" panose="020B0603030804020204" charset="0"/>
                 <a:sym typeface="+mn-ea"/>
               </a:rPr>
               <a:t>数据块</a:t>
@@ -7112,6 +7311,7 @@
               <a:solidFill>
                 <a:srgbClr val="2C3E50"/>
               </a:solidFill>
+              <a:cs typeface="DejaVu Sans" panose="020B0603030804020204" charset="0"/>
             </a:endParaRPr>
           </a:p>
         </p:txBody>
@@ -7171,6 +7371,7 @@
                 <a:solidFill>
                   <a:srgbClr val="2C3E50"/>
                 </a:solidFill>
+                <a:cs typeface="DejaVu Sans" panose="020B0603030804020204" charset="0"/>
                 <a:sym typeface="+mn-ea"/>
               </a:rPr>
               <a:t>数据块</a:t>
@@ -7179,6 +7380,7 @@
               <a:solidFill>
                 <a:srgbClr val="2C3E50"/>
               </a:solidFill>
+              <a:cs typeface="DejaVu Sans" panose="020B0603030804020204" charset="0"/>
               <a:sym typeface="+mn-ea"/>
             </a:endParaRPr>
           </a:p>
@@ -7239,6 +7441,8 @@
                 <a:solidFill>
                   <a:srgbClr val="2C3E50"/>
                 </a:solidFill>
+                <a:ea typeface="DejaVu Sans" panose="020B0603030804020204" charset="0"/>
+                <a:cs typeface="DejaVu Sans" panose="020B0603030804020204" charset="0"/>
                 <a:sym typeface="+mn-ea"/>
               </a:rPr>
               <a:t>间接记录</a:t>
@@ -7248,6 +7452,7 @@
                 <a:solidFill>
                   <a:srgbClr val="2C3E50"/>
                 </a:solidFill>
+                <a:cs typeface="DejaVu Sans" panose="020B0603030804020204" charset="0"/>
                 <a:sym typeface="+mn-ea"/>
               </a:rPr>
               <a:t>数据块</a:t>
@@ -7256,6 +7461,7 @@
               <a:solidFill>
                 <a:srgbClr val="2C3E50"/>
               </a:solidFill>
+              <a:cs typeface="DejaVu Sans" panose="020B0603030804020204" charset="0"/>
             </a:endParaRPr>
           </a:p>
         </p:txBody>
@@ -7315,6 +7521,8 @@
                 <a:solidFill>
                   <a:srgbClr val="2C3E50"/>
                 </a:solidFill>
+                <a:ea typeface="DejaVu Sans" panose="020B0603030804020204" charset="0"/>
+                <a:cs typeface="DejaVu Sans" panose="020B0603030804020204" charset="0"/>
                 <a:sym typeface="+mn-ea"/>
               </a:rPr>
               <a:t>间接记录</a:t>
@@ -7324,6 +7532,7 @@
                 <a:solidFill>
                   <a:srgbClr val="2C3E50"/>
                 </a:solidFill>
+                <a:cs typeface="DejaVu Sans" panose="020B0603030804020204" charset="0"/>
                 <a:sym typeface="+mn-ea"/>
               </a:rPr>
               <a:t>数据块</a:t>
@@ -7332,6 +7541,7 @@
               <a:solidFill>
                 <a:srgbClr val="2C3E50"/>
               </a:solidFill>
+              <a:cs typeface="DejaVu Sans" panose="020B0603030804020204" charset="0"/>
             </a:endParaRPr>
           </a:p>
         </p:txBody>
@@ -7391,6 +7601,7 @@
                 <a:solidFill>
                   <a:srgbClr val="2C3E50"/>
                 </a:solidFill>
+                <a:cs typeface="DejaVu Sans" panose="020B0603030804020204" charset="0"/>
               </a:rPr>
               <a:t>数据块</a:t>
             </a:r>
@@ -7398,6 +7609,7 @@
               <a:solidFill>
                 <a:srgbClr val="2C3E50"/>
               </a:solidFill>
+              <a:cs typeface="DejaVu Sans" panose="020B0603030804020204" charset="0"/>
             </a:endParaRPr>
           </a:p>
         </p:txBody>
@@ -7564,6 +7776,7 @@
                 <a:solidFill>
                   <a:srgbClr val="2C3E50"/>
                 </a:solidFill>
+                <a:cs typeface="DejaVu Sans" panose="020B0603030804020204" charset="0"/>
                 <a:sym typeface="+mn-ea"/>
               </a:rPr>
               <a:t>数据块</a:t>
@@ -7572,6 +7785,7 @@
               <a:solidFill>
                 <a:srgbClr val="2C3E50"/>
               </a:solidFill>
+              <a:cs typeface="DejaVu Sans" panose="020B0603030804020204" charset="0"/>
               <a:sym typeface="+mn-ea"/>
             </a:endParaRPr>
           </a:p>
@@ -7749,6 +7963,8 @@
                 <a:solidFill>
                   <a:srgbClr val="2C3E50"/>
                 </a:solidFill>
+                <a:ea typeface="DejaVu Sans" panose="020B0603030804020204" charset="0"/>
+                <a:cs typeface="DejaVu Sans" panose="020B0603030804020204" charset="0"/>
                 <a:sym typeface="+mn-ea"/>
               </a:rPr>
               <a:t>间接记录</a:t>
@@ -7758,6 +7974,7 @@
                 <a:solidFill>
                   <a:srgbClr val="2C3E50"/>
                 </a:solidFill>
+                <a:cs typeface="DejaVu Sans" panose="020B0603030804020204" charset="0"/>
                 <a:sym typeface="+mn-ea"/>
               </a:rPr>
               <a:t>数据块</a:t>
@@ -7766,6 +7983,7 @@
               <a:solidFill>
                 <a:srgbClr val="2C3E50"/>
               </a:solidFill>
+              <a:cs typeface="DejaVu Sans" panose="020B0603030804020204" charset="0"/>
             </a:endParaRPr>
           </a:p>
         </p:txBody>
@@ -7932,6 +8150,7 @@
                 <a:solidFill>
                   <a:srgbClr val="2C3E50"/>
                 </a:solidFill>
+                <a:cs typeface="DejaVu Sans" panose="020B0603030804020204" charset="0"/>
                 <a:sym typeface="+mn-ea"/>
               </a:rPr>
               <a:t>数据块</a:t>
@@ -7940,6 +8159,7 @@
               <a:solidFill>
                 <a:srgbClr val="2C3E50"/>
               </a:solidFill>
+              <a:cs typeface="DejaVu Sans" panose="020B0603030804020204" charset="0"/>
               <a:sym typeface="+mn-ea"/>
             </a:endParaRPr>
           </a:p>
@@ -8117,6 +8337,7 @@
                 <a:solidFill>
                   <a:srgbClr val="2C3E50"/>
                 </a:solidFill>
+                <a:ea typeface="DejaVu Sans" panose="020B0603030804020204" charset="0"/>
                 <a:cs typeface="+mn-lt"/>
               </a:rPr>
               <a:t>.</a:t>
@@ -8125,6 +8346,7 @@
               <a:solidFill>
                 <a:srgbClr val="2C3E50"/>
               </a:solidFill>
+              <a:ea typeface="DejaVu Sans" panose="020B0603030804020204" charset="0"/>
               <a:cs typeface="+mn-lt"/>
             </a:endParaRPr>
           </a:p>
@@ -8135,6 +8357,7 @@
                 <a:solidFill>
                   <a:srgbClr val="2C3E50"/>
                 </a:solidFill>
+                <a:ea typeface="DejaVu Sans" panose="020B0603030804020204" charset="0"/>
                 <a:cs typeface="+mn-lt"/>
               </a:rPr>
               <a:t>.</a:t>
@@ -8143,6 +8366,7 @@
               <a:solidFill>
                 <a:srgbClr val="2C3E50"/>
               </a:solidFill>
+              <a:ea typeface="DejaVu Sans" panose="020B0603030804020204" charset="0"/>
               <a:cs typeface="+mn-lt"/>
             </a:endParaRPr>
           </a:p>
@@ -8153,6 +8377,7 @@
                 <a:solidFill>
                   <a:srgbClr val="2C3E50"/>
                 </a:solidFill>
+                <a:ea typeface="DejaVu Sans" panose="020B0603030804020204" charset="0"/>
                 <a:cs typeface="+mn-lt"/>
               </a:rPr>
               <a:t>.</a:t>
@@ -8161,6 +8386,7 @@
               <a:solidFill>
                 <a:srgbClr val="2C3E50"/>
               </a:solidFill>
+              <a:ea typeface="DejaVu Sans" panose="020B0603030804020204" charset="0"/>
               <a:cs typeface="+mn-lt"/>
             </a:endParaRPr>
           </a:p>
@@ -8338,6 +8564,7 @@
                 <a:solidFill>
                   <a:srgbClr val="2C3E50"/>
                 </a:solidFill>
+                <a:cs typeface="DejaVu Sans" panose="020B0603030804020204" charset="0"/>
                 <a:sym typeface="+mn-ea"/>
               </a:rPr>
               <a:t>数据块</a:t>
@@ -8346,6 +8573,7 @@
               <a:solidFill>
                 <a:srgbClr val="2C3E50"/>
               </a:solidFill>
+              <a:cs typeface="DejaVu Sans" panose="020B0603030804020204" charset="0"/>
               <a:sym typeface="+mn-ea"/>
             </a:endParaRPr>
           </a:p>
@@ -8522,6 +8750,7 @@
                 <a:solidFill>
                   <a:srgbClr val="2C3E50"/>
                 </a:solidFill>
+                <a:cs typeface="DejaVu Sans" panose="020B0603030804020204" charset="0"/>
                 <a:sym typeface="+mn-ea"/>
               </a:rPr>
               <a:t>数据块</a:t>
@@ -8530,6 +8759,7 @@
               <a:solidFill>
                 <a:srgbClr val="2C3E50"/>
               </a:solidFill>
+              <a:cs typeface="DejaVu Sans" panose="020B0603030804020204" charset="0"/>
               <a:sym typeface="+mn-ea"/>
             </a:endParaRPr>
           </a:p>
@@ -8707,6 +8937,7 @@
                 <a:solidFill>
                   <a:srgbClr val="2C3E50"/>
                 </a:solidFill>
+                <a:ea typeface="DejaVu Sans" panose="020B0603030804020204" charset="0"/>
                 <a:cs typeface="+mn-lt"/>
                 <a:sym typeface="+mn-ea"/>
               </a:rPr>
@@ -8716,6 +8947,7 @@
               <a:solidFill>
                 <a:srgbClr val="2C3E50"/>
               </a:solidFill>
+              <a:ea typeface="DejaVu Sans" panose="020B0603030804020204" charset="0"/>
               <a:cs typeface="+mn-lt"/>
               <a:sym typeface="+mn-ea"/>
             </a:endParaRPr>
@@ -8727,6 +8959,7 @@
                 <a:solidFill>
                   <a:srgbClr val="2C3E50"/>
                 </a:solidFill>
+                <a:ea typeface="DejaVu Sans" panose="020B0603030804020204" charset="0"/>
                 <a:cs typeface="+mn-lt"/>
               </a:rPr>
               <a:t>.</a:t>
@@ -8735,6 +8968,7 @@
               <a:solidFill>
                 <a:srgbClr val="2C3E50"/>
               </a:solidFill>
+              <a:ea typeface="DejaVu Sans" panose="020B0603030804020204" charset="0"/>
               <a:cs typeface="+mn-lt"/>
             </a:endParaRPr>
           </a:p>
@@ -8745,6 +8979,7 @@
                 <a:solidFill>
                   <a:srgbClr val="2C3E50"/>
                 </a:solidFill>
+                <a:ea typeface="DejaVu Sans" panose="020B0603030804020204" charset="0"/>
                 <a:cs typeface="+mn-lt"/>
               </a:rPr>
               <a:t>.</a:t>
@@ -8753,6 +8988,7 @@
               <a:solidFill>
                 <a:srgbClr val="2C3E50"/>
               </a:solidFill>
+              <a:ea typeface="DejaVu Sans" panose="020B0603030804020204" charset="0"/>
               <a:cs typeface="+mn-lt"/>
             </a:endParaRPr>
           </a:p>
@@ -8813,6 +9049,8 @@
                 <a:solidFill>
                   <a:srgbClr val="2C3E50"/>
                 </a:solidFill>
+                <a:ea typeface="DejaVu Sans" panose="020B0603030804020204" charset="0"/>
+                <a:cs typeface="DejaVu Sans" panose="020B0603030804020204" charset="0"/>
                 <a:sym typeface="+mn-ea"/>
               </a:rPr>
               <a:t>间接记录</a:t>
@@ -8822,6 +9060,7 @@
                 <a:solidFill>
                   <a:srgbClr val="2C3E50"/>
                 </a:solidFill>
+                <a:cs typeface="DejaVu Sans" panose="020B0603030804020204" charset="0"/>
                 <a:sym typeface="+mn-ea"/>
               </a:rPr>
               <a:t>数据块</a:t>
@@ -8830,6 +9069,7 @@
               <a:solidFill>
                 <a:srgbClr val="2C3E50"/>
               </a:solidFill>
+              <a:cs typeface="DejaVu Sans" panose="020B0603030804020204" charset="0"/>
             </a:endParaRPr>
           </a:p>
         </p:txBody>
@@ -8889,6 +9129,8 @@
                 <a:solidFill>
                   <a:srgbClr val="2C3E50"/>
                 </a:solidFill>
+                <a:ea typeface="DejaVu Sans" panose="020B0603030804020204" charset="0"/>
+                <a:cs typeface="DejaVu Sans" panose="020B0603030804020204" charset="0"/>
                 <a:sym typeface="+mn-ea"/>
               </a:rPr>
               <a:t>间接记录</a:t>
@@ -8898,6 +9140,7 @@
                 <a:solidFill>
                   <a:srgbClr val="2C3E50"/>
                 </a:solidFill>
+                <a:cs typeface="DejaVu Sans" panose="020B0603030804020204" charset="0"/>
                 <a:sym typeface="+mn-ea"/>
               </a:rPr>
               <a:t>数据块</a:t>
@@ -8906,6 +9149,7 @@
               <a:solidFill>
                 <a:srgbClr val="2C3E50"/>
               </a:solidFill>
+              <a:cs typeface="DejaVu Sans" panose="020B0603030804020204" charset="0"/>
             </a:endParaRPr>
           </a:p>
         </p:txBody>
@@ -8965,6 +9209,7 @@
                 <a:solidFill>
                   <a:srgbClr val="2C3E50"/>
                 </a:solidFill>
+                <a:ea typeface="DejaVu Sans" panose="020B0603030804020204" charset="0"/>
                 <a:cs typeface="+mn-lt"/>
               </a:rPr>
               <a:t>.</a:t>
@@ -8973,6 +9218,7 @@
               <a:solidFill>
                 <a:srgbClr val="2C3E50"/>
               </a:solidFill>
+              <a:ea typeface="DejaVu Sans" panose="020B0603030804020204" charset="0"/>
               <a:cs typeface="+mn-lt"/>
             </a:endParaRPr>
           </a:p>
@@ -8983,6 +9229,7 @@
                 <a:solidFill>
                   <a:srgbClr val="2C3E50"/>
                 </a:solidFill>
+                <a:ea typeface="DejaVu Sans" panose="020B0603030804020204" charset="0"/>
                 <a:cs typeface="+mn-lt"/>
               </a:rPr>
               <a:t>.</a:t>
@@ -8991,6 +9238,7 @@
               <a:solidFill>
                 <a:srgbClr val="2C3E50"/>
               </a:solidFill>
+              <a:ea typeface="DejaVu Sans" panose="020B0603030804020204" charset="0"/>
               <a:cs typeface="+mn-lt"/>
             </a:endParaRPr>
           </a:p>
@@ -9001,6 +9249,7 @@
                 <a:solidFill>
                   <a:srgbClr val="2C3E50"/>
                 </a:solidFill>
+                <a:ea typeface="DejaVu Sans" panose="020B0603030804020204" charset="0"/>
                 <a:cs typeface="+mn-lt"/>
               </a:rPr>
               <a:t>.</a:t>
@@ -9009,6 +9258,7 @@
               <a:solidFill>
                 <a:srgbClr val="2C3E50"/>
               </a:solidFill>
+              <a:ea typeface="DejaVu Sans" panose="020B0603030804020204" charset="0"/>
               <a:cs typeface="+mn-lt"/>
             </a:endParaRPr>
           </a:p>
@@ -9069,6 +9319,8 @@
                 <a:solidFill>
                   <a:srgbClr val="2C3E50"/>
                 </a:solidFill>
+                <a:ea typeface="DejaVu Sans" panose="020B0603030804020204" charset="0"/>
+                <a:cs typeface="DejaVu Sans" panose="020B0603030804020204" charset="0"/>
                 <a:sym typeface="+mn-ea"/>
               </a:rPr>
               <a:t>间接记录</a:t>
@@ -9078,6 +9330,7 @@
                 <a:solidFill>
                   <a:srgbClr val="2C3E50"/>
                 </a:solidFill>
+                <a:cs typeface="DejaVu Sans" panose="020B0603030804020204" charset="0"/>
                 <a:sym typeface="+mn-ea"/>
               </a:rPr>
               <a:t>数据块</a:t>
@@ -9086,6 +9339,7 @@
               <a:solidFill>
                 <a:srgbClr val="2C3E50"/>
               </a:solidFill>
+              <a:cs typeface="DejaVu Sans" panose="020B0603030804020204" charset="0"/>
             </a:endParaRPr>
           </a:p>
         </p:txBody>
@@ -9262,6 +9516,8 @@
                 <a:solidFill>
                   <a:srgbClr val="2C3E50"/>
                 </a:solidFill>
+                <a:ea typeface="DejaVu Sans" panose="020B0603030804020204" charset="0"/>
+                <a:cs typeface="DejaVu Sans" panose="020B0603030804020204" charset="0"/>
                 <a:sym typeface="+mn-ea"/>
               </a:rPr>
               <a:t>间接记录</a:t>
@@ -9271,6 +9527,7 @@
                 <a:solidFill>
                   <a:srgbClr val="2C3E50"/>
                 </a:solidFill>
+                <a:cs typeface="DejaVu Sans" panose="020B0603030804020204" charset="0"/>
                 <a:sym typeface="+mn-ea"/>
               </a:rPr>
               <a:t>数据块</a:t>
@@ -9279,6 +9536,7 @@
               <a:solidFill>
                 <a:srgbClr val="2C3E50"/>
               </a:solidFill>
+              <a:cs typeface="DejaVu Sans" panose="020B0603030804020204" charset="0"/>
             </a:endParaRPr>
           </a:p>
         </p:txBody>
@@ -9415,6 +9673,7 @@
                 <a:solidFill>
                   <a:srgbClr val="2C3E50"/>
                 </a:solidFill>
+                <a:cs typeface="DejaVu Sans" panose="020B0603030804020204" charset="0"/>
                 <a:sym typeface="+mn-ea"/>
               </a:rPr>
               <a:t>数据块</a:t>
@@ -9423,6 +9682,7 @@
               <a:solidFill>
                 <a:srgbClr val="2C3E50"/>
               </a:solidFill>
+              <a:cs typeface="DejaVu Sans" panose="020B0603030804020204" charset="0"/>
               <a:sym typeface="+mn-ea"/>
             </a:endParaRPr>
           </a:p>
@@ -9587,6 +9847,7 @@
                 <a:solidFill>
                   <a:srgbClr val="2C3E50"/>
                 </a:solidFill>
+                <a:cs typeface="DejaVu Sans" panose="020B0603030804020204" charset="0"/>
                 <a:sym typeface="+mn-ea"/>
               </a:rPr>
               <a:t>数据块</a:t>
@@ -9595,6 +9856,7 @@
               <a:solidFill>
                 <a:srgbClr val="2C3E50"/>
               </a:solidFill>
+              <a:cs typeface="DejaVu Sans" panose="020B0603030804020204" charset="0"/>
               <a:sym typeface="+mn-ea"/>
             </a:endParaRPr>
           </a:p>
@@ -9728,12 +9990,12 @@
         </p:nvCxnSpPr>
         <p:spPr>
           <a:xfrm rot="5400000">
-            <a:off x="1967548" y="2469833"/>
-            <a:ext cx="1576705" cy="2895600"/>
+            <a:off x="1945958" y="2491423"/>
+            <a:ext cx="1576705" cy="2852420"/>
           </a:xfrm>
           <a:prstGeom prst="bentConnector3">
             <a:avLst>
-              <a:gd name="adj1" fmla="val 60169"/>
+              <a:gd name="adj1" fmla="val 59081"/>
             </a:avLst>
           </a:prstGeom>
           <a:ln w="28575">
@@ -9796,7 +10058,9 @@
           <a:bodyPr rtlCol="0" anchor="ctr"/>
           <a:p>
             <a:pPr algn="ctr"/>
-            <a:endParaRPr lang="zh-CN" altLang="en-US" sz="600"/>
+            <a:endParaRPr lang="zh-CN" altLang="en-US" sz="600">
+              <a:cs typeface="DejaVu Sans" panose="020B0603030804020204" charset="0"/>
+            </a:endParaRPr>
           </a:p>
         </p:txBody>
       </p:sp>
@@ -9836,6 +10100,7 @@
                 <a:solidFill>
                   <a:srgbClr val="2C3E50"/>
                 </a:solidFill>
+                <a:cs typeface="DejaVu Sans" panose="020B0603030804020204" charset="0"/>
               </a:rPr>
               <a:t>文件</a:t>
             </a:r>
@@ -9848,6 +10113,7 @@
               <a:solidFill>
                 <a:srgbClr val="2C3E50"/>
               </a:solidFill>
+              <a:cs typeface="DejaVu Sans" panose="020B0603030804020204" charset="0"/>
             </a:endParaRPr>
           </a:p>
         </p:txBody>
@@ -9888,6 +10154,7 @@
                 <a:solidFill>
                   <a:srgbClr val="2C3E50"/>
                 </a:solidFill>
+                <a:cs typeface="DejaVu Sans" panose="020B0603030804020204" charset="0"/>
               </a:rPr>
               <a:t>inode</a:t>
             </a:r>
@@ -9900,6 +10167,7 @@
               <a:solidFill>
                 <a:srgbClr val="2C3E50"/>
               </a:solidFill>
+              <a:cs typeface="DejaVu Sans" panose="020B0603030804020204" charset="0"/>
             </a:endParaRPr>
           </a:p>
         </p:txBody>
@@ -9959,6 +10227,7 @@
                 <a:solidFill>
                   <a:srgbClr val="2C3E50"/>
                 </a:solidFill>
+                <a:cs typeface="DejaVu Sans" panose="020B0603030804020204" charset="0"/>
               </a:rPr>
               <a:t>inode</a:t>
             </a:r>
@@ -9966,6 +10235,7 @@
               <a:solidFill>
                 <a:srgbClr val="2C3E50"/>
               </a:solidFill>
+              <a:cs typeface="DejaVu Sans" panose="020B0603030804020204" charset="0"/>
             </a:endParaRPr>
           </a:p>
         </p:txBody>
@@ -10025,6 +10295,7 @@
                 <a:solidFill>
                   <a:srgbClr val="2C3E50"/>
                 </a:solidFill>
+                <a:cs typeface="DejaVu Sans" panose="020B0603030804020204" charset="0"/>
               </a:rPr>
               <a:t> 数据块</a:t>
             </a:r>
@@ -10032,6 +10303,7 @@
               <a:solidFill>
                 <a:srgbClr val="2C3E50"/>
               </a:solidFill>
+              <a:cs typeface="DejaVu Sans" panose="020B0603030804020204" charset="0"/>
             </a:endParaRPr>
           </a:p>
         </p:txBody>
@@ -10078,6 +10350,7 @@
               <a:solidFill>
                 <a:srgbClr val="2C3E50"/>
               </a:solidFill>
+              <a:cs typeface="DejaVu Sans" panose="020B0603030804020204" charset="0"/>
             </a:endParaRPr>
           </a:p>
         </p:txBody>
@@ -10092,12 +10365,12 @@
         </p:nvCxnSpPr>
         <p:spPr>
           <a:xfrm rot="5400000" flipV="true">
-            <a:off x="4115435" y="3260090"/>
-            <a:ext cx="1220470" cy="1044575"/>
+            <a:off x="4081780" y="3225800"/>
+            <a:ext cx="1240155" cy="1093470"/>
           </a:xfrm>
           <a:prstGeom prst="bentConnector3">
             <a:avLst>
-              <a:gd name="adj1" fmla="val 73907"/>
+              <a:gd name="adj1" fmla="val 73502"/>
             </a:avLst>
           </a:prstGeom>
           <a:ln w="28575">
@@ -10153,6 +10426,7 @@
                 <a:solidFill>
                   <a:srgbClr val="2C3E50"/>
                 </a:solidFill>
+                <a:cs typeface="DejaVu Sans" panose="020B0603030804020204" charset="0"/>
               </a:rPr>
               <a:t>目录</a:t>
             </a:r>
@@ -10160,6 +10434,7 @@
               <a:solidFill>
                 <a:srgbClr val="2C3E50"/>
               </a:solidFill>
+              <a:cs typeface="DejaVu Sans" panose="020B0603030804020204" charset="0"/>
             </a:endParaRPr>
           </a:p>
         </p:txBody>
@@ -10450,6 +10725,42 @@
           </a:fontRef>
         </p:style>
       </p:cxnSp>
+    </p:spTree>
+  </p:cSld>
+  <p:clrMapOvr>
+    <a:masterClrMapping/>
+  </p:clrMapOvr>
+</p:sld>
+</file>
+
+<file path=ppt/slides/slide10.xml><?xml version="1.0" encoding="utf-8"?>
+<p:sld xmlns:a="http://schemas.openxmlformats.org/drawingml/2006/main" xmlns:r="http://schemas.openxmlformats.org/officeDocument/2006/relationships" xmlns:p="http://schemas.openxmlformats.org/presentationml/2006/main">
+  <p:cSld>
+    <p:spTree>
+      <p:nvGrpSpPr>
+        <p:cNvPr id="1" name=""/>
+        <p:cNvGrpSpPr/>
+        <p:nvPr/>
+      </p:nvGrpSpPr>
+      <p:grpSpPr/>
+    </p:spTree>
+  </p:cSld>
+  <p:clrMapOvr>
+    <a:masterClrMapping/>
+  </p:clrMapOvr>
+</p:sld>
+</file>
+
+<file path=ppt/slides/slide11.xml><?xml version="1.0" encoding="utf-8"?>
+<p:sld xmlns:a="http://schemas.openxmlformats.org/drawingml/2006/main" xmlns:r="http://schemas.openxmlformats.org/officeDocument/2006/relationships" xmlns:p="http://schemas.openxmlformats.org/presentationml/2006/main">
+  <p:cSld>
+    <p:spTree>
+      <p:nvGrpSpPr>
+        <p:cNvPr id="1" name=""/>
+        <p:cNvGrpSpPr/>
+        <p:nvPr/>
+      </p:nvGrpSpPr>
+      <p:grpSpPr/>
     </p:spTree>
   </p:cSld>
   <p:clrMapOvr>
@@ -10519,7 +10830,9 @@
           <a:bodyPr rtlCol="0" anchor="ctr"/>
           <a:p>
             <a:pPr algn="ctr"/>
-            <a:endParaRPr lang="zh-CN" altLang="en-US" sz="1010"/>
+            <a:endParaRPr lang="zh-CN" altLang="en-US" sz="1010">
+              <a:cs typeface="DejaVu Sans" panose="020B0603030804020204" charset="0"/>
+            </a:endParaRPr>
           </a:p>
         </p:txBody>
       </p:sp>
@@ -10568,7 +10881,9 @@
           <a:bodyPr rtlCol="0" anchor="ctr"/>
           <a:p>
             <a:pPr algn="ctr"/>
-            <a:endParaRPr lang="zh-CN" altLang="en-US" sz="1010"/>
+            <a:endParaRPr lang="zh-CN" altLang="en-US" sz="1010">
+              <a:cs typeface="DejaVu Sans" panose="020B0603030804020204" charset="0"/>
+            </a:endParaRPr>
           </a:p>
         </p:txBody>
       </p:sp>
@@ -10617,7 +10932,9 @@
           <a:bodyPr rtlCol="0" anchor="ctr"/>
           <a:p>
             <a:pPr algn="ctr"/>
-            <a:endParaRPr lang="zh-CN" altLang="en-US" sz="1010"/>
+            <a:endParaRPr lang="zh-CN" altLang="en-US" sz="1010">
+              <a:cs typeface="DejaVu Sans" panose="020B0603030804020204" charset="0"/>
+            </a:endParaRPr>
           </a:p>
         </p:txBody>
       </p:sp>
@@ -10666,7 +10983,9 @@
           <a:bodyPr rtlCol="0" anchor="ctr"/>
           <a:p>
             <a:pPr algn="ctr"/>
-            <a:endParaRPr lang="zh-CN" altLang="en-US" sz="1010"/>
+            <a:endParaRPr lang="zh-CN" altLang="en-US" sz="1010">
+              <a:cs typeface="DejaVu Sans" panose="020B0603030804020204" charset="0"/>
+            </a:endParaRPr>
           </a:p>
         </p:txBody>
       </p:sp>
@@ -10715,7 +11034,9 @@
           <a:bodyPr rtlCol="0" anchor="ctr"/>
           <a:p>
             <a:pPr algn="ctr"/>
-            <a:endParaRPr lang="zh-CN" altLang="en-US" sz="1010"/>
+            <a:endParaRPr lang="zh-CN" altLang="en-US" sz="1010">
+              <a:cs typeface="DejaVu Sans" panose="020B0603030804020204" charset="0"/>
+            </a:endParaRPr>
           </a:p>
         </p:txBody>
       </p:sp>
@@ -10764,7 +11085,9 @@
           <a:bodyPr rtlCol="0" anchor="ctr"/>
           <a:p>
             <a:pPr algn="ctr"/>
-            <a:endParaRPr lang="zh-CN" altLang="en-US" sz="1010"/>
+            <a:endParaRPr lang="zh-CN" altLang="en-US" sz="1010">
+              <a:cs typeface="DejaVu Sans" panose="020B0603030804020204" charset="0"/>
+            </a:endParaRPr>
           </a:p>
         </p:txBody>
       </p:sp>
@@ -11147,7 +11470,9 @@
           <a:bodyPr rtlCol="0" anchor="ctr"/>
           <a:p>
             <a:pPr algn="ctr"/>
-            <a:endParaRPr lang="zh-CN" altLang="en-US" sz="1010"/>
+            <a:endParaRPr lang="zh-CN" altLang="en-US" sz="1010">
+              <a:cs typeface="DejaVu Sans" panose="020B0603030804020204" charset="0"/>
+            </a:endParaRPr>
           </a:p>
         </p:txBody>
       </p:sp>
@@ -11196,7 +11521,9 @@
           <a:bodyPr rtlCol="0" anchor="ctr"/>
           <a:p>
             <a:pPr algn="ctr"/>
-            <a:endParaRPr lang="zh-CN" altLang="en-US" sz="1010"/>
+            <a:endParaRPr lang="zh-CN" altLang="en-US" sz="1010">
+              <a:cs typeface="DejaVu Sans" panose="020B0603030804020204" charset="0"/>
+            </a:endParaRPr>
           </a:p>
         </p:txBody>
       </p:sp>
@@ -11245,7 +11572,9 @@
           <a:bodyPr rtlCol="0" anchor="ctr"/>
           <a:p>
             <a:pPr algn="ctr"/>
-            <a:endParaRPr lang="zh-CN" altLang="en-US" sz="1010"/>
+            <a:endParaRPr lang="zh-CN" altLang="en-US" sz="1010">
+              <a:cs typeface="DejaVu Sans" panose="020B0603030804020204" charset="0"/>
+            </a:endParaRPr>
           </a:p>
         </p:txBody>
       </p:sp>
@@ -11294,7 +11623,9 @@
           <a:bodyPr rtlCol="0" anchor="ctr"/>
           <a:p>
             <a:pPr algn="ctr"/>
-            <a:endParaRPr lang="zh-CN" altLang="en-US" sz="1010"/>
+            <a:endParaRPr lang="zh-CN" altLang="en-US" sz="1010">
+              <a:cs typeface="DejaVu Sans" panose="020B0603030804020204" charset="0"/>
+            </a:endParaRPr>
           </a:p>
         </p:txBody>
       </p:sp>
@@ -11343,7 +11674,9 @@
           <a:bodyPr rtlCol="0" anchor="ctr"/>
           <a:p>
             <a:pPr algn="ctr"/>
-            <a:endParaRPr lang="zh-CN" altLang="en-US" sz="1010"/>
+            <a:endParaRPr lang="zh-CN" altLang="en-US" sz="1010">
+              <a:cs typeface="DejaVu Sans" panose="020B0603030804020204" charset="0"/>
+            </a:endParaRPr>
           </a:p>
         </p:txBody>
       </p:sp>
@@ -11392,7 +11725,9 @@
           <a:bodyPr rtlCol="0" anchor="ctr"/>
           <a:p>
             <a:pPr algn="ctr"/>
-            <a:endParaRPr lang="zh-CN" altLang="en-US" sz="1010"/>
+            <a:endParaRPr lang="zh-CN" altLang="en-US" sz="1010">
+              <a:cs typeface="DejaVu Sans" panose="020B0603030804020204" charset="0"/>
+            </a:endParaRPr>
           </a:p>
         </p:txBody>
       </p:sp>
@@ -11441,7 +11776,9 @@
           <a:bodyPr rtlCol="0" anchor="ctr"/>
           <a:p>
             <a:pPr algn="ctr"/>
-            <a:endParaRPr lang="zh-CN" altLang="en-US" sz="1010"/>
+            <a:endParaRPr lang="zh-CN" altLang="en-US" sz="1010">
+              <a:cs typeface="DejaVu Sans" panose="020B0603030804020204" charset="0"/>
+            </a:endParaRPr>
           </a:p>
         </p:txBody>
       </p:sp>
@@ -11782,7 +12119,9 @@
           <a:bodyPr rtlCol="0" anchor="ctr"/>
           <a:p>
             <a:pPr algn="ctr"/>
-            <a:endParaRPr lang="zh-CN" altLang="en-US" sz="1010"/>
+            <a:endParaRPr lang="zh-CN" altLang="en-US" sz="1010">
+              <a:cs typeface="DejaVu Sans" panose="020B0603030804020204" charset="0"/>
+            </a:endParaRPr>
           </a:p>
         </p:txBody>
       </p:sp>
@@ -11831,7 +12170,9 @@
           <a:bodyPr rtlCol="0" anchor="ctr"/>
           <a:p>
             <a:pPr algn="ctr"/>
-            <a:endParaRPr lang="zh-CN" altLang="en-US" sz="1010"/>
+            <a:endParaRPr lang="zh-CN" altLang="en-US" sz="1010">
+              <a:cs typeface="DejaVu Sans" panose="020B0603030804020204" charset="0"/>
+            </a:endParaRPr>
           </a:p>
         </p:txBody>
       </p:sp>
@@ -11880,7 +12221,9 @@
           <a:bodyPr rtlCol="0" anchor="ctr"/>
           <a:p>
             <a:pPr algn="ctr"/>
-            <a:endParaRPr lang="zh-CN" altLang="en-US" sz="1010"/>
+            <a:endParaRPr lang="zh-CN" altLang="en-US" sz="1010">
+              <a:cs typeface="DejaVu Sans" panose="020B0603030804020204" charset="0"/>
+            </a:endParaRPr>
           </a:p>
         </p:txBody>
       </p:sp>
@@ -11929,7 +12272,9 @@
           <a:bodyPr rtlCol="0" anchor="ctr"/>
           <a:p>
             <a:pPr algn="ctr"/>
-            <a:endParaRPr lang="zh-CN" altLang="en-US" sz="1010"/>
+            <a:endParaRPr lang="zh-CN" altLang="en-US" sz="1010">
+              <a:cs typeface="DejaVu Sans" panose="020B0603030804020204" charset="0"/>
+            </a:endParaRPr>
           </a:p>
         </p:txBody>
       </p:sp>
@@ -11978,7 +12323,9 @@
           <a:bodyPr rtlCol="0" anchor="ctr"/>
           <a:p>
             <a:pPr algn="ctr"/>
-            <a:endParaRPr lang="zh-CN" altLang="en-US" sz="1010"/>
+            <a:endParaRPr lang="zh-CN" altLang="en-US" sz="1010">
+              <a:cs typeface="DejaVu Sans" panose="020B0603030804020204" charset="0"/>
+            </a:endParaRPr>
           </a:p>
         </p:txBody>
       </p:sp>
@@ -12025,7 +12372,9 @@
           <a:bodyPr rtlCol="0" anchor="ctr"/>
           <a:p>
             <a:pPr algn="ctr"/>
-            <a:endParaRPr lang="zh-CN" altLang="en-US" sz="1010"/>
+            <a:endParaRPr lang="zh-CN" altLang="en-US" sz="1010">
+              <a:cs typeface="DejaVu Sans" panose="020B0603030804020204" charset="0"/>
+            </a:endParaRPr>
           </a:p>
         </p:txBody>
       </p:sp>
@@ -12074,7 +12423,9 @@
           <a:bodyPr rtlCol="0" anchor="ctr"/>
           <a:p>
             <a:pPr algn="ctr"/>
-            <a:endParaRPr lang="zh-CN" altLang="en-US" sz="1010"/>
+            <a:endParaRPr lang="zh-CN" altLang="en-US" sz="1010">
+              <a:cs typeface="DejaVu Sans" panose="020B0603030804020204" charset="0"/>
+            </a:endParaRPr>
           </a:p>
         </p:txBody>
       </p:sp>
@@ -12457,7 +12808,9 @@
           <a:bodyPr rtlCol="0" anchor="ctr"/>
           <a:p>
             <a:pPr algn="ctr"/>
-            <a:endParaRPr lang="zh-CN" altLang="en-US" sz="1010"/>
+            <a:endParaRPr lang="zh-CN" altLang="en-US" sz="1010">
+              <a:cs typeface="DejaVu Sans" panose="020B0603030804020204" charset="0"/>
+            </a:endParaRPr>
           </a:p>
         </p:txBody>
       </p:sp>
@@ -12504,7 +12857,9 @@
           <a:bodyPr rtlCol="0" anchor="ctr"/>
           <a:p>
             <a:pPr algn="ctr"/>
-            <a:endParaRPr lang="zh-CN" altLang="en-US" sz="1010"/>
+            <a:endParaRPr lang="zh-CN" altLang="en-US" sz="1010">
+              <a:cs typeface="DejaVu Sans" panose="020B0603030804020204" charset="0"/>
+            </a:endParaRPr>
           </a:p>
         </p:txBody>
       </p:sp>
@@ -12551,7 +12906,9 @@
           <a:bodyPr rtlCol="0" anchor="ctr"/>
           <a:p>
             <a:pPr algn="ctr"/>
-            <a:endParaRPr lang="zh-CN" altLang="en-US" sz="1010"/>
+            <a:endParaRPr lang="zh-CN" altLang="en-US" sz="1010">
+              <a:cs typeface="DejaVu Sans" panose="020B0603030804020204" charset="0"/>
+            </a:endParaRPr>
           </a:p>
         </p:txBody>
       </p:sp>
@@ -12598,7 +12955,9 @@
           <a:bodyPr rtlCol="0" anchor="ctr"/>
           <a:p>
             <a:pPr algn="ctr"/>
-            <a:endParaRPr lang="zh-CN" altLang="en-US" sz="1010"/>
+            <a:endParaRPr lang="zh-CN" altLang="en-US" sz="1010">
+              <a:cs typeface="DejaVu Sans" panose="020B0603030804020204" charset="0"/>
+            </a:endParaRPr>
           </a:p>
         </p:txBody>
       </p:sp>
@@ -12645,7 +13004,9 @@
           <a:bodyPr rtlCol="0" anchor="ctr"/>
           <a:p>
             <a:pPr algn="ctr"/>
-            <a:endParaRPr lang="zh-CN" altLang="en-US" sz="1010"/>
+            <a:endParaRPr lang="zh-CN" altLang="en-US" sz="1010">
+              <a:cs typeface="DejaVu Sans" panose="020B0603030804020204" charset="0"/>
+            </a:endParaRPr>
           </a:p>
         </p:txBody>
       </p:sp>
@@ -12692,7 +13053,9 @@
           <a:bodyPr rtlCol="0" anchor="ctr"/>
           <a:p>
             <a:pPr algn="ctr"/>
-            <a:endParaRPr lang="zh-CN" altLang="en-US" sz="1010"/>
+            <a:endParaRPr lang="zh-CN" altLang="en-US" sz="1010">
+              <a:cs typeface="DejaVu Sans" panose="020B0603030804020204" charset="0"/>
+            </a:endParaRPr>
           </a:p>
         </p:txBody>
       </p:sp>
@@ -12778,6 +13141,7 @@
                 <a:solidFill>
                   <a:srgbClr val="2C3E50"/>
                 </a:solidFill>
+                <a:cs typeface="DejaVu Sans" panose="020B0603030804020204" charset="0"/>
               </a:rPr>
               <a:t>磁头</a:t>
             </a:r>
@@ -12785,6 +13149,7 @@
               <a:solidFill>
                 <a:srgbClr val="2C3E50"/>
               </a:solidFill>
+              <a:cs typeface="DejaVu Sans" panose="020B0603030804020204" charset="0"/>
             </a:endParaRPr>
           </a:p>
         </p:txBody>
@@ -12870,6 +13235,8 @@
                 <a:solidFill>
                   <a:srgbClr val="2C3E50"/>
                 </a:solidFill>
+                <a:ea typeface="DejaVu Sans" panose="020B0603030804020204" charset="0"/>
+                <a:cs typeface="DejaVu Sans" panose="020B0603030804020204" charset="0"/>
               </a:rPr>
               <a:t>磁道</a:t>
             </a:r>
@@ -12877,6 +13244,8 @@
               <a:solidFill>
                 <a:srgbClr val="2C3E50"/>
               </a:solidFill>
+              <a:ea typeface="DejaVu Sans" panose="020B0603030804020204" charset="0"/>
+              <a:cs typeface="DejaVu Sans" panose="020B0603030804020204" charset="0"/>
             </a:endParaRPr>
           </a:p>
         </p:txBody>
@@ -12921,6 +13290,8 @@
                 <a:solidFill>
                   <a:srgbClr val="2C3E50"/>
                 </a:solidFill>
+                <a:ea typeface="DejaVu Sans" panose="020B0603030804020204" charset="0"/>
+                <a:cs typeface="DejaVu Sans" panose="020B0603030804020204" charset="0"/>
               </a:rPr>
               <a:t>扇面</a:t>
             </a:r>
@@ -12928,6 +13299,8 @@
               <a:solidFill>
                 <a:srgbClr val="2C3E50"/>
               </a:solidFill>
+              <a:ea typeface="DejaVu Sans" panose="020B0603030804020204" charset="0"/>
+              <a:cs typeface="DejaVu Sans" panose="020B0603030804020204" charset="0"/>
             </a:endParaRPr>
           </a:p>
         </p:txBody>
@@ -13054,6 +13427,8 @@
                 <a:solidFill>
                   <a:srgbClr val="2C3E50"/>
                 </a:solidFill>
+                <a:ea typeface="DejaVu Sans" panose="020B0603030804020204" charset="0"/>
+                <a:cs typeface="DejaVu Sans" panose="020B0603030804020204" charset="0"/>
               </a:rPr>
               <a:t>柱面</a:t>
             </a:r>
@@ -13061,6 +13436,8 @@
               <a:solidFill>
                 <a:srgbClr val="2C3E50"/>
               </a:solidFill>
+              <a:ea typeface="DejaVu Sans" panose="020B0603030804020204" charset="0"/>
+              <a:cs typeface="DejaVu Sans" panose="020B0603030804020204" charset="0"/>
             </a:endParaRPr>
           </a:p>
         </p:txBody>
@@ -13146,6 +13523,7 @@
                 <a:solidFill>
                   <a:srgbClr val="2C3E50"/>
                 </a:solidFill>
+                <a:cs typeface="DejaVu Sans" panose="020B0603030804020204" charset="0"/>
                 <a:sym typeface="+mn-ea"/>
               </a:rPr>
               <a:t>盘片</a:t>
@@ -13154,6 +13532,7 @@
               <a:solidFill>
                 <a:srgbClr val="2C3E50"/>
               </a:solidFill>
+              <a:cs typeface="DejaVu Sans" panose="020B0603030804020204" charset="0"/>
               <a:sym typeface="+mn-ea"/>
             </a:endParaRPr>
           </a:p>
@@ -13336,7 +13715,9 @@
           <a:bodyPr rtlCol="0" anchor="ctr"/>
           <a:p>
             <a:pPr algn="ctr"/>
-            <a:endParaRPr lang="zh-CN" altLang="en-US" sz="1010"/>
+            <a:endParaRPr lang="zh-CN" altLang="en-US" sz="1010">
+              <a:cs typeface="DejaVu Sans" panose="020B0603030804020204" charset="0"/>
+            </a:endParaRPr>
           </a:p>
         </p:txBody>
       </p:sp>
@@ -13492,7 +13873,9 @@
           <a:bodyPr rtlCol="0" anchor="ctr"/>
           <a:p>
             <a:pPr algn="ctr"/>
-            <a:endParaRPr lang="zh-CN" altLang="en-US" sz="1010"/>
+            <a:endParaRPr lang="zh-CN" altLang="en-US" sz="1010">
+              <a:cs typeface="DejaVu Sans" panose="020B0603030804020204" charset="0"/>
+            </a:endParaRPr>
           </a:p>
         </p:txBody>
       </p:sp>
@@ -13536,6 +13919,8 @@
                 <a:solidFill>
                   <a:srgbClr val="2C3E50"/>
                 </a:solidFill>
+                <a:ea typeface="DejaVu Sans" panose="020B0603030804020204" charset="0"/>
+                <a:cs typeface="DejaVu Sans" panose="020B0603030804020204" charset="0"/>
               </a:rPr>
               <a:t>扇区</a:t>
             </a:r>
@@ -13543,6 +13928,8 @@
               <a:solidFill>
                 <a:srgbClr val="2C3E50"/>
               </a:solidFill>
+              <a:ea typeface="DejaVu Sans" panose="020B0603030804020204" charset="0"/>
+              <a:cs typeface="DejaVu Sans" panose="020B0603030804020204" charset="0"/>
             </a:endParaRPr>
           </a:p>
         </p:txBody>
@@ -13811,7 +14198,9 @@
           <a:bodyPr rtlCol="0" anchor="ctr"/>
           <a:p>
             <a:pPr algn="ctr"/>
-            <a:endParaRPr lang="zh-CN" altLang="en-US" sz="1010"/>
+            <a:endParaRPr lang="zh-CN" altLang="en-US" sz="1010">
+              <a:cs typeface="DejaVu Sans" panose="020B0603030804020204" charset="0"/>
+            </a:endParaRPr>
           </a:p>
         </p:txBody>
       </p:sp>
@@ -13855,6 +14244,8 @@
                 <a:solidFill>
                   <a:srgbClr val="2C3E50"/>
                 </a:solidFill>
+                <a:ea typeface="DejaVu Sans" panose="020B0603030804020204" charset="0"/>
+                <a:cs typeface="DejaVu Sans" panose="020B0603030804020204" charset="0"/>
               </a:rPr>
               <a:t>簇</a:t>
             </a:r>
@@ -13862,6 +14253,8 @@
               <a:solidFill>
                 <a:srgbClr val="2C3E50"/>
               </a:solidFill>
+              <a:ea typeface="DejaVu Sans" panose="020B0603030804020204" charset="0"/>
+              <a:cs typeface="DejaVu Sans" panose="020B0603030804020204" charset="0"/>
             </a:endParaRPr>
           </a:p>
         </p:txBody>
@@ -13981,6 +14374,7 @@
                 <a:solidFill>
                   <a:srgbClr val="2C3E50"/>
                 </a:solidFill>
+                <a:cs typeface="DejaVu Sans" panose="020B0603030804020204" charset="0"/>
               </a:rPr>
               <a:t>Application </a:t>
             </a:r>
@@ -13988,6 +14382,7 @@
               <a:solidFill>
                 <a:srgbClr val="2C3E50"/>
               </a:solidFill>
+              <a:cs typeface="DejaVu Sans" panose="020B0603030804020204" charset="0"/>
             </a:endParaRPr>
           </a:p>
         </p:txBody>
@@ -14063,6 +14458,7 @@
                 <a:solidFill>
                   <a:srgbClr val="2C3E50"/>
                 </a:solidFill>
+                <a:cs typeface="DejaVu Sans" panose="020B0603030804020204" charset="0"/>
               </a:rPr>
               <a:t>user</a:t>
             </a:r>
@@ -14070,6 +14466,7 @@
               <a:solidFill>
                 <a:srgbClr val="2C3E50"/>
               </a:solidFill>
+              <a:cs typeface="DejaVu Sans" panose="020B0603030804020204" charset="0"/>
             </a:endParaRPr>
           </a:p>
         </p:txBody>
@@ -14124,6 +14521,8 @@
                 <a:solidFill>
                   <a:srgbClr val="2C3E50"/>
                 </a:solidFill>
+                <a:ea typeface="DejaVu Sans" panose="020B0603030804020204" charset="0"/>
+                <a:cs typeface="DejaVu Sans" panose="020B0603030804020204" charset="0"/>
               </a:rPr>
               <a:t>VFS</a:t>
             </a:r>
@@ -14131,6 +14530,8 @@
               <a:solidFill>
                 <a:srgbClr val="2C3E50"/>
               </a:solidFill>
+              <a:ea typeface="DejaVu Sans" panose="020B0603030804020204" charset="0"/>
+              <a:cs typeface="DejaVu Sans" panose="020B0603030804020204" charset="0"/>
             </a:endParaRPr>
           </a:p>
         </p:txBody>
@@ -14206,6 +14607,8 @@
                 <a:solidFill>
                   <a:srgbClr val="2C3E50"/>
                 </a:solidFill>
+                <a:ea typeface="DejaVu Sans" panose="020B0603030804020204" charset="0"/>
+                <a:cs typeface="DejaVu Sans" panose="020B0603030804020204" charset="0"/>
               </a:rPr>
               <a:t>kernel</a:t>
             </a:r>
@@ -14213,6 +14616,8 @@
               <a:solidFill>
                 <a:srgbClr val="2C3E50"/>
               </a:solidFill>
+              <a:ea typeface="DejaVu Sans" panose="020B0603030804020204" charset="0"/>
+              <a:cs typeface="DejaVu Sans" panose="020B0603030804020204" charset="0"/>
             </a:endParaRPr>
           </a:p>
         </p:txBody>
@@ -14267,6 +14672,8 @@
                 <a:solidFill>
                   <a:srgbClr val="2C3E50"/>
                 </a:solidFill>
+                <a:ea typeface="DejaVu Sans" panose="020B0603030804020204" charset="0"/>
+                <a:cs typeface="DejaVu Sans" panose="020B0603030804020204" charset="0"/>
               </a:rPr>
               <a:t>memory catch</a:t>
             </a:r>
@@ -14274,6 +14681,8 @@
               <a:solidFill>
                 <a:srgbClr val="2C3E50"/>
               </a:solidFill>
+              <a:ea typeface="DejaVu Sans" panose="020B0603030804020204" charset="0"/>
+              <a:cs typeface="DejaVu Sans" panose="020B0603030804020204" charset="0"/>
             </a:endParaRPr>
           </a:p>
         </p:txBody>
@@ -14328,6 +14737,8 @@
                 <a:solidFill>
                   <a:srgbClr val="2C3E50"/>
                 </a:solidFill>
+                <a:ea typeface="DejaVu Sans" panose="020B0603030804020204" charset="0"/>
+                <a:cs typeface="DejaVu Sans" panose="020B0603030804020204" charset="0"/>
               </a:rPr>
               <a:t>Ext2/3/4</a:t>
             </a:r>
@@ -14335,6 +14746,8 @@
               <a:solidFill>
                 <a:srgbClr val="2C3E50"/>
               </a:solidFill>
+              <a:ea typeface="DejaVu Sans" panose="020B0603030804020204" charset="0"/>
+              <a:cs typeface="DejaVu Sans" panose="020B0603030804020204" charset="0"/>
             </a:endParaRPr>
           </a:p>
         </p:txBody>
@@ -14389,6 +14802,8 @@
                 <a:solidFill>
                   <a:srgbClr val="2C3E50"/>
                 </a:solidFill>
+                <a:ea typeface="DejaVu Sans" panose="020B0603030804020204" charset="0"/>
+                <a:cs typeface="DejaVu Sans" panose="020B0603030804020204" charset="0"/>
               </a:rPr>
               <a:t>XFS/YAFS</a:t>
             </a:r>
@@ -14396,6 +14811,8 @@
               <a:solidFill>
                 <a:srgbClr val="2C3E50"/>
               </a:solidFill>
+              <a:ea typeface="DejaVu Sans" panose="020B0603030804020204" charset="0"/>
+              <a:cs typeface="DejaVu Sans" panose="020B0603030804020204" charset="0"/>
             </a:endParaRPr>
           </a:p>
         </p:txBody>
@@ -14450,6 +14867,8 @@
                 <a:solidFill>
                   <a:srgbClr val="2C3E50"/>
                 </a:solidFill>
+                <a:ea typeface="DejaVu Sans" panose="020B0603030804020204" charset="0"/>
+                <a:cs typeface="DejaVu Sans" panose="020B0603030804020204" charset="0"/>
               </a:rPr>
               <a:t>NFS</a:t>
             </a:r>
@@ -14457,6 +14876,8 @@
               <a:solidFill>
                 <a:srgbClr val="2C3E50"/>
               </a:solidFill>
+              <a:ea typeface="DejaVu Sans" panose="020B0603030804020204" charset="0"/>
+              <a:cs typeface="DejaVu Sans" panose="020B0603030804020204" charset="0"/>
             </a:endParaRPr>
           </a:p>
         </p:txBody>
@@ -14511,6 +14932,7 @@
                 <a:solidFill>
                   <a:srgbClr val="2C3E50"/>
                 </a:solidFill>
+                <a:cs typeface="DejaVu Sans" panose="020B0603030804020204" charset="0"/>
               </a:rPr>
               <a:t>Device</a:t>
             </a:r>
@@ -14518,6 +14940,7 @@
               <a:solidFill>
                 <a:srgbClr val="2C3E50"/>
               </a:solidFill>
+              <a:cs typeface="DejaVu Sans" panose="020B0603030804020204" charset="0"/>
             </a:endParaRPr>
           </a:p>
           <a:p>
@@ -14527,6 +14950,7 @@
                 <a:solidFill>
                   <a:srgbClr val="2C3E50"/>
                 </a:solidFill>
+                <a:cs typeface="DejaVu Sans" panose="020B0603030804020204" charset="0"/>
               </a:rPr>
               <a:t>Files</a:t>
             </a:r>
@@ -14534,6 +14958,7 @@
               <a:solidFill>
                 <a:srgbClr val="2C3E50"/>
               </a:solidFill>
+              <a:cs typeface="DejaVu Sans" panose="020B0603030804020204" charset="0"/>
             </a:endParaRPr>
           </a:p>
         </p:txBody>
@@ -14587,6 +15012,7 @@
               <a:solidFill>
                 <a:srgbClr val="2C3E50"/>
               </a:solidFill>
+              <a:cs typeface="DejaVu Sans" panose="020B0603030804020204" charset="0"/>
             </a:endParaRPr>
           </a:p>
         </p:txBody>
@@ -14641,6 +15067,7 @@
                 <a:solidFill>
                   <a:srgbClr val="2C3E50"/>
                 </a:solidFill>
+                <a:cs typeface="DejaVu Sans" panose="020B0603030804020204" charset="0"/>
               </a:rPr>
               <a:t>generic block </a:t>
             </a:r>
@@ -14648,6 +15075,7 @@
               <a:solidFill>
                 <a:srgbClr val="2C3E50"/>
               </a:solidFill>
+              <a:cs typeface="DejaVu Sans" panose="020B0603030804020204" charset="0"/>
             </a:endParaRPr>
           </a:p>
         </p:txBody>
@@ -14702,6 +15130,8 @@
                 <a:solidFill>
                   <a:srgbClr val="2C3E50"/>
                 </a:solidFill>
+                <a:ea typeface="DejaVu Sans" panose="020B0603030804020204" charset="0"/>
+                <a:cs typeface="DejaVu Sans" panose="020B0603030804020204" charset="0"/>
               </a:rPr>
               <a:t>I/O scheduler</a:t>
             </a:r>
@@ -14709,6 +15139,8 @@
               <a:solidFill>
                 <a:srgbClr val="2C3E50"/>
               </a:solidFill>
+              <a:ea typeface="DejaVu Sans" panose="020B0603030804020204" charset="0"/>
+              <a:cs typeface="DejaVu Sans" panose="020B0603030804020204" charset="0"/>
             </a:endParaRPr>
           </a:p>
         </p:txBody>
@@ -14763,6 +15195,7 @@
                 <a:solidFill>
                   <a:srgbClr val="2C3E50"/>
                 </a:solidFill>
+                <a:cs typeface="DejaVu Sans" panose="020B0603030804020204" charset="0"/>
               </a:rPr>
               <a:t>block driver</a:t>
             </a:r>
@@ -14770,6 +15203,7 @@
               <a:solidFill>
                 <a:srgbClr val="2C3E50"/>
               </a:solidFill>
+              <a:cs typeface="DejaVu Sans" panose="020B0603030804020204" charset="0"/>
             </a:endParaRPr>
           </a:p>
         </p:txBody>
@@ -14824,6 +15258,7 @@
                 <a:solidFill>
                   <a:srgbClr val="2C3E50"/>
                 </a:solidFill>
+                <a:cs typeface="DejaVu Sans" panose="020B0603030804020204" charset="0"/>
               </a:rPr>
               <a:t>hard disk</a:t>
             </a:r>
@@ -14831,6 +15266,7 @@
               <a:solidFill>
                 <a:srgbClr val="2C3E50"/>
               </a:solidFill>
+              <a:cs typeface="DejaVu Sans" panose="020B0603030804020204" charset="0"/>
             </a:endParaRPr>
           </a:p>
         </p:txBody>
@@ -14885,6 +15321,8 @@
                 <a:solidFill>
                   <a:srgbClr val="2C3E50"/>
                 </a:solidFill>
+                <a:ea typeface="DejaVu Sans" panose="020B0603030804020204" charset="0"/>
+                <a:cs typeface="DejaVu Sans" panose="020B0603030804020204" charset="0"/>
               </a:rPr>
               <a:t>device</a:t>
             </a:r>
@@ -14892,6 +15330,8 @@
               <a:solidFill>
                 <a:srgbClr val="2C3E50"/>
               </a:solidFill>
+              <a:ea typeface="DejaVu Sans" panose="020B0603030804020204" charset="0"/>
+              <a:cs typeface="DejaVu Sans" panose="020B0603030804020204" charset="0"/>
             </a:endParaRPr>
           </a:p>
         </p:txBody>
@@ -14946,6 +15386,8 @@
                 <a:solidFill>
                   <a:srgbClr val="2C3E50"/>
                 </a:solidFill>
+                <a:ea typeface="DejaVu Sans" panose="020B0603030804020204" charset="0"/>
+                <a:cs typeface="DejaVu Sans" panose="020B0603030804020204" charset="0"/>
               </a:rPr>
               <a:t>network</a:t>
             </a:r>
@@ -14953,6 +15395,8 @@
               <a:solidFill>
                 <a:srgbClr val="2C3E50"/>
               </a:solidFill>
+              <a:ea typeface="DejaVu Sans" panose="020B0603030804020204" charset="0"/>
+              <a:cs typeface="DejaVu Sans" panose="020B0603030804020204" charset="0"/>
             </a:endParaRPr>
           </a:p>
         </p:txBody>
@@ -14987,6 +15431,7 @@
                 <a:solidFill>
                   <a:srgbClr val="2C3E50"/>
                 </a:solidFill>
+                <a:cs typeface="DejaVu Sans" panose="020B0603030804020204" charset="0"/>
               </a:rPr>
               <a:t>hardware</a:t>
             </a:r>
@@ -14994,6 +15439,7 @@
               <a:solidFill>
                 <a:srgbClr val="2C3E50"/>
               </a:solidFill>
+              <a:cs typeface="DejaVu Sans" panose="020B0603030804020204" charset="0"/>
             </a:endParaRPr>
           </a:p>
         </p:txBody>
@@ -15600,6 +16046,7 @@
                 <a:solidFill>
                   <a:srgbClr val="2C3E50"/>
                 </a:solidFill>
+                <a:cs typeface="DejaVu Sans" panose="020B0603030804020204" charset="0"/>
               </a:rPr>
               <a:t>Ramfs</a:t>
             </a:r>
@@ -15607,6 +16054,7 @@
               <a:solidFill>
                 <a:srgbClr val="2C3E50"/>
               </a:solidFill>
+              <a:cs typeface="DejaVu Sans" panose="020B0603030804020204" charset="0"/>
             </a:endParaRPr>
           </a:p>
         </p:txBody>
@@ -15661,6 +16109,7 @@
                 <a:solidFill>
                   <a:srgbClr val="2C3E50"/>
                 </a:solidFill>
+                <a:cs typeface="DejaVu Sans" panose="020B0603030804020204" charset="0"/>
               </a:rPr>
               <a:t>Init</a:t>
             </a:r>
@@ -15669,6 +16118,7 @@
                 <a:solidFill>
                   <a:srgbClr val="2C3E50"/>
                 </a:solidFill>
+                <a:cs typeface="DejaVu Sans" panose="020B0603030804020204" charset="0"/>
               </a:rPr>
               <a:t>Ramfs</a:t>
             </a:r>
@@ -15676,6 +16126,7 @@
               <a:solidFill>
                 <a:srgbClr val="2C3E50"/>
               </a:solidFill>
+              <a:cs typeface="DejaVu Sans" panose="020B0603030804020204" charset="0"/>
             </a:endParaRPr>
           </a:p>
         </p:txBody>
@@ -15725,7 +16176,9 @@
           <a:bodyPr rtlCol="0" anchor="ctr"/>
           <a:p>
             <a:pPr algn="ctr"/>
-            <a:endParaRPr lang="zh-CN" altLang="en-US" b="1"/>
+            <a:endParaRPr lang="zh-CN" altLang="en-US" b="1">
+              <a:cs typeface="DejaVu Sans" panose="020B0603030804020204" charset="0"/>
+            </a:endParaRPr>
           </a:p>
         </p:txBody>
       </p:sp>
@@ -15759,6 +16212,7 @@
                 <a:solidFill>
                   <a:srgbClr val="2C3E50"/>
                 </a:solidFill>
+                <a:cs typeface="DejaVu Sans" panose="020B0603030804020204" charset="0"/>
               </a:rPr>
               <a:t>等价于</a:t>
             </a:r>
@@ -15766,6 +16220,7 @@
               <a:solidFill>
                 <a:srgbClr val="2C3E50"/>
               </a:solidFill>
+              <a:cs typeface="DejaVu Sans" panose="020B0603030804020204" charset="0"/>
             </a:endParaRPr>
           </a:p>
         </p:txBody>
@@ -15820,6 +16275,7 @@
                 <a:solidFill>
                   <a:srgbClr val="2C3E50"/>
                 </a:solidFill>
+                <a:cs typeface="DejaVu Sans" panose="020B0603030804020204" charset="0"/>
               </a:rPr>
               <a:t>kernel</a:t>
             </a:r>
@@ -15827,6 +16283,7 @@
               <a:solidFill>
                 <a:srgbClr val="2C3E50"/>
               </a:solidFill>
+              <a:cs typeface="DejaVu Sans" panose="020B0603030804020204" charset="0"/>
             </a:endParaRPr>
           </a:p>
         </p:txBody>
@@ -15881,6 +16338,7 @@
                 <a:solidFill>
                   <a:srgbClr val="2C3E50"/>
                 </a:solidFill>
+                <a:cs typeface="DejaVu Sans" panose="020B0603030804020204" charset="0"/>
                 <a:sym typeface="+mn-ea"/>
               </a:rPr>
               <a:t>rootfs</a:t>
@@ -15889,6 +16347,7 @@
               <a:solidFill>
                 <a:srgbClr val="2C3E50"/>
               </a:solidFill>
+              <a:cs typeface="DejaVu Sans" panose="020B0603030804020204" charset="0"/>
               <a:sym typeface="+mn-ea"/>
             </a:endParaRPr>
           </a:p>
@@ -15939,7 +16398,9 @@
           <a:bodyPr rtlCol="0" anchor="ctr"/>
           <a:p>
             <a:pPr algn="ctr"/>
-            <a:endParaRPr lang="zh-CN" altLang="en-US" b="1"/>
+            <a:endParaRPr lang="zh-CN" altLang="en-US" b="1">
+              <a:cs typeface="DejaVu Sans" panose="020B0603030804020204" charset="0"/>
+            </a:endParaRPr>
           </a:p>
         </p:txBody>
       </p:sp>
@@ -15997,6 +16458,7 @@
                 <a:solidFill>
                   <a:srgbClr val="2C3E50"/>
                 </a:solidFill>
+                <a:cs typeface="DejaVu Sans" panose="020B0603030804020204" charset="0"/>
               </a:rPr>
               <a:t>文件系统类型</a:t>
             </a:r>
@@ -16004,6 +16466,7 @@
               <a:solidFill>
                 <a:srgbClr val="2C3E50"/>
               </a:solidFill>
+              <a:cs typeface="DejaVu Sans" panose="020B0603030804020204" charset="0"/>
             </a:endParaRPr>
           </a:p>
         </p:txBody>
@@ -16056,7 +16519,9 @@
           <a:bodyPr rtlCol="0" anchor="ctr"/>
           <a:p>
             <a:pPr algn="ctr"/>
-            <a:endParaRPr lang="zh-CN" altLang="en-US" b="1"/>
+            <a:endParaRPr lang="zh-CN" altLang="en-US" b="1">
+              <a:cs typeface="DejaVu Sans" panose="020B0603030804020204" charset="0"/>
+            </a:endParaRPr>
           </a:p>
         </p:txBody>
       </p:sp>
@@ -16110,6 +16575,7 @@
                 <a:solidFill>
                   <a:srgbClr val="2C3E50"/>
                 </a:solidFill>
+                <a:cs typeface="DejaVu Sans" panose="020B0603030804020204" charset="0"/>
               </a:rPr>
               <a:t>内存</a:t>
             </a:r>
@@ -16117,6 +16583,7 @@
               <a:solidFill>
                 <a:srgbClr val="2C3E50"/>
               </a:solidFill>
+              <a:cs typeface="DejaVu Sans" panose="020B0603030804020204" charset="0"/>
             </a:endParaRPr>
           </a:p>
         </p:txBody>
@@ -16166,7 +16633,9 @@
           <a:bodyPr rtlCol="0" anchor="ctr"/>
           <a:p>
             <a:pPr algn="ctr"/>
-            <a:endParaRPr lang="zh-CN" altLang="en-US" b="1"/>
+            <a:endParaRPr lang="zh-CN" altLang="en-US" b="1">
+              <a:cs typeface="DejaVu Sans" panose="020B0603030804020204" charset="0"/>
+            </a:endParaRPr>
           </a:p>
         </p:txBody>
       </p:sp>
@@ -16200,6 +16669,7 @@
                 <a:solidFill>
                   <a:srgbClr val="2C3E50"/>
                 </a:solidFill>
+                <a:cs typeface="DejaVu Sans" panose="020B0603030804020204" charset="0"/>
               </a:rPr>
               <a:t>load</a:t>
             </a:r>
@@ -16207,6 +16677,7 @@
               <a:solidFill>
                 <a:srgbClr val="2C3E50"/>
               </a:solidFill>
+              <a:cs typeface="DejaVu Sans" panose="020B0603030804020204" charset="0"/>
             </a:endParaRPr>
           </a:p>
         </p:txBody>
@@ -16234,49 +16705,73 @@
           <a:p>
             <a:pPr algn="l"/>
             <a:r>
-              <a:rPr lang="zh-CN" altLang="en-US" sz="1200"/>
+              <a:rPr lang="zh-CN" altLang="en-US" sz="1200">
+                <a:cs typeface="DejaVu Sans" panose="020B0603030804020204" charset="0"/>
+              </a:rPr>
               <a:t>Initramfs是在 kernel 2.5中引入的技术，实际上它的含义就是：在内核镜像中附加一个cpio包，</a:t>
             </a:r>
-            <a:endParaRPr lang="zh-CN" altLang="en-US" sz="1200"/>
+            <a:endParaRPr lang="zh-CN" altLang="en-US" sz="1200">
+              <a:cs typeface="DejaVu Sans" panose="020B0603030804020204" charset="0"/>
+            </a:endParaRPr>
           </a:p>
           <a:p>
             <a:pPr algn="l"/>
             <a:r>
-              <a:rPr lang="zh-CN" altLang="en-US" sz="1200"/>
+              <a:rPr lang="zh-CN" altLang="en-US" sz="1200">
+                <a:cs typeface="DejaVu Sans" panose="020B0603030804020204" charset="0"/>
+              </a:rPr>
               <a:t>这个cpio包中包含了一个小型的文件系统，当内核启动时，内核将这个cpio包解开，并且将其</a:t>
             </a:r>
-            <a:endParaRPr lang="zh-CN" altLang="en-US" sz="1200"/>
+            <a:endParaRPr lang="zh-CN" altLang="en-US" sz="1200">
+              <a:cs typeface="DejaVu Sans" panose="020B0603030804020204" charset="0"/>
+            </a:endParaRPr>
           </a:p>
           <a:p>
             <a:pPr algn="l"/>
             <a:r>
-              <a:rPr lang="zh-CN" altLang="en-US" sz="1200"/>
+              <a:rPr lang="zh-CN" altLang="en-US" sz="1200">
+                <a:cs typeface="DejaVu Sans" panose="020B0603030804020204" charset="0"/>
+              </a:rPr>
               <a:t>中包含的文件系统释放到rootfs中，内核中的一部分初始化代码会放到这个文件系统中，作为</a:t>
             </a:r>
             <a:br>
-              <a:rPr lang="zh-CN" altLang="en-US" sz="1200"/>
+              <a:rPr lang="zh-CN" altLang="en-US" sz="1200">
+                <a:cs typeface="DejaVu Sans" panose="020B0603030804020204" charset="0"/>
+              </a:rPr>
             </a:br>
             <a:r>
-              <a:rPr lang="zh-CN" altLang="en-US" sz="1200"/>
+              <a:rPr lang="zh-CN" altLang="en-US" sz="1200">
+                <a:cs typeface="DejaVu Sans" panose="020B0603030804020204" charset="0"/>
+              </a:rPr>
               <a:t>用户层进程来执行。这样带来的明显的好处是精简了内核的初始化代码，而且使得内核的初</a:t>
             </a:r>
-            <a:endParaRPr lang="zh-CN" altLang="en-US" sz="1200"/>
+            <a:endParaRPr lang="zh-CN" altLang="en-US" sz="1200">
+              <a:cs typeface="DejaVu Sans" panose="020B0603030804020204" charset="0"/>
+            </a:endParaRPr>
           </a:p>
           <a:p>
             <a:pPr algn="l"/>
             <a:r>
-              <a:rPr lang="zh-CN" altLang="en-US" sz="1200"/>
+              <a:rPr lang="zh-CN" altLang="en-US" sz="1200">
+                <a:cs typeface="DejaVu Sans" panose="020B0603030804020204" charset="0"/>
+              </a:rPr>
               <a:t>始化过程更容易定制。Linux 2.6.12内核的 initramfs还没有什么实质性的东西，一个包含完整</a:t>
             </a:r>
-            <a:endParaRPr lang="zh-CN" altLang="en-US" sz="1200"/>
+            <a:endParaRPr lang="zh-CN" altLang="en-US" sz="1200">
+              <a:cs typeface="DejaVu Sans" panose="020B0603030804020204" charset="0"/>
+            </a:endParaRPr>
           </a:p>
           <a:p>
             <a:pPr algn="l"/>
             <a:r>
-              <a:rPr lang="zh-CN" altLang="en-US" sz="1200"/>
+              <a:rPr lang="zh-CN" altLang="en-US" sz="1200">
+                <a:cs typeface="DejaVu Sans" panose="020B0603030804020204" charset="0"/>
+              </a:rPr>
               <a:t>功能的initramfs的实现可能还需要一个缓慢的过程</a:t>
             </a:r>
-            <a:endParaRPr lang="zh-CN" altLang="en-US" sz="1200"/>
+            <a:endParaRPr lang="zh-CN" altLang="en-US" sz="1200">
+              <a:cs typeface="DejaVu Sans" panose="020B0603030804020204" charset="0"/>
+            </a:endParaRPr>
           </a:p>
         </p:txBody>
       </p:sp>
@@ -16354,6 +16849,7 @@
                 <a:solidFill>
                   <a:srgbClr val="2C3E50"/>
                 </a:solidFill>
+                <a:cs typeface="DejaVu Sans" panose="020B0603030804020204" charset="0"/>
               </a:rPr>
               <a:t>内存</a:t>
             </a:r>
@@ -16361,6 +16857,7 @@
               <a:solidFill>
                 <a:srgbClr val="2C3E50"/>
               </a:solidFill>
+              <a:cs typeface="DejaVu Sans" panose="020B0603030804020204" charset="0"/>
             </a:endParaRPr>
           </a:p>
         </p:txBody>
@@ -16415,6 +16912,7 @@
                 <a:solidFill>
                   <a:srgbClr val="2C3E50"/>
                 </a:solidFill>
+                <a:cs typeface="DejaVu Sans" panose="020B0603030804020204" charset="0"/>
               </a:rPr>
               <a:t>initrd 文件</a:t>
             </a:r>
@@ -16422,6 +16920,7 @@
               <a:solidFill>
                 <a:srgbClr val="2C3E50"/>
               </a:solidFill>
+              <a:cs typeface="DejaVu Sans" panose="020B0603030804020204" charset="0"/>
             </a:endParaRPr>
           </a:p>
         </p:txBody>
@@ -16541,6 +17040,7 @@
                 <a:solidFill>
                   <a:srgbClr val="2C3E50"/>
                 </a:solidFill>
+                <a:cs typeface="DejaVu Sans" panose="020B0603030804020204" charset="0"/>
               </a:rPr>
               <a:t>文件系统镜像</a:t>
             </a:r>
@@ -16548,6 +17048,7 @@
               <a:solidFill>
                 <a:srgbClr val="2C3E50"/>
               </a:solidFill>
+              <a:cs typeface="DejaVu Sans" panose="020B0603030804020204" charset="0"/>
             </a:endParaRPr>
           </a:p>
         </p:txBody>
@@ -16586,6 +17087,7 @@
                 <a:solidFill>
                   <a:srgbClr val="2C3E50"/>
                 </a:solidFill>
+                <a:cs typeface="DejaVu Sans" panose="020B0603030804020204" charset="0"/>
               </a:rPr>
               <a:t>cpio</a:t>
             </a:r>
@@ -16594,6 +17096,7 @@
                 <a:solidFill>
                   <a:srgbClr val="2C3E50"/>
                 </a:solidFill>
+                <a:cs typeface="DejaVu Sans" panose="020B0603030804020204" charset="0"/>
               </a:rPr>
               <a:t>生成</a:t>
             </a:r>
@@ -16601,6 +17104,7 @@
               <a:solidFill>
                 <a:srgbClr val="2C3E50"/>
               </a:solidFill>
+              <a:cs typeface="DejaVu Sans" panose="020B0603030804020204" charset="0"/>
             </a:endParaRPr>
           </a:p>
         </p:txBody>
@@ -16654,6 +17158,7 @@
               <a:solidFill>
                 <a:srgbClr val="2C3E50"/>
               </a:solidFill>
+              <a:cs typeface="DejaVu Sans" panose="020B0603030804020204" charset="0"/>
             </a:endParaRPr>
           </a:p>
         </p:txBody>
@@ -16688,6 +17193,7 @@
                 <a:solidFill>
                   <a:srgbClr val="2C3E50"/>
                 </a:solidFill>
+                <a:cs typeface="DejaVu Sans" panose="020B0603030804020204" charset="0"/>
               </a:rPr>
               <a:t>load</a:t>
             </a:r>
@@ -16695,6 +17201,7 @@
               <a:solidFill>
                 <a:srgbClr val="2C3E50"/>
               </a:solidFill>
+              <a:cs typeface="DejaVu Sans" panose="020B0603030804020204" charset="0"/>
             </a:endParaRPr>
           </a:p>
         </p:txBody>
@@ -16748,6 +17255,7 @@
               <a:solidFill>
                 <a:srgbClr val="2C3E50"/>
               </a:solidFill>
+              <a:cs typeface="DejaVu Sans" panose="020B0603030804020204" charset="0"/>
             </a:endParaRPr>
           </a:p>
         </p:txBody>
@@ -16802,6 +17310,7 @@
                 <a:solidFill>
                   <a:srgbClr val="2C3E50"/>
                 </a:solidFill>
+                <a:cs typeface="DejaVu Sans" panose="020B0603030804020204" charset="0"/>
               </a:rPr>
               <a:t>kernel</a:t>
             </a:r>
@@ -16809,6 +17318,7 @@
               <a:solidFill>
                 <a:srgbClr val="2C3E50"/>
               </a:solidFill>
+              <a:cs typeface="DejaVu Sans" panose="020B0603030804020204" charset="0"/>
             </a:endParaRPr>
           </a:p>
         </p:txBody>
@@ -16863,6 +17373,7 @@
                 <a:solidFill>
                   <a:srgbClr val="2C3E50"/>
                 </a:solidFill>
+                <a:cs typeface="DejaVu Sans" panose="020B0603030804020204" charset="0"/>
               </a:rPr>
               <a:t>rootfs</a:t>
             </a:r>
@@ -16870,6 +17381,7 @@
               <a:solidFill>
                 <a:srgbClr val="2C3E50"/>
               </a:solidFill>
+              <a:cs typeface="DejaVu Sans" panose="020B0603030804020204" charset="0"/>
             </a:endParaRPr>
           </a:p>
         </p:txBody>
@@ -16923,6 +17435,7 @@
               <a:solidFill>
                 <a:srgbClr val="2C3E50"/>
               </a:solidFill>
+              <a:cs typeface="DejaVu Sans" panose="020B0603030804020204" charset="0"/>
             </a:endParaRPr>
           </a:p>
         </p:txBody>
@@ -16981,6 +17494,7 @@
                 <a:solidFill>
                   <a:srgbClr val="2C3E50"/>
                 </a:solidFill>
+                <a:cs typeface="DejaVu Sans" panose="020B0603030804020204" charset="0"/>
               </a:rPr>
               <a:t>文件系统类型</a:t>
             </a:r>
@@ -16988,6 +17502,7 @@
               <a:solidFill>
                 <a:srgbClr val="2C3E50"/>
               </a:solidFill>
+              <a:cs typeface="DejaVu Sans" panose="020B0603030804020204" charset="0"/>
             </a:endParaRPr>
           </a:p>
         </p:txBody>
@@ -17066,6 +17581,7 @@
                 <a:solidFill>
                   <a:srgbClr val="2C3E50"/>
                 </a:solidFill>
+                <a:cs typeface="DejaVu Sans" panose="020B0603030804020204" charset="0"/>
               </a:rPr>
               <a:t>kernel</a:t>
             </a:r>
@@ -17073,6 +17589,7 @@
               <a:solidFill>
                 <a:srgbClr val="2C3E50"/>
               </a:solidFill>
+              <a:cs typeface="DejaVu Sans" panose="020B0603030804020204" charset="0"/>
             </a:endParaRPr>
           </a:p>
         </p:txBody>
@@ -17127,6 +17644,7 @@
                 <a:solidFill>
                   <a:srgbClr val="2C3E50"/>
                 </a:solidFill>
+                <a:cs typeface="DejaVu Sans" panose="020B0603030804020204" charset="0"/>
               </a:rPr>
               <a:t>kernel</a:t>
             </a:r>
@@ -17134,6 +17652,7 @@
               <a:solidFill>
                 <a:srgbClr val="2C3E50"/>
               </a:solidFill>
+              <a:cs typeface="DejaVu Sans" panose="020B0603030804020204" charset="0"/>
             </a:endParaRPr>
           </a:p>
         </p:txBody>
@@ -17188,6 +17707,8 @@
                 <a:solidFill>
                   <a:srgbClr val="2C3E50"/>
                 </a:solidFill>
+                <a:ea typeface="DejaVu Sans" panose="020B0603030804020204" charset="0"/>
+                <a:cs typeface="DejaVu Sans" panose="020B0603030804020204" charset="0"/>
               </a:rPr>
               <a:t>image-initrd</a:t>
             </a:r>
@@ -17195,6 +17716,8 @@
               <a:solidFill>
                 <a:srgbClr val="2C3E50"/>
               </a:solidFill>
+              <a:ea typeface="DejaVu Sans" panose="020B0603030804020204" charset="0"/>
+              <a:cs typeface="DejaVu Sans" panose="020B0603030804020204" charset="0"/>
             </a:endParaRPr>
           </a:p>
         </p:txBody>
@@ -17249,6 +17772,7 @@
                 <a:solidFill>
                   <a:srgbClr val="2C3E50"/>
                 </a:solidFill>
+                <a:cs typeface="DejaVu Sans" panose="020B0603030804020204" charset="0"/>
               </a:rPr>
               <a:t>kernel</a:t>
             </a:r>
@@ -17256,6 +17780,7 @@
               <a:solidFill>
                 <a:srgbClr val="2C3E50"/>
               </a:solidFill>
+              <a:cs typeface="DejaVu Sans" panose="020B0603030804020204" charset="0"/>
             </a:endParaRPr>
           </a:p>
         </p:txBody>
@@ -17310,6 +17835,8 @@
                 <a:solidFill>
                   <a:srgbClr val="2C3E50"/>
                 </a:solidFill>
+                <a:ea typeface="DejaVu Sans" panose="020B0603030804020204" charset="0"/>
+                <a:cs typeface="DejaVu Sans" panose="020B0603030804020204" charset="0"/>
               </a:rPr>
               <a:t>cpio-initrd</a:t>
             </a:r>
@@ -17317,6 +17844,8 @@
               <a:solidFill>
                 <a:srgbClr val="2C3E50"/>
               </a:solidFill>
+              <a:ea typeface="DejaVu Sans" panose="020B0603030804020204" charset="0"/>
+              <a:cs typeface="DejaVu Sans" panose="020B0603030804020204" charset="0"/>
             </a:endParaRPr>
           </a:p>
         </p:txBody>
@@ -17371,6 +17900,8 @@
                 <a:solidFill>
                   <a:srgbClr val="2C3E50"/>
                 </a:solidFill>
+                <a:ea typeface="DejaVu Sans" panose="020B0603030804020204" charset="0"/>
+                <a:cs typeface="DejaVu Sans" panose="020B0603030804020204" charset="0"/>
               </a:rPr>
               <a:t>根文件系统</a:t>
             </a:r>
@@ -17378,6 +17909,8 @@
               <a:solidFill>
                 <a:srgbClr val="2C3E50"/>
               </a:solidFill>
+              <a:ea typeface="DejaVu Sans" panose="020B0603030804020204" charset="0"/>
+              <a:cs typeface="DejaVu Sans" panose="020B0603030804020204" charset="0"/>
             </a:endParaRPr>
           </a:p>
         </p:txBody>
@@ -17432,6 +17965,8 @@
                 <a:solidFill>
                   <a:srgbClr val="2C3E50"/>
                 </a:solidFill>
+                <a:ea typeface="DejaVu Sans" panose="020B0603030804020204" charset="0"/>
+                <a:cs typeface="DejaVu Sans" panose="020B0603030804020204" charset="0"/>
               </a:rPr>
               <a:t>根文件系统</a:t>
             </a:r>
@@ -17439,6 +17974,8 @@
               <a:solidFill>
                 <a:srgbClr val="2C3E50"/>
               </a:solidFill>
+              <a:ea typeface="DejaVu Sans" panose="020B0603030804020204" charset="0"/>
+              <a:cs typeface="DejaVu Sans" panose="020B0603030804020204" charset="0"/>
             </a:endParaRPr>
           </a:p>
         </p:txBody>
@@ -17488,7 +18025,9 @@
           <a:bodyPr rtlCol="0" anchor="ctr"/>
           <a:p>
             <a:pPr algn="ctr"/>
-            <a:endParaRPr lang="zh-CN" altLang="en-US" sz="1200" b="1"/>
+            <a:endParaRPr lang="zh-CN" altLang="en-US" sz="1200" b="1">
+              <a:cs typeface="DejaVu Sans" panose="020B0603030804020204" charset="0"/>
+            </a:endParaRPr>
           </a:p>
         </p:txBody>
       </p:sp>
@@ -17537,7 +18076,9 @@
           <a:bodyPr rtlCol="0" anchor="ctr"/>
           <a:p>
             <a:pPr algn="ctr"/>
-            <a:endParaRPr lang="zh-CN" altLang="en-US" sz="1200" b="1"/>
+            <a:endParaRPr lang="zh-CN" altLang="en-US" sz="1200" b="1">
+              <a:cs typeface="DejaVu Sans" panose="020B0603030804020204" charset="0"/>
+            </a:endParaRPr>
           </a:p>
         </p:txBody>
       </p:sp>
@@ -17586,7 +18127,9 @@
           <a:bodyPr rtlCol="0" anchor="ctr"/>
           <a:p>
             <a:pPr algn="ctr"/>
-            <a:endParaRPr lang="zh-CN" altLang="en-US" sz="1200" b="1"/>
+            <a:endParaRPr lang="zh-CN" altLang="en-US" sz="1200" b="1">
+              <a:cs typeface="DejaVu Sans" panose="020B0603030804020204" charset="0"/>
+            </a:endParaRPr>
           </a:p>
         </p:txBody>
       </p:sp>
@@ -17635,7 +18178,9 @@
           <a:bodyPr rtlCol="0" anchor="ctr"/>
           <a:p>
             <a:pPr algn="ctr"/>
-            <a:endParaRPr lang="zh-CN" altLang="en-US" sz="1200" b="1"/>
+            <a:endParaRPr lang="zh-CN" altLang="en-US" sz="1200" b="1">
+              <a:cs typeface="DejaVu Sans" panose="020B0603030804020204" charset="0"/>
+            </a:endParaRPr>
           </a:p>
         </p:txBody>
       </p:sp>
@@ -17684,7 +18229,9 @@
           <a:bodyPr rtlCol="0" anchor="ctr"/>
           <a:p>
             <a:pPr algn="ctr"/>
-            <a:endParaRPr lang="zh-CN" altLang="en-US" sz="1200" b="1"/>
+            <a:endParaRPr lang="zh-CN" altLang="en-US" sz="1200" b="1">
+              <a:cs typeface="DejaVu Sans" panose="020B0603030804020204" charset="0"/>
+            </a:endParaRPr>
           </a:p>
         </p:txBody>
       </p:sp>
@@ -17718,6 +18265,7 @@
                 <a:solidFill>
                   <a:srgbClr val="2C3E50"/>
                 </a:solidFill>
+                <a:cs typeface="DejaVu Sans" panose="020B0603030804020204" charset="0"/>
               </a:rPr>
               <a:t>文件格式的initrd</a:t>
             </a:r>
@@ -17725,6 +18273,7 @@
               <a:solidFill>
                 <a:srgbClr val="2C3E50"/>
               </a:solidFill>
+              <a:cs typeface="DejaVu Sans" panose="020B0603030804020204" charset="0"/>
             </a:endParaRPr>
           </a:p>
         </p:txBody>
@@ -17759,6 +18308,7 @@
                 <a:solidFill>
                   <a:srgbClr val="2C3E50"/>
                 </a:solidFill>
+                <a:cs typeface="DejaVu Sans" panose="020B0603030804020204" charset="0"/>
               </a:rPr>
               <a:t>cpio 的initrd</a:t>
             </a:r>
@@ -17766,6 +18316,7 @@
               <a:solidFill>
                 <a:srgbClr val="2C3E50"/>
               </a:solidFill>
+              <a:cs typeface="DejaVu Sans" panose="020B0603030804020204" charset="0"/>
             </a:endParaRPr>
           </a:p>
         </p:txBody>
@@ -17811,6 +18362,1393 @@
           </a:fontRef>
         </p:style>
       </p:cxnSp>
+    </p:spTree>
+  </p:cSld>
+  <p:clrMapOvr>
+    <a:masterClrMapping/>
+  </p:clrMapOvr>
+</p:sld>
+</file>
+
+<file path=ppt/slides/slide7.xml><?xml version="1.0" encoding="utf-8"?>
+<p:sld xmlns:a="http://schemas.openxmlformats.org/drawingml/2006/main" xmlns:r="http://schemas.openxmlformats.org/officeDocument/2006/relationships" xmlns:p="http://schemas.openxmlformats.org/presentationml/2006/main">
+  <p:cSld>
+    <p:spTree>
+      <p:nvGrpSpPr>
+        <p:cNvPr id="1" name=""/>
+        <p:cNvGrpSpPr/>
+        <p:nvPr/>
+      </p:nvGrpSpPr>
+      <p:grpSpPr/>
+      <p:sp>
+        <p:nvSpPr>
+          <p:cNvPr id="4" name="文本框 3"/>
+          <p:cNvSpPr txBox="true"/>
+          <p:nvPr/>
+        </p:nvSpPr>
+        <p:spPr>
+          <a:xfrm>
+            <a:off x="841375" y="1017270"/>
+            <a:ext cx="1099185" cy="460375"/>
+          </a:xfrm>
+          <a:prstGeom prst="rect">
+            <a:avLst/>
+          </a:prstGeom>
+          <a:noFill/>
+        </p:spPr>
+        <p:txBody>
+          <a:bodyPr wrap="none" rtlCol="0">
+            <a:spAutoFit/>
+          </a:bodyPr>
+          <a:p>
+            <a:r>
+              <a:rPr lang="zh-CN" altLang="" sz="2400" b="1">
+                <a:solidFill>
+                  <a:srgbClr val="2C3E50"/>
+                </a:solidFill>
+              </a:rPr>
+              <a:t>超级块</a:t>
+            </a:r>
+            <a:endParaRPr lang="zh-CN" altLang="" sz="2400" b="1">
+              <a:solidFill>
+                <a:srgbClr val="2C3E50"/>
+              </a:solidFill>
+            </a:endParaRPr>
+          </a:p>
+        </p:txBody>
+      </p:sp>
+      <p:sp>
+        <p:nvSpPr>
+          <p:cNvPr id="5" name="文本框 4"/>
+          <p:cNvSpPr txBox="true"/>
+          <p:nvPr/>
+        </p:nvSpPr>
+        <p:spPr>
+          <a:xfrm>
+            <a:off x="740410" y="2447925"/>
+            <a:ext cx="4205605" cy="368300"/>
+          </a:xfrm>
+          <a:prstGeom prst="rect">
+            <a:avLst/>
+          </a:prstGeom>
+          <a:noFill/>
+        </p:spPr>
+        <p:txBody>
+          <a:bodyPr wrap="none" rtlCol="0">
+            <a:spAutoFit/>
+          </a:bodyPr>
+          <a:p>
+            <a:pPr algn="l"/>
+            <a:r>
+              <a:rPr lang="zh-CN" altLang="en-US" b="1">
+                <a:solidFill>
+                  <a:srgbClr val="2C3E50"/>
+                </a:solidFill>
+              </a:rPr>
+              <a:t>全局</a:t>
+            </a:r>
+            <a:r>
+              <a:rPr lang="en-US" altLang="zh-CN" b="1">
+                <a:solidFill>
+                  <a:srgbClr val="2C3E50"/>
+                </a:solidFill>
+              </a:rPr>
+              <a:t> </a:t>
+            </a:r>
+            <a:r>
+              <a:rPr lang="zh-CN" altLang="en-US" b="1">
+                <a:solidFill>
+                  <a:srgbClr val="2C3E50"/>
+                </a:solidFill>
+              </a:rPr>
+              <a:t>：LIST_HEAD(super_blocks)</a:t>
+            </a:r>
+            <a:endParaRPr lang="zh-CN" altLang="en-US" b="1">
+              <a:solidFill>
+                <a:srgbClr val="2C3E50"/>
+              </a:solidFill>
+            </a:endParaRPr>
+          </a:p>
+        </p:txBody>
+      </p:sp>
+      <p:sp>
+        <p:nvSpPr>
+          <p:cNvPr id="6" name="矩形 5"/>
+          <p:cNvSpPr/>
+          <p:nvPr/>
+        </p:nvSpPr>
+        <p:spPr>
+          <a:xfrm>
+            <a:off x="1341755" y="3759835"/>
+            <a:ext cx="3003550" cy="446405"/>
+          </a:xfrm>
+          <a:prstGeom prst="rect">
+            <a:avLst/>
+          </a:prstGeom>
+          <a:noFill/>
+          <a:ln w="38100">
+            <a:solidFill>
+              <a:srgbClr val="2C3E50"/>
+            </a:solidFill>
+          </a:ln>
+          <a:extLst>
+            <a:ext uri="{909E8E84-426E-40DD-AFC4-6F175D3DCCD1}">
+              <a14:hiddenFill xmlns:a14="http://schemas.microsoft.com/office/drawing/2010/main">
+                <a:solidFill>
+                  <a:schemeClr val="accent1"/>
+                </a:solidFill>
+              </a14:hiddenFill>
+            </a:ext>
+          </a:extLst>
+        </p:spPr>
+        <p:style>
+          <a:lnRef idx="2">
+            <a:schemeClr val="accent1">
+              <a:shade val="50000"/>
+            </a:schemeClr>
+          </a:lnRef>
+          <a:fillRef idx="1">
+            <a:schemeClr val="accent1"/>
+          </a:fillRef>
+          <a:effectRef idx="0">
+            <a:schemeClr val="accent1"/>
+          </a:effectRef>
+          <a:fontRef idx="minor">
+            <a:schemeClr val="lt1"/>
+          </a:fontRef>
+        </p:style>
+        <p:txBody>
+          <a:bodyPr rtlCol="0" anchor="ctr"/>
+          <a:p>
+            <a:pPr algn="ctr"/>
+            <a:r>
+              <a:rPr lang="" altLang="zh-CN" b="1">
+                <a:solidFill>
+                  <a:srgbClr val="2C3E50"/>
+                </a:solidFill>
+              </a:rPr>
+              <a:t>shmem</a:t>
+            </a:r>
+            <a:r>
+              <a:rPr lang="en-US" altLang="" b="1">
+                <a:solidFill>
+                  <a:srgbClr val="2C3E50"/>
+                </a:solidFill>
+              </a:rPr>
+              <a:t> </a:t>
+            </a:r>
+            <a:r>
+              <a:rPr lang="" altLang="en-US" b="1">
+                <a:solidFill>
+                  <a:srgbClr val="2C3E50"/>
+                </a:solidFill>
+              </a:rPr>
+              <a:t>spuer blocks</a:t>
+            </a:r>
+            <a:endParaRPr lang="" altLang="en-US" b="1">
+              <a:solidFill>
+                <a:srgbClr val="2C3E50"/>
+              </a:solidFill>
+            </a:endParaRPr>
+          </a:p>
+        </p:txBody>
+      </p:sp>
+      <p:cxnSp>
+        <p:nvCxnSpPr>
+          <p:cNvPr id="7" name="直接连接符 6"/>
+          <p:cNvCxnSpPr>
+            <a:stCxn id="5" idx="2"/>
+            <a:endCxn id="6" idx="0"/>
+          </p:cNvCxnSpPr>
+          <p:nvPr/>
+        </p:nvCxnSpPr>
+        <p:spPr>
+          <a:xfrm>
+            <a:off x="2843530" y="2816225"/>
+            <a:ext cx="0" cy="943610"/>
+          </a:xfrm>
+          <a:prstGeom prst="line">
+            <a:avLst/>
+          </a:prstGeom>
+          <a:ln w="38100">
+            <a:solidFill>
+              <a:srgbClr val="3EAF7C"/>
+            </a:solidFill>
+          </a:ln>
+        </p:spPr>
+        <p:style>
+          <a:lnRef idx="1">
+            <a:schemeClr val="accent1"/>
+          </a:lnRef>
+          <a:fillRef idx="0">
+            <a:schemeClr val="accent1"/>
+          </a:fillRef>
+          <a:effectRef idx="0">
+            <a:schemeClr val="accent1"/>
+          </a:effectRef>
+          <a:fontRef idx="minor">
+            <a:schemeClr val="tx1"/>
+          </a:fontRef>
+        </p:style>
+      </p:cxnSp>
+    </p:spTree>
+  </p:cSld>
+  <p:clrMapOvr>
+    <a:masterClrMapping/>
+  </p:clrMapOvr>
+</p:sld>
+</file>
+
+<file path=ppt/slides/slide8.xml><?xml version="1.0" encoding="utf-8"?>
+<p:sld xmlns:a="http://schemas.openxmlformats.org/drawingml/2006/main" xmlns:r="http://schemas.openxmlformats.org/officeDocument/2006/relationships" xmlns:p="http://schemas.openxmlformats.org/presentationml/2006/main">
+  <p:cSld>
+    <p:spTree>
+      <p:nvGrpSpPr>
+        <p:cNvPr id="1" name=""/>
+        <p:cNvGrpSpPr/>
+        <p:nvPr/>
+      </p:nvGrpSpPr>
+      <p:grpSpPr/>
+      <p:sp>
+        <p:nvSpPr>
+          <p:cNvPr id="4" name="文本框 3"/>
+          <p:cNvSpPr txBox="true"/>
+          <p:nvPr/>
+        </p:nvSpPr>
+        <p:spPr>
+          <a:xfrm>
+            <a:off x="841375" y="1017270"/>
+            <a:ext cx="1059180" cy="460375"/>
+          </a:xfrm>
+          <a:prstGeom prst="rect">
+            <a:avLst/>
+          </a:prstGeom>
+          <a:noFill/>
+        </p:spPr>
+        <p:txBody>
+          <a:bodyPr wrap="none" rtlCol="0">
+            <a:spAutoFit/>
+          </a:bodyPr>
+          <a:p>
+            <a:r>
+              <a:rPr lang="" altLang="zh-CN" sz="2400" b="1">
+                <a:solidFill>
+                  <a:srgbClr val="2C3E50"/>
+                </a:solidFill>
+              </a:rPr>
+              <a:t>sysfs</a:t>
+            </a:r>
+            <a:endParaRPr lang="" altLang="zh-CN" sz="2400" b="1">
+              <a:solidFill>
+                <a:srgbClr val="2C3E50"/>
+              </a:solidFill>
+            </a:endParaRPr>
+          </a:p>
+        </p:txBody>
+      </p:sp>
+      <p:sp>
+        <p:nvSpPr>
+          <p:cNvPr id="6" name="矩形 5"/>
+          <p:cNvSpPr/>
+          <p:nvPr/>
+        </p:nvSpPr>
+        <p:spPr>
+          <a:xfrm>
+            <a:off x="2557780" y="2387600"/>
+            <a:ext cx="1742440" cy="521970"/>
+          </a:xfrm>
+          <a:prstGeom prst="rect">
+            <a:avLst/>
+          </a:prstGeom>
+          <a:noFill/>
+          <a:ln w="38100">
+            <a:solidFill>
+              <a:srgbClr val="2C3E50"/>
+            </a:solidFill>
+          </a:ln>
+          <a:extLst>
+            <a:ext uri="{909E8E84-426E-40DD-AFC4-6F175D3DCCD1}">
+              <a14:hiddenFill xmlns:a14="http://schemas.microsoft.com/office/drawing/2010/main">
+                <a:solidFill>
+                  <a:schemeClr val="accent1"/>
+                </a:solidFill>
+              </a14:hiddenFill>
+            </a:ext>
+          </a:extLst>
+        </p:spPr>
+        <p:style>
+          <a:lnRef idx="2">
+            <a:schemeClr val="accent1">
+              <a:shade val="50000"/>
+            </a:schemeClr>
+          </a:lnRef>
+          <a:fillRef idx="1">
+            <a:schemeClr val="accent1"/>
+          </a:fillRef>
+          <a:effectRef idx="0">
+            <a:schemeClr val="accent1"/>
+          </a:effectRef>
+          <a:fontRef idx="minor">
+            <a:schemeClr val="lt1"/>
+          </a:fontRef>
+        </p:style>
+        <p:txBody>
+          <a:bodyPr rtlCol="0" anchor="ctr"/>
+          <a:p>
+            <a:pPr algn="ctr"/>
+            <a:r>
+              <a:rPr lang="" altLang="en-US" b="1">
+                <a:solidFill>
+                  <a:srgbClr val="2C3E50"/>
+                </a:solidFill>
+              </a:rPr>
+              <a:t>sysfs</a:t>
+            </a:r>
+            <a:endParaRPr lang="" altLang="en-US" b="1">
+              <a:solidFill>
+                <a:srgbClr val="2C3E50"/>
+              </a:solidFill>
+            </a:endParaRPr>
+          </a:p>
+        </p:txBody>
+      </p:sp>
+      <p:sp>
+        <p:nvSpPr>
+          <p:cNvPr id="2" name="矩形 1"/>
+          <p:cNvSpPr/>
+          <p:nvPr/>
+        </p:nvSpPr>
+        <p:spPr>
+          <a:xfrm>
+            <a:off x="2557780" y="6971665"/>
+            <a:ext cx="1742440" cy="521970"/>
+          </a:xfrm>
+          <a:prstGeom prst="rect">
+            <a:avLst/>
+          </a:prstGeom>
+          <a:noFill/>
+          <a:ln w="38100">
+            <a:solidFill>
+              <a:srgbClr val="2C3E50"/>
+            </a:solidFill>
+          </a:ln>
+          <a:extLst>
+            <a:ext uri="{909E8E84-426E-40DD-AFC4-6F175D3DCCD1}">
+              <a14:hiddenFill xmlns:a14="http://schemas.microsoft.com/office/drawing/2010/main">
+                <a:solidFill>
+                  <a:schemeClr val="accent1"/>
+                </a:solidFill>
+              </a14:hiddenFill>
+            </a:ext>
+          </a:extLst>
+        </p:spPr>
+        <p:style>
+          <a:lnRef idx="2">
+            <a:schemeClr val="accent1">
+              <a:shade val="50000"/>
+            </a:schemeClr>
+          </a:lnRef>
+          <a:fillRef idx="1">
+            <a:schemeClr val="accent1"/>
+          </a:fillRef>
+          <a:effectRef idx="0">
+            <a:schemeClr val="accent1"/>
+          </a:effectRef>
+          <a:fontRef idx="minor">
+            <a:schemeClr val="lt1"/>
+          </a:fontRef>
+        </p:style>
+        <p:txBody>
+          <a:bodyPr rtlCol="0" anchor="ctr"/>
+          <a:p>
+            <a:pPr algn="ctr"/>
+            <a:r>
+              <a:rPr lang="" altLang="en-US" b="1">
+                <a:solidFill>
+                  <a:srgbClr val="2C3E50"/>
+                </a:solidFill>
+              </a:rPr>
+              <a:t>kern</a:t>
+            </a:r>
+            <a:r>
+              <a:rPr lang="en-US" altLang="en-US" b="1">
+                <a:solidFill>
+                  <a:srgbClr val="2C3E50"/>
+                </a:solidFill>
+              </a:rPr>
+              <a:t>fs</a:t>
+            </a:r>
+            <a:endParaRPr lang="en-US" altLang="en-US" b="1">
+              <a:solidFill>
+                <a:srgbClr val="2C3E50"/>
+              </a:solidFill>
+            </a:endParaRPr>
+          </a:p>
+        </p:txBody>
+      </p:sp>
+      <p:sp>
+        <p:nvSpPr>
+          <p:cNvPr id="9" name="矩形 8"/>
+          <p:cNvSpPr/>
+          <p:nvPr/>
+        </p:nvSpPr>
+        <p:spPr>
+          <a:xfrm>
+            <a:off x="549275" y="3641090"/>
+            <a:ext cx="1271905" cy="521970"/>
+          </a:xfrm>
+          <a:prstGeom prst="rect">
+            <a:avLst/>
+          </a:prstGeom>
+          <a:noFill/>
+          <a:ln w="38100">
+            <a:solidFill>
+              <a:srgbClr val="2C3E50"/>
+            </a:solidFill>
+          </a:ln>
+          <a:extLst>
+            <a:ext uri="{909E8E84-426E-40DD-AFC4-6F175D3DCCD1}">
+              <a14:hiddenFill xmlns:a14="http://schemas.microsoft.com/office/drawing/2010/main">
+                <a:solidFill>
+                  <a:schemeClr val="accent1"/>
+                </a:solidFill>
+              </a14:hiddenFill>
+            </a:ext>
+          </a:extLst>
+        </p:spPr>
+        <p:style>
+          <a:lnRef idx="2">
+            <a:schemeClr val="accent1">
+              <a:shade val="50000"/>
+            </a:schemeClr>
+          </a:lnRef>
+          <a:fillRef idx="1">
+            <a:schemeClr val="accent1"/>
+          </a:fillRef>
+          <a:effectRef idx="0">
+            <a:schemeClr val="accent1"/>
+          </a:effectRef>
+          <a:fontRef idx="minor">
+            <a:schemeClr val="lt1"/>
+          </a:fontRef>
+        </p:style>
+        <p:txBody>
+          <a:bodyPr rtlCol="0" anchor="ctr"/>
+          <a:p>
+            <a:pPr algn="ctr"/>
+            <a:r>
+              <a:rPr lang="" altLang="en-US" sz="1200" b="1">
+                <a:solidFill>
+                  <a:srgbClr val="2C3E50"/>
+                </a:solidFill>
+              </a:rPr>
+              <a:t>super_block</a:t>
+            </a:r>
+            <a:endParaRPr lang="" altLang="en-US" sz="1200" b="1">
+              <a:solidFill>
+                <a:srgbClr val="2C3E50"/>
+              </a:solidFill>
+            </a:endParaRPr>
+          </a:p>
+        </p:txBody>
+      </p:sp>
+      <p:sp>
+        <p:nvSpPr>
+          <p:cNvPr id="10" name="矩形 9"/>
+          <p:cNvSpPr/>
+          <p:nvPr/>
+        </p:nvSpPr>
+        <p:spPr>
+          <a:xfrm>
+            <a:off x="2065655" y="3641090"/>
+            <a:ext cx="759460" cy="521970"/>
+          </a:xfrm>
+          <a:prstGeom prst="rect">
+            <a:avLst/>
+          </a:prstGeom>
+          <a:noFill/>
+          <a:ln w="38100">
+            <a:solidFill>
+              <a:srgbClr val="2C3E50"/>
+            </a:solidFill>
+          </a:ln>
+          <a:extLst>
+            <a:ext uri="{909E8E84-426E-40DD-AFC4-6F175D3DCCD1}">
+              <a14:hiddenFill xmlns:a14="http://schemas.microsoft.com/office/drawing/2010/main">
+                <a:solidFill>
+                  <a:schemeClr val="accent1"/>
+                </a:solidFill>
+              </a14:hiddenFill>
+            </a:ext>
+          </a:extLst>
+        </p:spPr>
+        <p:style>
+          <a:lnRef idx="2">
+            <a:schemeClr val="accent1">
+              <a:shade val="50000"/>
+            </a:schemeClr>
+          </a:lnRef>
+          <a:fillRef idx="1">
+            <a:schemeClr val="accent1"/>
+          </a:fillRef>
+          <a:effectRef idx="0">
+            <a:schemeClr val="accent1"/>
+          </a:effectRef>
+          <a:fontRef idx="minor">
+            <a:schemeClr val="lt1"/>
+          </a:fontRef>
+        </p:style>
+        <p:txBody>
+          <a:bodyPr rtlCol="0" anchor="ctr"/>
+          <a:p>
+            <a:pPr algn="ctr"/>
+            <a:r>
+              <a:rPr lang="" altLang="en-US" sz="1200" b="1">
+                <a:solidFill>
+                  <a:srgbClr val="2C3E50"/>
+                </a:solidFill>
+              </a:rPr>
+              <a:t>dir</a:t>
+            </a:r>
+            <a:endParaRPr lang="" altLang="en-US" sz="1200" b="1">
+              <a:solidFill>
+                <a:srgbClr val="2C3E50"/>
+              </a:solidFill>
+            </a:endParaRPr>
+          </a:p>
+        </p:txBody>
+      </p:sp>
+      <p:sp>
+        <p:nvSpPr>
+          <p:cNvPr id="11" name="矩形 10"/>
+          <p:cNvSpPr/>
+          <p:nvPr/>
+        </p:nvSpPr>
+        <p:spPr>
+          <a:xfrm>
+            <a:off x="3124835" y="3641090"/>
+            <a:ext cx="759460" cy="521970"/>
+          </a:xfrm>
+          <a:prstGeom prst="rect">
+            <a:avLst/>
+          </a:prstGeom>
+          <a:noFill/>
+          <a:ln w="38100">
+            <a:solidFill>
+              <a:srgbClr val="2C3E50"/>
+            </a:solidFill>
+          </a:ln>
+          <a:extLst>
+            <a:ext uri="{909E8E84-426E-40DD-AFC4-6F175D3DCCD1}">
+              <a14:hiddenFill xmlns:a14="http://schemas.microsoft.com/office/drawing/2010/main">
+                <a:solidFill>
+                  <a:schemeClr val="accent1"/>
+                </a:solidFill>
+              </a14:hiddenFill>
+            </a:ext>
+          </a:extLst>
+        </p:spPr>
+        <p:style>
+          <a:lnRef idx="2">
+            <a:schemeClr val="accent1">
+              <a:shade val="50000"/>
+            </a:schemeClr>
+          </a:lnRef>
+          <a:fillRef idx="1">
+            <a:schemeClr val="accent1"/>
+          </a:fillRef>
+          <a:effectRef idx="0">
+            <a:schemeClr val="accent1"/>
+          </a:effectRef>
+          <a:fontRef idx="minor">
+            <a:schemeClr val="lt1"/>
+          </a:fontRef>
+        </p:style>
+        <p:txBody>
+          <a:bodyPr rtlCol="0" anchor="ctr"/>
+          <a:p>
+            <a:pPr algn="ctr"/>
+            <a:r>
+              <a:rPr lang="" altLang="en-US" sz="1200" b="1">
+                <a:solidFill>
+                  <a:srgbClr val="2C3E50"/>
+                </a:solidFill>
+              </a:rPr>
+              <a:t>inode</a:t>
+            </a:r>
+            <a:endParaRPr lang="" altLang="en-US" sz="1200" b="1">
+              <a:solidFill>
+                <a:srgbClr val="2C3E50"/>
+              </a:solidFill>
+            </a:endParaRPr>
+          </a:p>
+        </p:txBody>
+      </p:sp>
+      <p:sp>
+        <p:nvSpPr>
+          <p:cNvPr id="12" name="矩形 11"/>
+          <p:cNvSpPr/>
+          <p:nvPr/>
+        </p:nvSpPr>
+        <p:spPr>
+          <a:xfrm>
+            <a:off x="4260215" y="3641090"/>
+            <a:ext cx="759460" cy="521970"/>
+          </a:xfrm>
+          <a:prstGeom prst="rect">
+            <a:avLst/>
+          </a:prstGeom>
+          <a:noFill/>
+          <a:ln w="38100">
+            <a:solidFill>
+              <a:srgbClr val="2C3E50"/>
+            </a:solidFill>
+          </a:ln>
+          <a:extLst>
+            <a:ext uri="{909E8E84-426E-40DD-AFC4-6F175D3DCCD1}">
+              <a14:hiddenFill xmlns:a14="http://schemas.microsoft.com/office/drawing/2010/main">
+                <a:solidFill>
+                  <a:schemeClr val="accent1"/>
+                </a:solidFill>
+              </a14:hiddenFill>
+            </a:ext>
+          </a:extLst>
+        </p:spPr>
+        <p:style>
+          <a:lnRef idx="2">
+            <a:schemeClr val="accent1">
+              <a:shade val="50000"/>
+            </a:schemeClr>
+          </a:lnRef>
+          <a:fillRef idx="1">
+            <a:schemeClr val="accent1"/>
+          </a:fillRef>
+          <a:effectRef idx="0">
+            <a:schemeClr val="accent1"/>
+          </a:effectRef>
+          <a:fontRef idx="minor">
+            <a:schemeClr val="lt1"/>
+          </a:fontRef>
+        </p:style>
+        <p:txBody>
+          <a:bodyPr rtlCol="0" anchor="ctr"/>
+          <a:p>
+            <a:pPr algn="ctr"/>
+            <a:r>
+              <a:rPr lang="" altLang="en-US" sz="1200" b="1">
+                <a:solidFill>
+                  <a:srgbClr val="2C3E50"/>
+                </a:solidFill>
+              </a:rPr>
+              <a:t>file</a:t>
+            </a:r>
+            <a:endParaRPr lang="" altLang="en-US" sz="1200" b="1">
+              <a:solidFill>
+                <a:srgbClr val="2C3E50"/>
+              </a:solidFill>
+            </a:endParaRPr>
+          </a:p>
+        </p:txBody>
+      </p:sp>
+      <p:sp>
+        <p:nvSpPr>
+          <p:cNvPr id="13" name="矩形 12"/>
+          <p:cNvSpPr/>
+          <p:nvPr/>
+        </p:nvSpPr>
+        <p:spPr>
+          <a:xfrm>
+            <a:off x="5548630" y="3641090"/>
+            <a:ext cx="759460" cy="521970"/>
+          </a:xfrm>
+          <a:prstGeom prst="rect">
+            <a:avLst/>
+          </a:prstGeom>
+          <a:noFill/>
+          <a:ln w="38100">
+            <a:solidFill>
+              <a:srgbClr val="2C3E50"/>
+            </a:solidFill>
+          </a:ln>
+          <a:extLst>
+            <a:ext uri="{909E8E84-426E-40DD-AFC4-6F175D3DCCD1}">
+              <a14:hiddenFill xmlns:a14="http://schemas.microsoft.com/office/drawing/2010/main">
+                <a:solidFill>
+                  <a:schemeClr val="accent1"/>
+                </a:solidFill>
+              </a14:hiddenFill>
+            </a:ext>
+          </a:extLst>
+        </p:spPr>
+        <p:style>
+          <a:lnRef idx="2">
+            <a:schemeClr val="accent1">
+              <a:shade val="50000"/>
+            </a:schemeClr>
+          </a:lnRef>
+          <a:fillRef idx="1">
+            <a:schemeClr val="accent1"/>
+          </a:fillRef>
+          <a:effectRef idx="0">
+            <a:schemeClr val="accent1"/>
+          </a:effectRef>
+          <a:fontRef idx="minor">
+            <a:schemeClr val="lt1"/>
+          </a:fontRef>
+        </p:style>
+        <p:txBody>
+          <a:bodyPr rtlCol="0" anchor="ctr"/>
+          <a:p>
+            <a:pPr algn="ctr"/>
+            <a:r>
+              <a:rPr lang="" altLang="en-US" sz="1200" b="1">
+                <a:solidFill>
+                  <a:srgbClr val="2C3E50"/>
+                </a:solidFill>
+              </a:rPr>
+              <a:t>mount</a:t>
+            </a:r>
+            <a:endParaRPr lang="" altLang="en-US" sz="1200" b="1">
+              <a:solidFill>
+                <a:srgbClr val="2C3E50"/>
+              </a:solidFill>
+            </a:endParaRPr>
+          </a:p>
+        </p:txBody>
+      </p:sp>
+      <p:sp>
+        <p:nvSpPr>
+          <p:cNvPr id="14" name="矩形 13"/>
+          <p:cNvSpPr/>
+          <p:nvPr/>
+        </p:nvSpPr>
+        <p:spPr>
+          <a:xfrm>
+            <a:off x="549275" y="5542915"/>
+            <a:ext cx="1271905" cy="521970"/>
+          </a:xfrm>
+          <a:prstGeom prst="rect">
+            <a:avLst/>
+          </a:prstGeom>
+          <a:noFill/>
+          <a:ln w="38100">
+            <a:solidFill>
+              <a:srgbClr val="2C3E50"/>
+            </a:solidFill>
+          </a:ln>
+          <a:extLst>
+            <a:ext uri="{909E8E84-426E-40DD-AFC4-6F175D3DCCD1}">
+              <a14:hiddenFill xmlns:a14="http://schemas.microsoft.com/office/drawing/2010/main">
+                <a:solidFill>
+                  <a:schemeClr val="accent1"/>
+                </a:solidFill>
+              </a14:hiddenFill>
+            </a:ext>
+          </a:extLst>
+        </p:spPr>
+        <p:style>
+          <a:lnRef idx="2">
+            <a:schemeClr val="accent1">
+              <a:shade val="50000"/>
+            </a:schemeClr>
+          </a:lnRef>
+          <a:fillRef idx="1">
+            <a:schemeClr val="accent1"/>
+          </a:fillRef>
+          <a:effectRef idx="0">
+            <a:schemeClr val="accent1"/>
+          </a:effectRef>
+          <a:fontRef idx="minor">
+            <a:schemeClr val="lt1"/>
+          </a:fontRef>
+        </p:style>
+        <p:txBody>
+          <a:bodyPr rtlCol="0" anchor="ctr"/>
+          <a:p>
+            <a:pPr algn="ctr"/>
+            <a:r>
+              <a:rPr lang="en-US" altLang="en-US" sz="1200" b="1">
+                <a:solidFill>
+                  <a:srgbClr val="2C3E50"/>
+                </a:solidFill>
+              </a:rPr>
+              <a:t>super_block</a:t>
+            </a:r>
+            <a:endParaRPr lang="en-US" altLang="en-US" sz="1200" b="1">
+              <a:solidFill>
+                <a:srgbClr val="2C3E50"/>
+              </a:solidFill>
+            </a:endParaRPr>
+          </a:p>
+        </p:txBody>
+      </p:sp>
+      <p:sp>
+        <p:nvSpPr>
+          <p:cNvPr id="15" name="矩形 14"/>
+          <p:cNvSpPr/>
+          <p:nvPr/>
+        </p:nvSpPr>
+        <p:spPr>
+          <a:xfrm>
+            <a:off x="2065655" y="5542915"/>
+            <a:ext cx="759460" cy="521970"/>
+          </a:xfrm>
+          <a:prstGeom prst="rect">
+            <a:avLst/>
+          </a:prstGeom>
+          <a:noFill/>
+          <a:ln w="38100">
+            <a:solidFill>
+              <a:srgbClr val="2C3E50"/>
+            </a:solidFill>
+          </a:ln>
+          <a:extLst>
+            <a:ext uri="{909E8E84-426E-40DD-AFC4-6F175D3DCCD1}">
+              <a14:hiddenFill xmlns:a14="http://schemas.microsoft.com/office/drawing/2010/main">
+                <a:solidFill>
+                  <a:schemeClr val="accent1"/>
+                </a:solidFill>
+              </a14:hiddenFill>
+            </a:ext>
+          </a:extLst>
+        </p:spPr>
+        <p:style>
+          <a:lnRef idx="2">
+            <a:schemeClr val="accent1">
+              <a:shade val="50000"/>
+            </a:schemeClr>
+          </a:lnRef>
+          <a:fillRef idx="1">
+            <a:schemeClr val="accent1"/>
+          </a:fillRef>
+          <a:effectRef idx="0">
+            <a:schemeClr val="accent1"/>
+          </a:effectRef>
+          <a:fontRef idx="minor">
+            <a:schemeClr val="lt1"/>
+          </a:fontRef>
+        </p:style>
+        <p:txBody>
+          <a:bodyPr rtlCol="0" anchor="ctr"/>
+          <a:p>
+            <a:pPr algn="ctr"/>
+            <a:r>
+              <a:rPr lang="en-US" altLang="en-US" sz="1200" b="1">
+                <a:solidFill>
+                  <a:srgbClr val="2C3E50"/>
+                </a:solidFill>
+              </a:rPr>
+              <a:t>dir</a:t>
+            </a:r>
+            <a:endParaRPr lang="en-US" altLang="en-US" sz="1200" b="1">
+              <a:solidFill>
+                <a:srgbClr val="2C3E50"/>
+              </a:solidFill>
+            </a:endParaRPr>
+          </a:p>
+        </p:txBody>
+      </p:sp>
+      <p:sp>
+        <p:nvSpPr>
+          <p:cNvPr id="16" name="矩形 15"/>
+          <p:cNvSpPr/>
+          <p:nvPr/>
+        </p:nvSpPr>
+        <p:spPr>
+          <a:xfrm>
+            <a:off x="3124835" y="5542915"/>
+            <a:ext cx="759460" cy="521970"/>
+          </a:xfrm>
+          <a:prstGeom prst="rect">
+            <a:avLst/>
+          </a:prstGeom>
+          <a:noFill/>
+          <a:ln w="38100">
+            <a:solidFill>
+              <a:srgbClr val="2C3E50"/>
+            </a:solidFill>
+          </a:ln>
+          <a:extLst>
+            <a:ext uri="{909E8E84-426E-40DD-AFC4-6F175D3DCCD1}">
+              <a14:hiddenFill xmlns:a14="http://schemas.microsoft.com/office/drawing/2010/main">
+                <a:solidFill>
+                  <a:schemeClr val="accent1"/>
+                </a:solidFill>
+              </a14:hiddenFill>
+            </a:ext>
+          </a:extLst>
+        </p:spPr>
+        <p:style>
+          <a:lnRef idx="2">
+            <a:schemeClr val="accent1">
+              <a:shade val="50000"/>
+            </a:schemeClr>
+          </a:lnRef>
+          <a:fillRef idx="1">
+            <a:schemeClr val="accent1"/>
+          </a:fillRef>
+          <a:effectRef idx="0">
+            <a:schemeClr val="accent1"/>
+          </a:effectRef>
+          <a:fontRef idx="minor">
+            <a:schemeClr val="lt1"/>
+          </a:fontRef>
+        </p:style>
+        <p:txBody>
+          <a:bodyPr rtlCol="0" anchor="ctr"/>
+          <a:p>
+            <a:pPr algn="ctr"/>
+            <a:r>
+              <a:rPr lang="en-US" altLang="en-US" sz="1200" b="1">
+                <a:solidFill>
+                  <a:srgbClr val="2C3E50"/>
+                </a:solidFill>
+              </a:rPr>
+              <a:t>inode</a:t>
+            </a:r>
+            <a:endParaRPr lang="en-US" altLang="en-US" sz="1200" b="1">
+              <a:solidFill>
+                <a:srgbClr val="2C3E50"/>
+              </a:solidFill>
+            </a:endParaRPr>
+          </a:p>
+        </p:txBody>
+      </p:sp>
+      <p:sp>
+        <p:nvSpPr>
+          <p:cNvPr id="17" name="矩形 16"/>
+          <p:cNvSpPr/>
+          <p:nvPr/>
+        </p:nvSpPr>
+        <p:spPr>
+          <a:xfrm>
+            <a:off x="4260215" y="5542915"/>
+            <a:ext cx="759460" cy="521970"/>
+          </a:xfrm>
+          <a:prstGeom prst="rect">
+            <a:avLst/>
+          </a:prstGeom>
+          <a:noFill/>
+          <a:ln w="38100">
+            <a:solidFill>
+              <a:srgbClr val="2C3E50"/>
+            </a:solidFill>
+          </a:ln>
+          <a:extLst>
+            <a:ext uri="{909E8E84-426E-40DD-AFC4-6F175D3DCCD1}">
+              <a14:hiddenFill xmlns:a14="http://schemas.microsoft.com/office/drawing/2010/main">
+                <a:solidFill>
+                  <a:schemeClr val="accent1"/>
+                </a:solidFill>
+              </a14:hiddenFill>
+            </a:ext>
+          </a:extLst>
+        </p:spPr>
+        <p:style>
+          <a:lnRef idx="2">
+            <a:schemeClr val="accent1">
+              <a:shade val="50000"/>
+            </a:schemeClr>
+          </a:lnRef>
+          <a:fillRef idx="1">
+            <a:schemeClr val="accent1"/>
+          </a:fillRef>
+          <a:effectRef idx="0">
+            <a:schemeClr val="accent1"/>
+          </a:effectRef>
+          <a:fontRef idx="minor">
+            <a:schemeClr val="lt1"/>
+          </a:fontRef>
+        </p:style>
+        <p:txBody>
+          <a:bodyPr rtlCol="0" anchor="ctr"/>
+          <a:p>
+            <a:pPr algn="ctr"/>
+            <a:r>
+              <a:rPr lang="en-US" altLang="en-US" sz="1200" b="1">
+                <a:solidFill>
+                  <a:srgbClr val="2C3E50"/>
+                </a:solidFill>
+              </a:rPr>
+              <a:t>file</a:t>
+            </a:r>
+            <a:endParaRPr lang="en-US" altLang="en-US" sz="1200" b="1">
+              <a:solidFill>
+                <a:srgbClr val="2C3E50"/>
+              </a:solidFill>
+            </a:endParaRPr>
+          </a:p>
+        </p:txBody>
+      </p:sp>
+      <p:sp>
+        <p:nvSpPr>
+          <p:cNvPr id="18" name="矩形 17"/>
+          <p:cNvSpPr/>
+          <p:nvPr/>
+        </p:nvSpPr>
+        <p:spPr>
+          <a:xfrm>
+            <a:off x="5548630" y="5542915"/>
+            <a:ext cx="759460" cy="521970"/>
+          </a:xfrm>
+          <a:prstGeom prst="rect">
+            <a:avLst/>
+          </a:prstGeom>
+          <a:noFill/>
+          <a:ln w="38100">
+            <a:solidFill>
+              <a:srgbClr val="2C3E50"/>
+            </a:solidFill>
+          </a:ln>
+          <a:extLst>
+            <a:ext uri="{909E8E84-426E-40DD-AFC4-6F175D3DCCD1}">
+              <a14:hiddenFill xmlns:a14="http://schemas.microsoft.com/office/drawing/2010/main">
+                <a:solidFill>
+                  <a:schemeClr val="accent1"/>
+                </a:solidFill>
+              </a14:hiddenFill>
+            </a:ext>
+          </a:extLst>
+        </p:spPr>
+        <p:style>
+          <a:lnRef idx="2">
+            <a:schemeClr val="accent1">
+              <a:shade val="50000"/>
+            </a:schemeClr>
+          </a:lnRef>
+          <a:fillRef idx="1">
+            <a:schemeClr val="accent1"/>
+          </a:fillRef>
+          <a:effectRef idx="0">
+            <a:schemeClr val="accent1"/>
+          </a:effectRef>
+          <a:fontRef idx="minor">
+            <a:schemeClr val="lt1"/>
+          </a:fontRef>
+        </p:style>
+        <p:txBody>
+          <a:bodyPr rtlCol="0" anchor="ctr"/>
+          <a:p>
+            <a:pPr algn="ctr"/>
+            <a:r>
+              <a:rPr lang="en-US" altLang="en-US" sz="1200" b="1">
+                <a:solidFill>
+                  <a:srgbClr val="2C3E50"/>
+                </a:solidFill>
+              </a:rPr>
+              <a:t>mount</a:t>
+            </a:r>
+            <a:endParaRPr lang="en-US" altLang="en-US" sz="1200" b="1">
+              <a:solidFill>
+                <a:srgbClr val="2C3E50"/>
+              </a:solidFill>
+            </a:endParaRPr>
+          </a:p>
+        </p:txBody>
+      </p:sp>
+      <p:sp>
+        <p:nvSpPr>
+          <p:cNvPr id="19" name="右大括号 18"/>
+          <p:cNvSpPr/>
+          <p:nvPr/>
+        </p:nvSpPr>
+        <p:spPr>
+          <a:xfrm rot="16200000">
+            <a:off x="3204845" y="396240"/>
+            <a:ext cx="448310" cy="5758815"/>
+          </a:xfrm>
+          <a:prstGeom prst="rightBrace">
+            <a:avLst>
+              <a:gd name="adj1" fmla="val 8333"/>
+              <a:gd name="adj2" fmla="val 49580"/>
+            </a:avLst>
+          </a:prstGeom>
+          <a:ln w="38100">
+            <a:solidFill>
+              <a:srgbClr val="3EAF7C"/>
+            </a:solidFill>
+          </a:ln>
+        </p:spPr>
+        <p:style>
+          <a:lnRef idx="1">
+            <a:schemeClr val="accent1"/>
+          </a:lnRef>
+          <a:fillRef idx="0">
+            <a:schemeClr val="accent1"/>
+          </a:fillRef>
+          <a:effectRef idx="0">
+            <a:schemeClr val="accent1"/>
+          </a:effectRef>
+          <a:fontRef idx="minor">
+            <a:schemeClr val="tx1"/>
+          </a:fontRef>
+        </p:style>
+        <p:txBody>
+          <a:bodyPr rtlCol="0" anchor="ctr"/>
+          <a:p>
+            <a:pPr algn="ctr"/>
+            <a:endParaRPr lang="zh-CN" altLang="en-US"/>
+          </a:p>
+        </p:txBody>
+      </p:sp>
+      <p:sp>
+        <p:nvSpPr>
+          <p:cNvPr id="20" name="右大括号 19"/>
+          <p:cNvSpPr/>
+          <p:nvPr/>
+        </p:nvSpPr>
+        <p:spPr>
+          <a:xfrm rot="5400000">
+            <a:off x="3204210" y="3468370"/>
+            <a:ext cx="448310" cy="5758815"/>
+          </a:xfrm>
+          <a:prstGeom prst="rightBrace">
+            <a:avLst>
+              <a:gd name="adj1" fmla="val 8333"/>
+              <a:gd name="adj2" fmla="val 49580"/>
+            </a:avLst>
+          </a:prstGeom>
+          <a:ln w="38100">
+            <a:solidFill>
+              <a:srgbClr val="3EAF7C"/>
+            </a:solidFill>
+          </a:ln>
+        </p:spPr>
+        <p:style>
+          <a:lnRef idx="1">
+            <a:schemeClr val="accent1"/>
+          </a:lnRef>
+          <a:fillRef idx="0">
+            <a:schemeClr val="accent1"/>
+          </a:fillRef>
+          <a:effectRef idx="0">
+            <a:schemeClr val="accent1"/>
+          </a:effectRef>
+          <a:fontRef idx="minor">
+            <a:schemeClr val="tx1"/>
+          </a:fontRef>
+        </p:style>
+        <p:txBody>
+          <a:bodyPr rtlCol="0" anchor="ctr"/>
+          <a:p>
+            <a:pPr algn="ctr"/>
+            <a:endParaRPr lang="zh-CN" altLang="en-US"/>
+          </a:p>
+        </p:txBody>
+      </p:sp>
+      <p:cxnSp>
+        <p:nvCxnSpPr>
+          <p:cNvPr id="21" name="直接箭头连接符 20"/>
+          <p:cNvCxnSpPr>
+            <a:stCxn id="9" idx="2"/>
+            <a:endCxn id="14" idx="0"/>
+          </p:cNvCxnSpPr>
+          <p:nvPr/>
+        </p:nvCxnSpPr>
+        <p:spPr>
+          <a:xfrm>
+            <a:off x="1185545" y="4163060"/>
+            <a:ext cx="0" cy="1379855"/>
+          </a:xfrm>
+          <a:prstGeom prst="straightConnector1">
+            <a:avLst/>
+          </a:prstGeom>
+          <a:ln w="38100">
+            <a:solidFill>
+              <a:srgbClr val="3EAF7C"/>
+            </a:solidFill>
+            <a:tailEnd type="arrow"/>
+          </a:ln>
+        </p:spPr>
+        <p:style>
+          <a:lnRef idx="1">
+            <a:schemeClr val="accent1"/>
+          </a:lnRef>
+          <a:fillRef idx="0">
+            <a:schemeClr val="accent1"/>
+          </a:fillRef>
+          <a:effectRef idx="0">
+            <a:schemeClr val="accent1"/>
+          </a:effectRef>
+          <a:fontRef idx="minor">
+            <a:schemeClr val="tx1"/>
+          </a:fontRef>
+        </p:style>
+      </p:cxnSp>
+      <p:cxnSp>
+        <p:nvCxnSpPr>
+          <p:cNvPr id="22" name="直接箭头连接符 21"/>
+          <p:cNvCxnSpPr>
+            <a:stCxn id="10" idx="2"/>
+            <a:endCxn id="15" idx="0"/>
+          </p:cNvCxnSpPr>
+          <p:nvPr/>
+        </p:nvCxnSpPr>
+        <p:spPr>
+          <a:xfrm>
+            <a:off x="2445385" y="4163060"/>
+            <a:ext cx="0" cy="1379855"/>
+          </a:xfrm>
+          <a:prstGeom prst="straightConnector1">
+            <a:avLst/>
+          </a:prstGeom>
+          <a:ln w="38100">
+            <a:solidFill>
+              <a:srgbClr val="3EAF7C"/>
+            </a:solidFill>
+            <a:tailEnd type="arrow"/>
+          </a:ln>
+        </p:spPr>
+        <p:style>
+          <a:lnRef idx="1">
+            <a:schemeClr val="accent1"/>
+          </a:lnRef>
+          <a:fillRef idx="0">
+            <a:schemeClr val="accent1"/>
+          </a:fillRef>
+          <a:effectRef idx="0">
+            <a:schemeClr val="accent1"/>
+          </a:effectRef>
+          <a:fontRef idx="minor">
+            <a:schemeClr val="tx1"/>
+          </a:fontRef>
+        </p:style>
+      </p:cxnSp>
+      <p:cxnSp>
+        <p:nvCxnSpPr>
+          <p:cNvPr id="23" name="直接箭头连接符 22"/>
+          <p:cNvCxnSpPr>
+            <a:stCxn id="11" idx="2"/>
+            <a:endCxn id="16" idx="0"/>
+          </p:cNvCxnSpPr>
+          <p:nvPr/>
+        </p:nvCxnSpPr>
+        <p:spPr>
+          <a:xfrm>
+            <a:off x="3504565" y="4163060"/>
+            <a:ext cx="0" cy="1379855"/>
+          </a:xfrm>
+          <a:prstGeom prst="straightConnector1">
+            <a:avLst/>
+          </a:prstGeom>
+          <a:ln w="38100">
+            <a:solidFill>
+              <a:srgbClr val="3EAF7C"/>
+            </a:solidFill>
+            <a:tailEnd type="arrow"/>
+          </a:ln>
+        </p:spPr>
+        <p:style>
+          <a:lnRef idx="1">
+            <a:schemeClr val="accent1"/>
+          </a:lnRef>
+          <a:fillRef idx="0">
+            <a:schemeClr val="accent1"/>
+          </a:fillRef>
+          <a:effectRef idx="0">
+            <a:schemeClr val="accent1"/>
+          </a:effectRef>
+          <a:fontRef idx="minor">
+            <a:schemeClr val="tx1"/>
+          </a:fontRef>
+        </p:style>
+      </p:cxnSp>
+      <p:cxnSp>
+        <p:nvCxnSpPr>
+          <p:cNvPr id="24" name="直接箭头连接符 23"/>
+          <p:cNvCxnSpPr>
+            <a:stCxn id="12" idx="2"/>
+            <a:endCxn id="17" idx="0"/>
+          </p:cNvCxnSpPr>
+          <p:nvPr/>
+        </p:nvCxnSpPr>
+        <p:spPr>
+          <a:xfrm>
+            <a:off x="4639945" y="4163060"/>
+            <a:ext cx="0" cy="1379855"/>
+          </a:xfrm>
+          <a:prstGeom prst="straightConnector1">
+            <a:avLst/>
+          </a:prstGeom>
+          <a:ln w="38100">
+            <a:solidFill>
+              <a:srgbClr val="3EAF7C"/>
+            </a:solidFill>
+            <a:tailEnd type="arrow"/>
+          </a:ln>
+        </p:spPr>
+        <p:style>
+          <a:lnRef idx="1">
+            <a:schemeClr val="accent1"/>
+          </a:lnRef>
+          <a:fillRef idx="0">
+            <a:schemeClr val="accent1"/>
+          </a:fillRef>
+          <a:effectRef idx="0">
+            <a:schemeClr val="accent1"/>
+          </a:effectRef>
+          <a:fontRef idx="minor">
+            <a:schemeClr val="tx1"/>
+          </a:fontRef>
+        </p:style>
+      </p:cxnSp>
+      <p:cxnSp>
+        <p:nvCxnSpPr>
+          <p:cNvPr id="25" name="直接箭头连接符 24"/>
+          <p:cNvCxnSpPr>
+            <a:stCxn id="13" idx="2"/>
+            <a:endCxn id="18" idx="0"/>
+          </p:cNvCxnSpPr>
+          <p:nvPr/>
+        </p:nvCxnSpPr>
+        <p:spPr>
+          <a:xfrm>
+            <a:off x="5928360" y="4163060"/>
+            <a:ext cx="0" cy="1379855"/>
+          </a:xfrm>
+          <a:prstGeom prst="straightConnector1">
+            <a:avLst/>
+          </a:prstGeom>
+          <a:ln w="38100">
+            <a:solidFill>
+              <a:srgbClr val="3EAF7C"/>
+            </a:solidFill>
+            <a:tailEnd type="arrow"/>
+          </a:ln>
+        </p:spPr>
+        <p:style>
+          <a:lnRef idx="1">
+            <a:schemeClr val="accent1"/>
+          </a:lnRef>
+          <a:fillRef idx="0">
+            <a:schemeClr val="accent1"/>
+          </a:fillRef>
+          <a:effectRef idx="0">
+            <a:schemeClr val="accent1"/>
+          </a:effectRef>
+          <a:fontRef idx="minor">
+            <a:schemeClr val="tx1"/>
+          </a:fontRef>
+        </p:style>
+      </p:cxnSp>
+    </p:spTree>
+  </p:cSld>
+  <p:clrMapOvr>
+    <a:masterClrMapping/>
+  </p:clrMapOvr>
+</p:sld>
+</file>
+
+<file path=ppt/slides/slide9.xml><?xml version="1.0" encoding="utf-8"?>
+<p:sld xmlns:a="http://schemas.openxmlformats.org/drawingml/2006/main" xmlns:r="http://schemas.openxmlformats.org/officeDocument/2006/relationships" xmlns:p="http://schemas.openxmlformats.org/presentationml/2006/main">
+  <p:cSld>
+    <p:spTree>
+      <p:nvGrpSpPr>
+        <p:cNvPr id="1" name=""/>
+        <p:cNvGrpSpPr/>
+        <p:nvPr/>
+      </p:nvGrpSpPr>
+      <p:grpSpPr/>
     </p:spTree>
   </p:cSld>
   <p:clrMapOvr>
@@ -17862,12 +19800,12 @@
     </a:clrScheme>
     <a:fontScheme name="Arial Black-Arial">
       <a:majorFont>
-        <a:latin typeface="Arial Black"/>
+        <a:latin typeface="DejaVu Sans"/>
         <a:ea typeface=""/>
         <a:cs typeface=""/>
         <a:font script="Jpan" typeface="ＭＳ ゴシック"/>
         <a:font script="Hang" typeface="굴림"/>
-        <a:font script="Hans" typeface="宋体"/>
+        <a:font script="Hans" typeface="文泉驿微米黑"/>
         <a:font script="Hant" typeface="新細明體"/>
         <a:font script="Arab" typeface="Tahoma"/>
         <a:font script="Hebr" typeface="Tahoma"/>
@@ -17897,15 +19835,15 @@
         <a:font script="Geor" typeface="Sylfaen"/>
       </a:majorFont>
       <a:minorFont>
-        <a:latin typeface="Arial"/>
+        <a:latin typeface="DejaVu Sans"/>
         <a:ea typeface=""/>
         <a:cs typeface=""/>
         <a:font script="Jpan" typeface="ＭＳ Ｐゴシック"/>
         <a:font script="Hang" typeface="굴림"/>
-        <a:font script="Hans" typeface="宋体"/>
+        <a:font script="Hans" typeface="文泉驿微米黑"/>
         <a:font script="Hant" typeface="新細明體"/>
-        <a:font script="Arab" typeface="Arial"/>
-        <a:font script="Hebr" typeface="Arial"/>
+        <a:font script="Arab" typeface="DejaVu Sans"/>
+        <a:font script="Hebr" typeface="DejaVu Sans"/>
         <a:font script="Thai" typeface="Cordia New"/>
         <a:font script="Ethi" typeface="Nyala"/>
         <a:font script="Beng" typeface="Vrinda"/>
@@ -17927,7 +19865,7 @@
         <a:font script="Laoo" typeface="DokChampa"/>
         <a:font script="Sinh" typeface="Iskoola Pota"/>
         <a:font script="Mong" typeface="Mongolian Baiti"/>
-        <a:font script="Viet" typeface="Arial"/>
+        <a:font script="Viet" typeface="DejaVu Sans"/>
         <a:font script="Uigh" typeface="Microsoft Uighur"/>
         <a:font script="Geor" typeface="Sylfaen"/>
       </a:minorFont>
@@ -18121,12 +20059,12 @@
     </a:clrScheme>
     <a:fontScheme name="Office">
       <a:majorFont>
-        <a:latin typeface="宋体"/>
+        <a:latin typeface="文泉驿微米黑"/>
         <a:ea typeface=""/>
         <a:cs typeface=""/>
         <a:font script="Jpan" typeface="游ゴシック Light"/>
         <a:font script="Hang" typeface="맑은 고딕"/>
-        <a:font script="Hans" typeface="宋体"/>
+        <a:font script="Hans" typeface="文泉驿微米黑"/>
         <a:font script="Hant" typeface="新細明體"/>
         <a:font script="Arab" typeface="Times New Roman"/>
         <a:font script="Hebr" typeface="Times New Roman"/>
@@ -18156,15 +20094,15 @@
         <a:font script="Geor" typeface="Sylfaen"/>
       </a:majorFont>
       <a:minorFont>
-        <a:latin typeface="宋体"/>
+        <a:latin typeface="文泉驿微米黑"/>
         <a:ea typeface=""/>
         <a:cs typeface=""/>
         <a:font script="Jpan" typeface="游ゴシック"/>
         <a:font script="Hang" typeface="맑은 고딕"/>
-        <a:font script="Hans" typeface="宋体"/>
+        <a:font script="Hans" typeface="文泉驿微米黑"/>
         <a:font script="Hant" typeface="新細明體"/>
-        <a:font script="Arab" typeface="Arial"/>
-        <a:font script="Hebr" typeface="Arial"/>
+        <a:font script="Arab" typeface="DejaVu Sans"/>
+        <a:font script="Hebr" typeface="DejaVu Sans"/>
         <a:font script="Thai" typeface="Cordia New"/>
         <a:font script="Ethi" typeface="Nyala"/>
         <a:font script="Beng" typeface="Vrinda"/>
@@ -18186,7 +20124,7 @@
         <a:font script="Laoo" typeface="DokChampa"/>
         <a:font script="Sinh" typeface="Iskoola Pota"/>
         <a:font script="Mong" typeface="Mongolian Baiti"/>
-        <a:font script="Viet" typeface="Arial"/>
+        <a:font script="Viet" typeface="DejaVu Sans"/>
         <a:font script="Uigh" typeface="Microsoft Uighur"/>
         <a:font script="Geor" typeface="Sylfaen"/>
       </a:minorFont>
@@ -18385,7 +20323,7 @@
         <a:cs typeface=""/>
         <a:font script="Jpan" typeface="ＭＳ Ｐゴシック"/>
         <a:font script="Hang" typeface="맑은 고딕"/>
-        <a:font script="Hans" typeface="宋体"/>
+        <a:font script="Hans" typeface="文泉驿微米黑"/>
         <a:font script="Hant" typeface="新細明體"/>
         <a:font script="Arab" typeface="Times New Roman"/>
         <a:font script="Hebr" typeface="Times New Roman"/>
@@ -18415,15 +20353,15 @@
         <a:font script="Geor" typeface="Sylfaen"/>
       </a:majorFont>
       <a:minorFont>
-        <a:latin typeface="Calibri"/>
+        <a:latin typeface="DejaVu Sans"/>
         <a:ea typeface=""/>
         <a:cs typeface=""/>
         <a:font script="Jpan" typeface="ＭＳ Ｐゴシック"/>
         <a:font script="Hang" typeface="맑은 고딕"/>
-        <a:font script="Hans" typeface="宋体"/>
+        <a:font script="Hans" typeface="文泉驿微米黑"/>
         <a:font script="Hant" typeface="新細明體"/>
-        <a:font script="Arab" typeface="Arial"/>
-        <a:font script="Hebr" typeface="Arial"/>
+        <a:font script="Arab" typeface="DejaVu Sans"/>
+        <a:font script="Hebr" typeface="DejaVu Sans"/>
         <a:font script="Thai" typeface="Cordia New"/>
         <a:font script="Ethi" typeface="Nyala"/>
         <a:font script="Beng" typeface="Vrinda"/>
@@ -18445,7 +20383,7 @@
         <a:font script="Laoo" typeface="DokChampa"/>
         <a:font script="Sinh" typeface="Iskoola Pota"/>
         <a:font script="Mong" typeface="Mongolian Baiti"/>
-        <a:font script="Viet" typeface="Arial"/>
+        <a:font script="Viet" typeface="DejaVu Sans"/>
         <a:font script="Uigh" typeface="Microsoft Uighur"/>
         <a:font script="Geor" typeface="Sylfaen"/>
       </a:minorFont>

--- a/picture/ppt/filesystem/filesystem.pptx
+++ b/picture/ppt/filesystem/filesystem.pptx
@@ -10793,7 +10793,7 @@
         </p:nvSpPr>
         <p:spPr>
           <a:xfrm>
-            <a:off x="2557780" y="2387600"/>
+            <a:off x="1640840" y="2059305"/>
             <a:ext cx="1742440" cy="521970"/>
           </a:xfrm>
           <a:prstGeom prst="rect">
@@ -11862,6 +11862,72 @@
           </a:fontRef>
         </p:style>
       </p:cxnSp>
+      <p:sp>
+        <p:nvSpPr>
+          <p:cNvPr id="3" name="矩形 2"/>
+          <p:cNvSpPr/>
+          <p:nvPr/>
+        </p:nvSpPr>
+        <p:spPr>
+          <a:xfrm>
+            <a:off x="3383280" y="2059305"/>
+            <a:ext cx="1742440" cy="521970"/>
+          </a:xfrm>
+          <a:prstGeom prst="rect">
+            <a:avLst/>
+          </a:prstGeom>
+          <a:noFill/>
+          <a:ln w="38100">
+            <a:solidFill>
+              <a:srgbClr val="2C3E50"/>
+            </a:solidFill>
+          </a:ln>
+          <a:extLst>
+            <a:ext uri="{909E8E84-426E-40DD-AFC4-6F175D3DCCD1}">
+              <a14:hiddenFill xmlns:a14="http://schemas.microsoft.com/office/drawing/2010/main">
+                <a:solidFill>
+                  <a:schemeClr val="accent1"/>
+                </a:solidFill>
+              </a14:hiddenFill>
+            </a:ext>
+          </a:extLst>
+        </p:spPr>
+        <p:style>
+          <a:lnRef idx="2">
+            <a:schemeClr val="accent1">
+              <a:shade val="50000"/>
+            </a:schemeClr>
+          </a:lnRef>
+          <a:fillRef idx="1">
+            <a:schemeClr val="accent1"/>
+          </a:fillRef>
+          <a:effectRef idx="0">
+            <a:schemeClr val="accent1"/>
+          </a:effectRef>
+          <a:fontRef idx="minor">
+            <a:schemeClr val="lt1"/>
+          </a:fontRef>
+        </p:style>
+        <p:txBody>
+          <a:bodyPr rtlCol="0" anchor="ctr"/>
+          <a:p>
+            <a:pPr algn="ctr"/>
+            <a:r>
+              <a:rPr lang="" altLang="en-US" b="1">
+                <a:solidFill>
+                  <a:srgbClr val="2C3E50"/>
+                </a:solidFill>
+              </a:rPr>
+              <a:t>cgroup</a:t>
+            </a:r>
+            <a:endParaRPr lang="" altLang="en-US" b="1">
+              <a:solidFill>
+                <a:srgbClr val="2C3E50"/>
+              </a:solidFill>
+            </a:endParaRPr>
+          </a:p>
+        </p:txBody>
+      </p:sp>
     </p:spTree>
   </p:cSld>
   <p:clrMapOvr>
@@ -11902,7 +11968,7 @@
           </a:bodyPr>
           <a:p>
             <a:r>
-              <a:rPr lang="" altLang="en-US" sz="2400" b="1">
+              <a:rPr lang="en-US" altLang="en-US" sz="2400" b="1">
                 <a:solidFill>
                   <a:srgbClr val="2C3E50"/>
                 </a:solidFill>
@@ -11976,14 +12042,14 @@
           <a:p>
             <a:pPr algn="ctr"/>
             <a:r>
-              <a:rPr lang="" altLang="en-US" b="1">
+              <a:rPr lang="en-US" altLang="en-US" b="1">
                 <a:solidFill>
                   <a:srgbClr val="2C3E50"/>
                 </a:solidFill>
               </a:rPr>
               <a:t>rootfs</a:t>
             </a:r>
-            <a:endParaRPr lang="" altLang="en-US" b="1">
+            <a:endParaRPr lang="en-US" altLang="en-US" b="1">
               <a:solidFill>
                 <a:srgbClr val="2C3E50"/>
               </a:solidFill>
@@ -12042,14 +12108,14 @@
           <a:p>
             <a:pPr algn="ctr"/>
             <a:r>
-              <a:rPr lang="" altLang="en-US" b="1">
+              <a:rPr lang="en-US" altLang="en-US" b="1">
                 <a:solidFill>
                   <a:srgbClr val="2C3E50"/>
                 </a:solidFill>
               </a:rPr>
               <a:t>shmem</a:t>
             </a:r>
-            <a:endParaRPr lang="" altLang="en-US" b="1">
+            <a:endParaRPr lang="en-US" altLang="en-US" b="1">
               <a:solidFill>
                 <a:srgbClr val="2C3E50"/>
               </a:solidFill>
@@ -12108,20 +12174,12 @@
           <a:p>
             <a:pPr algn="ctr"/>
             <a:r>
-              <a:rPr lang="" altLang="en-US" b="1">
+              <a:rPr lang="en-US" altLang="en-US" b="1">
                 <a:solidFill>
                   <a:srgbClr val="2C3E50"/>
                 </a:solidFill>
               </a:rPr>
-              <a:t>ram</a:t>
-            </a:r>
-            <a:r>
-              <a:rPr lang="en-US" altLang="en-US" b="1">
-                <a:solidFill>
-                  <a:srgbClr val="2C3E50"/>
-                </a:solidFill>
-              </a:rPr>
-              <a:t>fs</a:t>
+              <a:t>ramfs</a:t>
             </a:r>
             <a:endParaRPr lang="en-US" altLang="en-US" b="1">
               <a:solidFill>
@@ -12289,14 +12347,14 @@
           </a:bodyPr>
           <a:p>
             <a:r>
-              <a:rPr lang="" altLang="en-US" sz="2400" b="1">
+              <a:rPr lang="en-US" altLang="en-US" sz="2400" b="1">
                 <a:solidFill>
                   <a:srgbClr val="2C3E50"/>
                 </a:solidFill>
               </a:rPr>
               <a:t>vfs : inode dir file spuer_block</a:t>
             </a:r>
-            <a:endParaRPr lang="" altLang="en-US" sz="2400" b="1">
+            <a:endParaRPr lang="en-US" altLang="en-US" sz="2400" b="1">
               <a:solidFill>
                 <a:srgbClr val="2C3E50"/>
               </a:solidFill>
@@ -12545,14 +12603,14 @@
             <a:p>
               <a:pPr algn="ctr"/>
               <a:r>
-                <a:rPr lang="" altLang="en-US" sz="1400" b="1">
+                <a:rPr lang="en-US" altLang="en-US" sz="1400" b="1">
                   <a:solidFill>
                     <a:srgbClr val="2C3E50"/>
                   </a:solidFill>
                 </a:rPr>
                 <a:t>dir</a:t>
               </a:r>
-              <a:endParaRPr lang="" altLang="en-US" sz="1400" b="1">
+              <a:endParaRPr lang="en-US" altLang="en-US" sz="1400" b="1">
                 <a:solidFill>
                   <a:srgbClr val="2C3E50"/>
                 </a:solidFill>
@@ -12560,7 +12618,7 @@
             </a:p>
             <a:p>
               <a:pPr algn="ctr"/>
-              <a:endParaRPr lang="" altLang="en-US" sz="1400" b="1">
+              <a:endParaRPr lang="en-US" altLang="en-US" sz="1400" b="1">
                 <a:solidFill>
                   <a:srgbClr val="2C3E50"/>
                 </a:solidFill>
@@ -12708,7 +12766,7 @@
                 </a:rPr>
                 <a:t>super_block</a:t>
               </a:r>
-              <a:endParaRPr lang="" altLang="en-US" sz="1400" b="1">
+              <a:endParaRPr lang="en-US" altLang="en-US" sz="1400" b="1">
                 <a:solidFill>
                   <a:srgbClr val="2C3E50"/>
                 </a:solidFill>
@@ -13106,14 +13164,14 @@
             <a:p>
               <a:pPr algn="ctr"/>
               <a:r>
-                <a:rPr lang="" altLang="en-US" sz="1400" b="1">
+                <a:rPr lang="en-US" altLang="en-US" sz="1400" b="1">
                   <a:solidFill>
                     <a:srgbClr val="2C3E50"/>
                   </a:solidFill>
                 </a:rPr>
                 <a:t>file</a:t>
               </a:r>
-              <a:endParaRPr lang="" altLang="en-US" sz="1400" b="1">
+              <a:endParaRPr lang="en-US" altLang="en-US" sz="1400" b="1">
                 <a:solidFill>
                   <a:srgbClr val="2C3E50"/>
                 </a:solidFill>
@@ -13121,7 +13179,7 @@
             </a:p>
             <a:p>
               <a:pPr algn="ctr"/>
-              <a:endParaRPr lang="" altLang="en-US" sz="1400" b="1">
+              <a:endParaRPr lang="en-US" altLang="en-US" sz="1400" b="1">
                 <a:solidFill>
                   <a:srgbClr val="2C3E50"/>
                 </a:solidFill>
@@ -13247,7 +13305,7 @@
             <a:p>
               <a:pPr algn="ctr"/>
               <a:r>
-                <a:rPr lang="" altLang="zh-CN" sz="1000" b="1">
+                <a:rPr lang="en-US" altLang="zh-CN" sz="1000" b="1">
                   <a:solidFill>
                     <a:srgbClr val="2C3E50"/>
                   </a:solidFill>
@@ -13336,14 +13394,14 @@
             <a:p>
               <a:pPr algn="ctr"/>
               <a:r>
-                <a:rPr lang="" altLang="en-US" sz="1400" b="1">
+                <a:rPr lang="en-US" altLang="en-US" sz="1400" b="1">
                   <a:solidFill>
                     <a:srgbClr val="2C3E50"/>
                   </a:solidFill>
                 </a:rPr>
                 <a:t>inode</a:t>
               </a:r>
-              <a:endParaRPr lang="" altLang="en-US" sz="1400" b="1">
+              <a:endParaRPr lang="en-US" altLang="en-US" sz="1400" b="1">
                 <a:solidFill>
                   <a:srgbClr val="2C3E50"/>
                 </a:solidFill>
@@ -13402,7 +13460,7 @@
             <a:p>
               <a:pPr algn="ctr"/>
               <a:r>
-                <a:rPr lang="" altLang="zh-CN" sz="1000" b="1">
+                <a:rPr lang="en-US" altLang="zh-CN" sz="1000" b="1">
                   <a:solidFill>
                     <a:srgbClr val="2C3E50"/>
                   </a:solidFill>
@@ -14184,7 +14242,7 @@
             <a:p>
               <a:pPr algn="ctr"/>
               <a:r>
-                <a:rPr lang="" altLang="zh-CN" sz="1400" b="1">
+                <a:rPr lang="en-US" altLang="zh-CN" sz="1400" b="1">
                   <a:solidFill>
                     <a:srgbClr val="2C3E50"/>
                   </a:solidFill>
@@ -14192,7 +14250,7 @@
                 </a:rPr>
                 <a:t>mount</a:t>
               </a:r>
-              <a:endParaRPr lang="" altLang="zh-CN" sz="1400" b="1">
+              <a:endParaRPr lang="en-US" altLang="zh-CN" sz="1400" b="1">
                 <a:solidFill>
                   <a:srgbClr val="2C3E50"/>
                 </a:solidFill>
@@ -14252,14 +14310,14 @@
             <a:p>
               <a:pPr algn="ctr"/>
               <a:r>
-                <a:rPr lang="" altLang="zh-CN" sz="1000" b="1">
+                <a:rPr lang="en-US" altLang="zh-CN" sz="1000" b="1">
                   <a:solidFill>
                     <a:srgbClr val="2C3E50"/>
                   </a:solidFill>
                 </a:rPr>
                 <a:t>.mnt</a:t>
               </a:r>
-              <a:endParaRPr lang="" altLang="zh-CN" sz="1000" b="1">
+              <a:endParaRPr lang="en-US" altLang="zh-CN" sz="1000" b="1">
                 <a:solidFill>
                   <a:srgbClr val="2C3E50"/>
                 </a:solidFill>
@@ -14318,7 +14376,7 @@
             <a:p>
               <a:pPr algn="ctr"/>
               <a:r>
-                <a:rPr lang="" altLang="en-US" sz="1400" b="1">
+                <a:rPr lang="en-US" altLang="en-US" sz="1400" b="1">
                   <a:solidFill>
                     <a:srgbClr val="2C3E50"/>
                   </a:solidFill>
@@ -14326,7 +14384,7 @@
                 </a:rPr>
                 <a:t>...</a:t>
               </a:r>
-              <a:endParaRPr lang="" altLang="en-US" sz="1400" b="1">
+              <a:endParaRPr lang="en-US" altLang="en-US" sz="1400" b="1">
                 <a:solidFill>
                   <a:srgbClr val="2C3E50"/>
                 </a:solidFill>
@@ -14757,14 +14815,14 @@
           </a:bodyPr>
           <a:p>
             <a:r>
-              <a:rPr lang="zh-CN" altLang="" sz="2400" b="1">
+              <a:rPr lang="zh-CN" altLang="en-US" sz="2400" b="1">
                 <a:solidFill>
                   <a:srgbClr val="2C3E50"/>
                 </a:solidFill>
               </a:rPr>
               <a:t>驱动层接口</a:t>
             </a:r>
-            <a:endParaRPr lang="zh-CN" altLang="" sz="2400" b="1">
+            <a:endParaRPr lang="zh-CN" altLang="en-US" sz="2400" b="1">
               <a:solidFill>
                 <a:srgbClr val="2C3E50"/>
               </a:solidFill>
@@ -20962,18 +21020,7 @@
                 <a:cs typeface="DejaVu Sans" panose="020B0603030804020204" charset="0"/>
                 <a:sym typeface="+mn-ea"/>
               </a:rPr>
-              <a:t>Ext2/3/4</a:t>
-            </a:r>
-            <a:r>
-              <a:rPr lang="" altLang="en-US" sz="1000" b="1">
-                <a:solidFill>
-                  <a:srgbClr val="2C3E50"/>
-                </a:solidFill>
-                <a:ea typeface="DejaVu Sans" panose="020B0603030804020204" charset="0"/>
-                <a:cs typeface="DejaVu Sans" panose="020B0603030804020204" charset="0"/>
-                <a:sym typeface="+mn-ea"/>
-              </a:rPr>
-              <a:t>    </a:t>
+              <a:t>Ext2/3/4    </a:t>
             </a:r>
             <a:r>
               <a:rPr lang="en-US" altLang="en-US" sz="1000" b="1">
@@ -22122,14 +22169,14 @@
           <a:p>
             <a:pPr algn="l"/>
             <a:r>
-              <a:rPr lang="" altLang="zh-CN" sz="1200" b="1">
+              <a:rPr lang="en-US" altLang="zh-CN" sz="1200" b="1">
                 <a:solidFill>
                   <a:srgbClr val="2C3E50"/>
                 </a:solidFill>
               </a:rPr>
               <a:t>fs/open.c  fs/readdir.c ...</a:t>
             </a:r>
-            <a:endParaRPr lang="" altLang="zh-CN" sz="1200" b="1">
+            <a:endParaRPr lang="en-US" altLang="zh-CN" sz="1200" b="1">
               <a:solidFill>
                 <a:srgbClr val="2C3E50"/>
               </a:solidFill>
@@ -22138,7 +22185,7 @@
           <a:p>
             <a:pPr algn="l"/>
             <a:r>
-              <a:rPr lang="" altLang="en-US" sz="1200" b="1">
+              <a:rPr lang="en-US" altLang="en-US" sz="1200" b="1">
                 <a:solidFill>
                   <a:srgbClr val="2C3E50"/>
                 </a:solidFill>
@@ -22154,14 +22201,14 @@
               <a:t>s/file.c</a:t>
             </a:r>
             <a:r>
-              <a:rPr lang="" altLang="en-US" sz="1200" b="1">
+              <a:rPr lang="en-US" altLang="en-US" sz="1200" b="1">
                 <a:solidFill>
                   <a:srgbClr val="2C3E50"/>
                 </a:solidFill>
               </a:rPr>
               <a:t>  fs/inode.c ...</a:t>
             </a:r>
-            <a:endParaRPr lang="" altLang="en-US" sz="1200" b="1">
+            <a:endParaRPr lang="en-US" altLang="en-US" sz="1200" b="1">
               <a:solidFill>
                 <a:srgbClr val="2C3E50"/>
               </a:solidFill>
@@ -22229,14 +22276,14 @@
               <a:t>fs/cachefiles</a:t>
             </a:r>
             <a:r>
-              <a:rPr lang="" altLang="zh-CN" sz="1200" b="1">
+              <a:rPr lang="en-US" altLang="zh-CN" sz="1200" b="1">
                 <a:solidFill>
                   <a:srgbClr val="2C3E50"/>
                 </a:solidFill>
               </a:rPr>
               <a:t>/</a:t>
             </a:r>
-            <a:endParaRPr lang="" altLang="zh-CN" sz="1200" b="1">
+            <a:endParaRPr lang="en-US" altLang="zh-CN" sz="1200" b="1">
               <a:solidFill>
                 <a:srgbClr val="2C3E50"/>
               </a:solidFill>
@@ -22304,14 +22351,14 @@
               <a:t> fs/ext4/</a:t>
             </a:r>
             <a:r>
-              <a:rPr lang="" altLang="zh-CN" sz="1200" b="1">
+              <a:rPr lang="en-US" altLang="zh-CN" sz="1200" b="1">
                 <a:solidFill>
                   <a:srgbClr val="2C3E50"/>
                 </a:solidFill>
               </a:rPr>
               <a:t>    fs/jffs2/     fs/ntfs/  </a:t>
             </a:r>
-            <a:endParaRPr lang="" altLang="zh-CN" sz="1200" b="1">
+            <a:endParaRPr lang="en-US" altLang="zh-CN" sz="1200" b="1">
               <a:solidFill>
                 <a:srgbClr val="2C3E50"/>
               </a:solidFill>
@@ -22371,14 +22418,14 @@
           <a:p>
             <a:pPr algn="l"/>
             <a:r>
-              <a:rPr lang="" altLang="zh-CN" sz="1200" b="1">
+              <a:rPr lang="en-US" altLang="zh-CN" sz="1200" b="1">
                 <a:solidFill>
                   <a:srgbClr val="2C3E50"/>
                 </a:solidFill>
               </a:rPr>
               <a:t>block/</a:t>
             </a:r>
-            <a:endParaRPr lang="" altLang="zh-CN" sz="1200" b="1">
+            <a:endParaRPr lang="en-US" altLang="zh-CN" sz="1200" b="1">
               <a:solidFill>
                 <a:srgbClr val="2C3E50"/>
               </a:solidFill>
@@ -22438,14 +22485,14 @@
           <a:p>
             <a:pPr algn="l"/>
             <a:r>
-              <a:rPr lang="" altLang="zh-CN" sz="1200" b="1">
+              <a:rPr lang="en-US" altLang="zh-CN" sz="1200" b="1">
                 <a:solidFill>
                   <a:srgbClr val="2C3E50"/>
                 </a:solidFill>
               </a:rPr>
               <a:t>driver/block/</a:t>
             </a:r>
-            <a:endParaRPr lang="" altLang="zh-CN" sz="1200" b="1">
+            <a:endParaRPr lang="en-US" altLang="zh-CN" sz="1200" b="1">
               <a:solidFill>
                 <a:srgbClr val="2C3E50"/>
               </a:solidFill>
@@ -25309,7 +25356,7 @@
           </a:bodyPr>
           <a:p>
             <a:r>
-              <a:rPr lang="" altLang="en-US" sz="2400" b="1">
+              <a:rPr lang="en-US" altLang="en-US" sz="2400" b="1">
                 <a:solidFill>
                   <a:srgbClr val="2C3E50"/>
                 </a:solidFill>
@@ -25317,14 +25364,14 @@
               <a:t>filesystem </a:t>
             </a:r>
             <a:r>
-              <a:rPr lang="zh-CN" altLang="" sz="2400" b="1">
+              <a:rPr lang="zh-CN" altLang="en-US" sz="2400" b="1">
                 <a:solidFill>
                   <a:srgbClr val="2C3E50"/>
                 </a:solidFill>
               </a:rPr>
               <a:t>注册</a:t>
             </a:r>
-            <a:endParaRPr lang="zh-CN" altLang="" sz="2400" b="1">
+            <a:endParaRPr lang="zh-CN" altLang="en-US" sz="2400" b="1">
               <a:solidFill>
                 <a:srgbClr val="2C3E50"/>
               </a:solidFill>
@@ -25436,14 +25483,14 @@
           <a:p>
             <a:pPr algn="ctr"/>
             <a:r>
-              <a:rPr lang="" altLang="zh-CN" b="1">
+              <a:rPr lang="en-US" altLang="zh-CN" b="1">
                 <a:solidFill>
                   <a:srgbClr val="2C3E50"/>
                 </a:solidFill>
               </a:rPr>
               <a:t>.next</a:t>
             </a:r>
-            <a:endParaRPr lang="" altLang="zh-CN" b="1">
+            <a:endParaRPr lang="en-US" altLang="zh-CN" b="1">
               <a:solidFill>
                 <a:srgbClr val="2C3E50"/>
               </a:solidFill>
